--- a/wireframe.pptx
+++ b/wireframe.pptx
@@ -5,12 +5,13 @@
     <p:sldMasterId id="2147483648" r:id="rId1"/>
   </p:sldMasterIdLst>
   <p:notesMasterIdLst>
-    <p:notesMasterId r:id="rId5"/>
+    <p:notesMasterId r:id="rId6"/>
   </p:notesMasterIdLst>
   <p:sldIdLst>
     <p:sldId id="259" r:id="rId2"/>
-    <p:sldId id="260" r:id="rId3"/>
-    <p:sldId id="261" r:id="rId4"/>
+    <p:sldId id="262" r:id="rId3"/>
+    <p:sldId id="263" r:id="rId4"/>
+    <p:sldId id="260" r:id="rId5"/>
   </p:sldIdLst>
   <p:sldSz cx="12192000" cy="6858000"/>
   <p:notesSz cx="6858000" cy="9144000"/>
@@ -109,6 +110,11 @@
       </a:defRPr>
     </a:lvl9pPr>
   </p:defaultTextStyle>
+  <p:extLst>
+    <p:ext uri="{EFAFB233-063F-42B5-8137-9DF3F51BA10A}">
+      <p15:sldGuideLst xmlns:p15="http://schemas.microsoft.com/office/powerpoint/2012/main"/>
+    </p:ext>
+  </p:extLst>
 </p:presentation>
 </file>
 
@@ -194,7 +200,7 @@
           <a:p>
             <a:fld id="{C3047700-A517-4674-94DD-3C5CFA77A47E}" type="datetimeFigureOut">
               <a:rPr lang="en-PH" smtClean="0"/>
-              <a:t>07/06/2020</a:t>
+              <a:t>12/06/2020</a:t>
             </a:fld>
             <a:endParaRPr lang="en-PH" dirty="0"/>
           </a:p>
@@ -508,15 +514,7 @@
           <a:p>
             <a:r>
               <a:rPr lang="en-PH" dirty="0" smtClean="0"/>
-              <a:t>*For </a:t>
-            </a:r>
-            <a:r>
-              <a:rPr lang="en-PH" dirty="0" err="1" smtClean="0"/>
-              <a:t>navbar</a:t>
-            </a:r>
-            <a:r>
-              <a:rPr lang="en-PH" dirty="0" smtClean="0"/>
-              <a:t>, use Papago as reference:</a:t>
+              <a:t>*For navbar, use Papago as reference:</a:t>
             </a:r>
             <a:r>
               <a:rPr lang="en-PH" baseline="0" dirty="0" smtClean="0"/>
@@ -550,15 +548,7 @@
             </a:pPr>
             <a:r>
               <a:rPr lang="en-PH" dirty="0" smtClean="0"/>
-              <a:t>*See </a:t>
-            </a:r>
-            <a:r>
-              <a:rPr lang="en-PH" dirty="0" err="1" smtClean="0"/>
-              <a:t>imgur</a:t>
-            </a:r>
-            <a:r>
-              <a:rPr lang="en-PH" dirty="0" smtClean="0"/>
-              <a:t> for ‘paste image or URL’ textbox sample</a:t>
+              <a:t>*See imgur for ‘paste image or URL’ textbox sample</a:t>
             </a:r>
           </a:p>
           <a:p>
@@ -633,7 +623,7 @@
               <a:rPr lang="en-PH" smtClean="0"/>
               <a:t>1</a:t>
             </a:fld>
-            <a:endParaRPr lang="en-PH"/>
+            <a:endParaRPr lang="en-PH" dirty="0"/>
           </a:p>
         </p:txBody>
       </p:sp>
@@ -641,6 +631,234 @@
     <p:extLst>
       <p:ext uri="{BB962C8B-B14F-4D97-AF65-F5344CB8AC3E}">
         <p14:creationId xmlns:p14="http://schemas.microsoft.com/office/powerpoint/2010/main" val="554774003"/>
+      </p:ext>
+    </p:extLst>
+  </p:cSld>
+  <p:clrMapOvr>
+    <a:masterClrMapping/>
+  </p:clrMapOvr>
+</p:notes>
+</file>
+
+<file path=ppt/notesSlides/notesSlide2.xml><?xml version="1.0" encoding="utf-8"?>
+<p:notes xmlns:a="http://schemas.openxmlformats.org/drawingml/2006/main" xmlns:r="http://schemas.openxmlformats.org/officeDocument/2006/relationships" xmlns:p="http://schemas.openxmlformats.org/presentationml/2006/main">
+  <p:cSld>
+    <p:spTree>
+      <p:nvGrpSpPr>
+        <p:cNvPr id="1" name=""/>
+        <p:cNvGrpSpPr/>
+        <p:nvPr/>
+      </p:nvGrpSpPr>
+      <p:grpSpPr>
+        <a:xfrm>
+          <a:off x="0" y="0"/>
+          <a:ext cx="0" cy="0"/>
+          <a:chOff x="0" y="0"/>
+          <a:chExt cx="0" cy="0"/>
+        </a:xfrm>
+      </p:grpSpPr>
+      <p:sp>
+        <p:nvSpPr>
+          <p:cNvPr id="2" name="Slide Image Placeholder 1"/>
+          <p:cNvSpPr>
+            <a:spLocks noGrp="1" noRot="1" noChangeAspect="1"/>
+          </p:cNvSpPr>
+          <p:nvPr>
+            <p:ph type="sldImg"/>
+          </p:nvPr>
+        </p:nvSpPr>
+        <p:spPr/>
+      </p:sp>
+      <p:sp>
+        <p:nvSpPr>
+          <p:cNvPr id="3" name="Notes Placeholder 2"/>
+          <p:cNvSpPr>
+            <a:spLocks noGrp="1"/>
+          </p:cNvSpPr>
+          <p:nvPr>
+            <p:ph type="body" idx="1"/>
+          </p:nvPr>
+        </p:nvSpPr>
+        <p:spPr/>
+        <p:txBody>
+          <a:bodyPr/>
+          <a:lstStyle/>
+          <a:p>
+            <a:r>
+              <a:rPr lang="en-PH" dirty="0" smtClean="0"/>
+              <a:t>Idea: Help,</a:t>
+            </a:r>
+            <a:r>
+              <a:rPr lang="en-PH" baseline="0" dirty="0" smtClean="0"/>
+              <a:t> S</a:t>
+            </a:r>
+            <a:r>
+              <a:rPr lang="en-PH" dirty="0" smtClean="0"/>
+              <a:t>ettings,</a:t>
+            </a:r>
+            <a:r>
+              <a:rPr lang="en-PH" baseline="0" dirty="0" smtClean="0"/>
+              <a:t> and View Generated are floating panels OR modals like </a:t>
+            </a:r>
+            <a:r>
+              <a:rPr lang="en-PH" dirty="0" smtClean="0">
+                <a:hlinkClick r:id="rId3"/>
+              </a:rPr>
+              <a:t>https://codepen.io/pen/</a:t>
+            </a:r>
+            <a:r>
+              <a:rPr lang="en-PH" dirty="0" smtClean="0"/>
+              <a:t> button</a:t>
+            </a:r>
+            <a:r>
+              <a:rPr lang="en-PH" baseline="0" dirty="0" smtClean="0"/>
+              <a:t> for settings</a:t>
+            </a:r>
+            <a:endParaRPr lang="en-PH" dirty="0"/>
+          </a:p>
+        </p:txBody>
+      </p:sp>
+      <p:sp>
+        <p:nvSpPr>
+          <p:cNvPr id="4" name="Slide Number Placeholder 3"/>
+          <p:cNvSpPr>
+            <a:spLocks noGrp="1"/>
+          </p:cNvSpPr>
+          <p:nvPr>
+            <p:ph type="sldNum" sz="quarter" idx="10"/>
+          </p:nvPr>
+        </p:nvSpPr>
+        <p:spPr/>
+        <p:txBody>
+          <a:bodyPr/>
+          <a:lstStyle/>
+          <a:p>
+            <a:fld id="{85BB1DC8-9B9B-4BA0-8340-7E69EAC5E56F}" type="slidenum">
+              <a:rPr lang="en-PH" smtClean="0"/>
+              <a:t>2</a:t>
+            </a:fld>
+            <a:endParaRPr lang="en-PH" dirty="0"/>
+          </a:p>
+        </p:txBody>
+      </p:sp>
+    </p:spTree>
+    <p:extLst>
+      <p:ext uri="{BB962C8B-B14F-4D97-AF65-F5344CB8AC3E}">
+        <p14:creationId xmlns:p14="http://schemas.microsoft.com/office/powerpoint/2010/main" val="3173537874"/>
+      </p:ext>
+    </p:extLst>
+  </p:cSld>
+  <p:clrMapOvr>
+    <a:masterClrMapping/>
+  </p:clrMapOvr>
+</p:notes>
+</file>
+
+<file path=ppt/notesSlides/notesSlide3.xml><?xml version="1.0" encoding="utf-8"?>
+<p:notes xmlns:a="http://schemas.openxmlformats.org/drawingml/2006/main" xmlns:r="http://schemas.openxmlformats.org/officeDocument/2006/relationships" xmlns:p="http://schemas.openxmlformats.org/presentationml/2006/main">
+  <p:cSld>
+    <p:spTree>
+      <p:nvGrpSpPr>
+        <p:cNvPr id="1" name=""/>
+        <p:cNvGrpSpPr/>
+        <p:nvPr/>
+      </p:nvGrpSpPr>
+      <p:grpSpPr>
+        <a:xfrm>
+          <a:off x="0" y="0"/>
+          <a:ext cx="0" cy="0"/>
+          <a:chOff x="0" y="0"/>
+          <a:chExt cx="0" cy="0"/>
+        </a:xfrm>
+      </p:grpSpPr>
+      <p:sp>
+        <p:nvSpPr>
+          <p:cNvPr id="2" name="Slide Image Placeholder 1"/>
+          <p:cNvSpPr>
+            <a:spLocks noGrp="1" noRot="1" noChangeAspect="1"/>
+          </p:cNvSpPr>
+          <p:nvPr>
+            <p:ph type="sldImg"/>
+          </p:nvPr>
+        </p:nvSpPr>
+        <p:spPr/>
+      </p:sp>
+      <p:sp>
+        <p:nvSpPr>
+          <p:cNvPr id="3" name="Notes Placeholder 2"/>
+          <p:cNvSpPr>
+            <a:spLocks noGrp="1"/>
+          </p:cNvSpPr>
+          <p:nvPr>
+            <p:ph type="body" idx="1"/>
+          </p:nvPr>
+        </p:nvSpPr>
+        <p:spPr/>
+        <p:txBody>
+          <a:bodyPr/>
+          <a:lstStyle/>
+          <a:p>
+            <a:r>
+              <a:rPr lang="en-PH" dirty="0" smtClean="0"/>
+              <a:t>Idea: Help,</a:t>
+            </a:r>
+            <a:r>
+              <a:rPr lang="en-PH" baseline="0" dirty="0" smtClean="0"/>
+              <a:t> S</a:t>
+            </a:r>
+            <a:r>
+              <a:rPr lang="en-PH" dirty="0" smtClean="0"/>
+              <a:t>ettings,</a:t>
+            </a:r>
+            <a:r>
+              <a:rPr lang="en-PH" baseline="0" dirty="0" smtClean="0"/>
+              <a:t> and View Generated are floating panels OR modals like </a:t>
+            </a:r>
+            <a:r>
+              <a:rPr lang="en-PH" dirty="0" smtClean="0">
+                <a:hlinkClick r:id="rId3"/>
+              </a:rPr>
+              <a:t>https://codepen.io/pen/</a:t>
+            </a:r>
+            <a:r>
+              <a:rPr lang="en-PH" dirty="0" smtClean="0"/>
+              <a:t> button</a:t>
+            </a:r>
+            <a:r>
+              <a:rPr lang="en-PH" baseline="0" dirty="0" smtClean="0"/>
+              <a:t> for settings</a:t>
+            </a:r>
+            <a:endParaRPr lang="en-PH" dirty="0"/>
+          </a:p>
+        </p:txBody>
+      </p:sp>
+      <p:sp>
+        <p:nvSpPr>
+          <p:cNvPr id="4" name="Slide Number Placeholder 3"/>
+          <p:cNvSpPr>
+            <a:spLocks noGrp="1"/>
+          </p:cNvSpPr>
+          <p:nvPr>
+            <p:ph type="sldNum" sz="quarter" idx="10"/>
+          </p:nvPr>
+        </p:nvSpPr>
+        <p:spPr/>
+        <p:txBody>
+          <a:bodyPr/>
+          <a:lstStyle/>
+          <a:p>
+            <a:fld id="{85BB1DC8-9B9B-4BA0-8340-7E69EAC5E56F}" type="slidenum">
+              <a:rPr lang="en-PH" smtClean="0"/>
+              <a:t>3</a:t>
+            </a:fld>
+            <a:endParaRPr lang="en-PH" dirty="0"/>
+          </a:p>
+        </p:txBody>
+      </p:sp>
+    </p:spTree>
+    <p:extLst>
+      <p:ext uri="{BB962C8B-B14F-4D97-AF65-F5344CB8AC3E}">
+        <p14:creationId xmlns:p14="http://schemas.microsoft.com/office/powerpoint/2010/main" val="2483131449"/>
       </p:ext>
     </p:extLst>
   </p:cSld>
@@ -781,7 +999,7 @@
           <a:p>
             <a:fld id="{B48AE26B-A38E-4E8D-ABF6-3CA671209798}" type="datetimeFigureOut">
               <a:rPr lang="en-PH" smtClean="0"/>
-              <a:t>07/06/2020</a:t>
+              <a:t>12/06/2020</a:t>
             </a:fld>
             <a:endParaRPr lang="en-PH" dirty="0"/>
           </a:p>
@@ -951,7 +1169,7 @@
           <a:p>
             <a:fld id="{B48AE26B-A38E-4E8D-ABF6-3CA671209798}" type="datetimeFigureOut">
               <a:rPr lang="en-PH" smtClean="0"/>
-              <a:t>07/06/2020</a:t>
+              <a:t>12/06/2020</a:t>
             </a:fld>
             <a:endParaRPr lang="en-PH" dirty="0"/>
           </a:p>
@@ -1131,7 +1349,7 @@
           <a:p>
             <a:fld id="{B48AE26B-A38E-4E8D-ABF6-3CA671209798}" type="datetimeFigureOut">
               <a:rPr lang="en-PH" smtClean="0"/>
-              <a:t>07/06/2020</a:t>
+              <a:t>12/06/2020</a:t>
             </a:fld>
             <a:endParaRPr lang="en-PH" dirty="0"/>
           </a:p>
@@ -1301,7 +1519,7 @@
           <a:p>
             <a:fld id="{B48AE26B-A38E-4E8D-ABF6-3CA671209798}" type="datetimeFigureOut">
               <a:rPr lang="en-PH" smtClean="0"/>
-              <a:t>07/06/2020</a:t>
+              <a:t>12/06/2020</a:t>
             </a:fld>
             <a:endParaRPr lang="en-PH" dirty="0"/>
           </a:p>
@@ -1547,7 +1765,7 @@
           <a:p>
             <a:fld id="{B48AE26B-A38E-4E8D-ABF6-3CA671209798}" type="datetimeFigureOut">
               <a:rPr lang="en-PH" smtClean="0"/>
-              <a:t>07/06/2020</a:t>
+              <a:t>12/06/2020</a:t>
             </a:fld>
             <a:endParaRPr lang="en-PH" dirty="0"/>
           </a:p>
@@ -1779,7 +1997,7 @@
           <a:p>
             <a:fld id="{B48AE26B-A38E-4E8D-ABF6-3CA671209798}" type="datetimeFigureOut">
               <a:rPr lang="en-PH" smtClean="0"/>
-              <a:t>07/06/2020</a:t>
+              <a:t>12/06/2020</a:t>
             </a:fld>
             <a:endParaRPr lang="en-PH" dirty="0"/>
           </a:p>
@@ -2146,7 +2364,7 @@
           <a:p>
             <a:fld id="{B48AE26B-A38E-4E8D-ABF6-3CA671209798}" type="datetimeFigureOut">
               <a:rPr lang="en-PH" smtClean="0"/>
-              <a:t>07/06/2020</a:t>
+              <a:t>12/06/2020</a:t>
             </a:fld>
             <a:endParaRPr lang="en-PH" dirty="0"/>
           </a:p>
@@ -2264,7 +2482,7 @@
           <a:p>
             <a:fld id="{B48AE26B-A38E-4E8D-ABF6-3CA671209798}" type="datetimeFigureOut">
               <a:rPr lang="en-PH" smtClean="0"/>
-              <a:t>07/06/2020</a:t>
+              <a:t>12/06/2020</a:t>
             </a:fld>
             <a:endParaRPr lang="en-PH" dirty="0"/>
           </a:p>
@@ -2359,7 +2577,7 @@
           <a:p>
             <a:fld id="{B48AE26B-A38E-4E8D-ABF6-3CA671209798}" type="datetimeFigureOut">
               <a:rPr lang="en-PH" smtClean="0"/>
-              <a:t>07/06/2020</a:t>
+              <a:t>12/06/2020</a:t>
             </a:fld>
             <a:endParaRPr lang="en-PH" dirty="0"/>
           </a:p>
@@ -2636,7 +2854,7 @@
           <a:p>
             <a:fld id="{B48AE26B-A38E-4E8D-ABF6-3CA671209798}" type="datetimeFigureOut">
               <a:rPr lang="en-PH" smtClean="0"/>
-              <a:t>07/06/2020</a:t>
+              <a:t>12/06/2020</a:t>
             </a:fld>
             <a:endParaRPr lang="en-PH" dirty="0"/>
           </a:p>
@@ -2889,7 +3107,7 @@
           <a:p>
             <a:fld id="{B48AE26B-A38E-4E8D-ABF6-3CA671209798}" type="datetimeFigureOut">
               <a:rPr lang="en-PH" smtClean="0"/>
-              <a:t>07/06/2020</a:t>
+              <a:t>12/06/2020</a:t>
             </a:fld>
             <a:endParaRPr lang="en-PH" dirty="0"/>
           </a:p>
@@ -3102,7 +3320,7 @@
           <a:p>
             <a:fld id="{B48AE26B-A38E-4E8D-ABF6-3CA671209798}" type="datetimeFigureOut">
               <a:rPr lang="en-PH" smtClean="0"/>
-              <a:t>07/06/2020</a:t>
+              <a:t>12/06/2020</a:t>
             </a:fld>
             <a:endParaRPr lang="en-PH" dirty="0"/>
           </a:p>
@@ -6045,6 +6263,3965 @@
         </p:nvSpPr>
         <p:spPr>
           <a:xfrm>
+            <a:off x="0" y="1"/>
+            <a:ext cx="12192000" cy="900333"/>
+          </a:xfrm>
+          <a:prstGeom prst="rect">
+            <a:avLst/>
+          </a:prstGeom>
+          <a:solidFill>
+            <a:srgbClr val="AACAB1"/>
+          </a:solidFill>
+          <a:ln w="38100">
+            <a:noFill/>
+          </a:ln>
+        </p:spPr>
+        <p:style>
+          <a:lnRef idx="2">
+            <a:schemeClr val="accent1">
+              <a:shade val="50000"/>
+            </a:schemeClr>
+          </a:lnRef>
+          <a:fillRef idx="1">
+            <a:schemeClr val="accent1"/>
+          </a:fillRef>
+          <a:effectRef idx="0">
+            <a:schemeClr val="accent1"/>
+          </a:effectRef>
+          <a:fontRef idx="minor">
+            <a:schemeClr val="lt1"/>
+          </a:fontRef>
+        </p:style>
+        <p:txBody>
+          <a:bodyPr rtlCol="0" anchor="ctr"/>
+          <a:lstStyle/>
+          <a:p>
+            <a:pPr algn="ctr"/>
+            <a:endParaRPr lang="en-PH" dirty="0"/>
+          </a:p>
+        </p:txBody>
+      </p:sp>
+      <p:sp>
+        <p:nvSpPr>
+          <p:cNvPr id="2" name="Rectangle 1"/>
+          <p:cNvSpPr/>
+          <p:nvPr/>
+        </p:nvSpPr>
+        <p:spPr>
+          <a:xfrm>
+            <a:off x="150403" y="141709"/>
+            <a:ext cx="5036956" cy="646331"/>
+          </a:xfrm>
+          <a:prstGeom prst="rect">
+            <a:avLst/>
+          </a:prstGeom>
+        </p:spPr>
+        <p:txBody>
+          <a:bodyPr wrap="none">
+            <a:spAutoFit/>
+          </a:bodyPr>
+          <a:lstStyle/>
+          <a:p>
+            <a:r>
+              <a:rPr lang="en-PH" sz="3600" dirty="0" smtClean="0">
+                <a:latin typeface="Montserrat" panose="00000500000000000000" pitchFamily="2" charset="0"/>
+              </a:rPr>
+              <a:t>Certificate</a:t>
+            </a:r>
+            <a:r>
+              <a:rPr lang="en-PH" sz="3600" dirty="0" smtClean="0">
+                <a:solidFill>
+                  <a:schemeClr val="bg1"/>
+                </a:solidFill>
+                <a:latin typeface="Montserrat" panose="00000500000000000000" pitchFamily="2" charset="0"/>
+              </a:rPr>
+              <a:t> Generator</a:t>
+            </a:r>
+            <a:endParaRPr lang="en-PH" sz="3600" dirty="0">
+              <a:solidFill>
+                <a:schemeClr val="bg1"/>
+              </a:solidFill>
+            </a:endParaRPr>
+          </a:p>
+        </p:txBody>
+      </p:sp>
+      <p:sp>
+        <p:nvSpPr>
+          <p:cNvPr id="10" name="Rectangle 9"/>
+          <p:cNvSpPr/>
+          <p:nvPr/>
+        </p:nvSpPr>
+        <p:spPr>
+          <a:xfrm>
+            <a:off x="-561949" y="1375497"/>
+            <a:ext cx="4127152" cy="4749855"/>
+          </a:xfrm>
+          <a:prstGeom prst="rect">
+            <a:avLst/>
+          </a:prstGeom>
+          <a:solidFill>
+            <a:srgbClr val="AACAB1"/>
+          </a:solidFill>
+          <a:ln>
+            <a:noFill/>
+          </a:ln>
+        </p:spPr>
+        <p:style>
+          <a:lnRef idx="2">
+            <a:schemeClr val="accent1">
+              <a:shade val="50000"/>
+            </a:schemeClr>
+          </a:lnRef>
+          <a:fillRef idx="1">
+            <a:schemeClr val="accent1"/>
+          </a:fillRef>
+          <a:effectRef idx="0">
+            <a:schemeClr val="accent1"/>
+          </a:effectRef>
+          <a:fontRef idx="minor">
+            <a:schemeClr val="lt1"/>
+          </a:fontRef>
+        </p:style>
+        <p:txBody>
+          <a:bodyPr rtlCol="0" anchor="ctr"/>
+          <a:lstStyle/>
+          <a:p>
+            <a:pPr algn="ctr"/>
+            <a:endParaRPr lang="en-PH" dirty="0"/>
+          </a:p>
+        </p:txBody>
+      </p:sp>
+      <p:sp>
+        <p:nvSpPr>
+          <p:cNvPr id="27" name="Rectangle 26"/>
+          <p:cNvSpPr/>
+          <p:nvPr/>
+        </p:nvSpPr>
+        <p:spPr>
+          <a:xfrm>
+            <a:off x="-574797" y="1375498"/>
+            <a:ext cx="4135718" cy="540000"/>
+          </a:xfrm>
+          <a:prstGeom prst="rect">
+            <a:avLst/>
+          </a:prstGeom>
+          <a:solidFill>
+            <a:schemeClr val="tx1">
+              <a:lumMod val="85000"/>
+              <a:lumOff val="15000"/>
+            </a:schemeClr>
+          </a:solidFill>
+          <a:ln w="28575">
+            <a:noFill/>
+          </a:ln>
+        </p:spPr>
+        <p:style>
+          <a:lnRef idx="2">
+            <a:schemeClr val="accent1">
+              <a:shade val="50000"/>
+            </a:schemeClr>
+          </a:lnRef>
+          <a:fillRef idx="1">
+            <a:schemeClr val="accent1"/>
+          </a:fillRef>
+          <a:effectRef idx="0">
+            <a:schemeClr val="accent1"/>
+          </a:effectRef>
+          <a:fontRef idx="minor">
+            <a:schemeClr val="lt1"/>
+          </a:fontRef>
+        </p:style>
+        <p:txBody>
+          <a:bodyPr rtlCol="0" anchor="ctr"/>
+          <a:lstStyle/>
+          <a:p>
+            <a:r>
+              <a:rPr lang="en-PH" dirty="0" smtClean="0">
+                <a:solidFill>
+                  <a:srgbClr val="AACAB1"/>
+                </a:solidFill>
+                <a:latin typeface="Montserrat" panose="00000500000000000000" pitchFamily="2" charset="0"/>
+              </a:rPr>
+              <a:t>Help</a:t>
+            </a:r>
+            <a:endParaRPr lang="en-PH" dirty="0">
+              <a:solidFill>
+                <a:srgbClr val="AACAB1"/>
+              </a:solidFill>
+              <a:latin typeface="Montserrat" panose="00000500000000000000" pitchFamily="2" charset="0"/>
+            </a:endParaRPr>
+          </a:p>
+        </p:txBody>
+      </p:sp>
+      <p:grpSp>
+        <p:nvGrpSpPr>
+          <p:cNvPr id="44" name="Group 43"/>
+          <p:cNvGrpSpPr/>
+          <p:nvPr/>
+        </p:nvGrpSpPr>
+        <p:grpSpPr>
+          <a:xfrm>
+            <a:off x="9162151" y="201687"/>
+            <a:ext cx="360000" cy="360000"/>
+            <a:chOff x="0" y="0"/>
+            <a:chExt cx="5809957" cy="1012875"/>
+          </a:xfrm>
+        </p:grpSpPr>
+        <p:sp>
+          <p:nvSpPr>
+            <p:cNvPr id="45" name="Rectangle 44"/>
+            <p:cNvSpPr/>
+            <p:nvPr/>
+          </p:nvSpPr>
+          <p:spPr>
+            <a:xfrm>
+              <a:off x="0" y="1"/>
+              <a:ext cx="5809957" cy="1012874"/>
+            </a:xfrm>
+            <a:prstGeom prst="rect">
+              <a:avLst/>
+            </a:prstGeom>
+            <a:solidFill>
+              <a:schemeClr val="bg1"/>
+            </a:solidFill>
+            <a:ln w="38100">
+              <a:solidFill>
+                <a:srgbClr val="AACAB1"/>
+              </a:solidFill>
+            </a:ln>
+          </p:spPr>
+          <p:style>
+            <a:lnRef idx="2">
+              <a:schemeClr val="accent1">
+                <a:shade val="50000"/>
+              </a:schemeClr>
+            </a:lnRef>
+            <a:fillRef idx="1">
+              <a:schemeClr val="accent1"/>
+            </a:fillRef>
+            <a:effectRef idx="0">
+              <a:schemeClr val="accent1"/>
+            </a:effectRef>
+            <a:fontRef idx="minor">
+              <a:schemeClr val="lt1"/>
+            </a:fontRef>
+          </p:style>
+          <p:txBody>
+            <a:bodyPr rtlCol="0" anchor="ctr"/>
+            <a:lstStyle/>
+            <a:p>
+              <a:pPr algn="ctr"/>
+              <a:endParaRPr lang="en-PH" sz="3600" dirty="0">
+                <a:solidFill>
+                  <a:srgbClr val="AACAB1"/>
+                </a:solidFill>
+              </a:endParaRPr>
+            </a:p>
+          </p:txBody>
+        </p:sp>
+        <p:cxnSp>
+          <p:nvCxnSpPr>
+            <p:cNvPr id="46" name="Straight Connector 45"/>
+            <p:cNvCxnSpPr/>
+            <p:nvPr/>
+          </p:nvCxnSpPr>
+          <p:spPr>
+            <a:xfrm>
+              <a:off x="0" y="2"/>
+              <a:ext cx="5809957" cy="1012873"/>
+            </a:xfrm>
+            <a:prstGeom prst="line">
+              <a:avLst/>
+            </a:prstGeom>
+            <a:ln w="38100">
+              <a:solidFill>
+                <a:srgbClr val="AACAB1"/>
+              </a:solidFill>
+            </a:ln>
+          </p:spPr>
+          <p:style>
+            <a:lnRef idx="1">
+              <a:schemeClr val="accent1"/>
+            </a:lnRef>
+            <a:fillRef idx="0">
+              <a:schemeClr val="accent1"/>
+            </a:fillRef>
+            <a:effectRef idx="0">
+              <a:schemeClr val="accent1"/>
+            </a:effectRef>
+            <a:fontRef idx="minor">
+              <a:schemeClr val="tx1"/>
+            </a:fontRef>
+          </p:style>
+        </p:cxnSp>
+        <p:cxnSp>
+          <p:nvCxnSpPr>
+            <p:cNvPr id="47" name="Straight Connector 46"/>
+            <p:cNvCxnSpPr/>
+            <p:nvPr/>
+          </p:nvCxnSpPr>
+          <p:spPr>
+            <a:xfrm flipV="1">
+              <a:off x="28135" y="0"/>
+              <a:ext cx="5781822" cy="1012875"/>
+            </a:xfrm>
+            <a:prstGeom prst="line">
+              <a:avLst/>
+            </a:prstGeom>
+            <a:ln w="38100">
+              <a:solidFill>
+                <a:srgbClr val="AACAB1"/>
+              </a:solidFill>
+            </a:ln>
+          </p:spPr>
+          <p:style>
+            <a:lnRef idx="1">
+              <a:schemeClr val="accent1"/>
+            </a:lnRef>
+            <a:fillRef idx="0">
+              <a:schemeClr val="accent1"/>
+            </a:fillRef>
+            <a:effectRef idx="0">
+              <a:schemeClr val="accent1"/>
+            </a:effectRef>
+            <a:fontRef idx="minor">
+              <a:schemeClr val="tx1"/>
+            </a:fontRef>
+          </p:style>
+        </p:cxnSp>
+      </p:grpSp>
+      <p:grpSp>
+        <p:nvGrpSpPr>
+          <p:cNvPr id="31" name="Group 30"/>
+          <p:cNvGrpSpPr/>
+          <p:nvPr/>
+        </p:nvGrpSpPr>
+        <p:grpSpPr>
+          <a:xfrm>
+            <a:off x="9626268" y="201328"/>
+            <a:ext cx="360000" cy="360000"/>
+            <a:chOff x="0" y="0"/>
+            <a:chExt cx="5809957" cy="1012875"/>
+          </a:xfrm>
+        </p:grpSpPr>
+        <p:sp>
+          <p:nvSpPr>
+            <p:cNvPr id="32" name="Rectangle 31"/>
+            <p:cNvSpPr/>
+            <p:nvPr/>
+          </p:nvSpPr>
+          <p:spPr>
+            <a:xfrm>
+              <a:off x="0" y="1"/>
+              <a:ext cx="5809957" cy="1012874"/>
+            </a:xfrm>
+            <a:prstGeom prst="rect">
+              <a:avLst/>
+            </a:prstGeom>
+            <a:solidFill>
+              <a:schemeClr val="bg1"/>
+            </a:solidFill>
+            <a:ln w="38100">
+              <a:solidFill>
+                <a:srgbClr val="AACAB1"/>
+              </a:solidFill>
+            </a:ln>
+          </p:spPr>
+          <p:style>
+            <a:lnRef idx="2">
+              <a:schemeClr val="accent1">
+                <a:shade val="50000"/>
+              </a:schemeClr>
+            </a:lnRef>
+            <a:fillRef idx="1">
+              <a:schemeClr val="accent1"/>
+            </a:fillRef>
+            <a:effectRef idx="0">
+              <a:schemeClr val="accent1"/>
+            </a:effectRef>
+            <a:fontRef idx="minor">
+              <a:schemeClr val="lt1"/>
+            </a:fontRef>
+          </p:style>
+          <p:txBody>
+            <a:bodyPr rtlCol="0" anchor="ctr"/>
+            <a:lstStyle/>
+            <a:p>
+              <a:pPr algn="ctr"/>
+              <a:endParaRPr lang="en-PH" sz="3600" dirty="0">
+                <a:solidFill>
+                  <a:srgbClr val="AACAB1"/>
+                </a:solidFill>
+              </a:endParaRPr>
+            </a:p>
+          </p:txBody>
+        </p:sp>
+        <p:cxnSp>
+          <p:nvCxnSpPr>
+            <p:cNvPr id="33" name="Straight Connector 32"/>
+            <p:cNvCxnSpPr/>
+            <p:nvPr/>
+          </p:nvCxnSpPr>
+          <p:spPr>
+            <a:xfrm>
+              <a:off x="0" y="2"/>
+              <a:ext cx="5809957" cy="1012873"/>
+            </a:xfrm>
+            <a:prstGeom prst="line">
+              <a:avLst/>
+            </a:prstGeom>
+            <a:ln w="38100">
+              <a:solidFill>
+                <a:srgbClr val="AACAB1"/>
+              </a:solidFill>
+            </a:ln>
+          </p:spPr>
+          <p:style>
+            <a:lnRef idx="1">
+              <a:schemeClr val="accent1"/>
+            </a:lnRef>
+            <a:fillRef idx="0">
+              <a:schemeClr val="accent1"/>
+            </a:fillRef>
+            <a:effectRef idx="0">
+              <a:schemeClr val="accent1"/>
+            </a:effectRef>
+            <a:fontRef idx="minor">
+              <a:schemeClr val="tx1"/>
+            </a:fontRef>
+          </p:style>
+        </p:cxnSp>
+        <p:cxnSp>
+          <p:nvCxnSpPr>
+            <p:cNvPr id="34" name="Straight Connector 33"/>
+            <p:cNvCxnSpPr/>
+            <p:nvPr/>
+          </p:nvCxnSpPr>
+          <p:spPr>
+            <a:xfrm flipV="1">
+              <a:off x="28135" y="0"/>
+              <a:ext cx="5781822" cy="1012875"/>
+            </a:xfrm>
+            <a:prstGeom prst="line">
+              <a:avLst/>
+            </a:prstGeom>
+            <a:ln w="38100">
+              <a:solidFill>
+                <a:srgbClr val="AACAB1"/>
+              </a:solidFill>
+            </a:ln>
+          </p:spPr>
+          <p:style>
+            <a:lnRef idx="1">
+              <a:schemeClr val="accent1"/>
+            </a:lnRef>
+            <a:fillRef idx="0">
+              <a:schemeClr val="accent1"/>
+            </a:fillRef>
+            <a:effectRef idx="0">
+              <a:schemeClr val="accent1"/>
+            </a:effectRef>
+            <a:fontRef idx="minor">
+              <a:schemeClr val="tx1"/>
+            </a:fontRef>
+          </p:style>
+        </p:cxnSp>
+      </p:grpSp>
+      <p:grpSp>
+        <p:nvGrpSpPr>
+          <p:cNvPr id="88" name="Group 87"/>
+          <p:cNvGrpSpPr/>
+          <p:nvPr/>
+        </p:nvGrpSpPr>
+        <p:grpSpPr>
+          <a:xfrm>
+            <a:off x="10140459" y="232285"/>
+            <a:ext cx="324000" cy="324000"/>
+            <a:chOff x="5165558" y="2020501"/>
+            <a:chExt cx="3920844" cy="3899874"/>
+          </a:xfrm>
+          <a:solidFill>
+            <a:schemeClr val="bg1"/>
+          </a:solidFill>
+        </p:grpSpPr>
+        <p:sp>
+          <p:nvSpPr>
+            <p:cNvPr id="89" name="Rectangle 88"/>
+            <p:cNvSpPr/>
+            <p:nvPr/>
+          </p:nvSpPr>
+          <p:spPr>
+            <a:xfrm>
+              <a:off x="5165558" y="2020501"/>
+              <a:ext cx="900000" cy="900000"/>
+            </a:xfrm>
+            <a:prstGeom prst="rect">
+              <a:avLst/>
+            </a:prstGeom>
+            <a:grpFill/>
+            <a:ln>
+              <a:noFill/>
+            </a:ln>
+          </p:spPr>
+          <p:style>
+            <a:lnRef idx="2">
+              <a:schemeClr val="accent1">
+                <a:shade val="50000"/>
+              </a:schemeClr>
+            </a:lnRef>
+            <a:fillRef idx="1">
+              <a:schemeClr val="accent1"/>
+            </a:fillRef>
+            <a:effectRef idx="0">
+              <a:schemeClr val="accent1"/>
+            </a:effectRef>
+            <a:fontRef idx="minor">
+              <a:schemeClr val="lt1"/>
+            </a:fontRef>
+          </p:style>
+          <p:txBody>
+            <a:bodyPr rtlCol="0" anchor="ctr"/>
+            <a:lstStyle/>
+            <a:p>
+              <a:pPr algn="ctr"/>
+              <a:endParaRPr lang="en-PH" dirty="0"/>
+            </a:p>
+          </p:txBody>
+        </p:sp>
+        <p:sp>
+          <p:nvSpPr>
+            <p:cNvPr id="90" name="Rectangle 89"/>
+            <p:cNvSpPr/>
+            <p:nvPr/>
+          </p:nvSpPr>
+          <p:spPr>
+            <a:xfrm>
+              <a:off x="8186402" y="2020501"/>
+              <a:ext cx="900000" cy="900000"/>
+            </a:xfrm>
+            <a:prstGeom prst="rect">
+              <a:avLst/>
+            </a:prstGeom>
+            <a:grpFill/>
+            <a:ln>
+              <a:noFill/>
+            </a:ln>
+          </p:spPr>
+          <p:style>
+            <a:lnRef idx="2">
+              <a:schemeClr val="accent1">
+                <a:shade val="50000"/>
+              </a:schemeClr>
+            </a:lnRef>
+            <a:fillRef idx="1">
+              <a:schemeClr val="accent1"/>
+            </a:fillRef>
+            <a:effectRef idx="0">
+              <a:schemeClr val="accent1"/>
+            </a:effectRef>
+            <a:fontRef idx="minor">
+              <a:schemeClr val="lt1"/>
+            </a:fontRef>
+          </p:style>
+          <p:txBody>
+            <a:bodyPr rtlCol="0" anchor="ctr"/>
+            <a:lstStyle/>
+            <a:p>
+              <a:pPr algn="ctr"/>
+              <a:endParaRPr lang="en-PH" dirty="0"/>
+            </a:p>
+          </p:txBody>
+        </p:sp>
+        <p:sp>
+          <p:nvSpPr>
+            <p:cNvPr id="91" name="Rectangle 90"/>
+            <p:cNvSpPr/>
+            <p:nvPr/>
+          </p:nvSpPr>
+          <p:spPr>
+            <a:xfrm>
+              <a:off x="6675980" y="2020501"/>
+              <a:ext cx="900000" cy="900000"/>
+            </a:xfrm>
+            <a:prstGeom prst="rect">
+              <a:avLst/>
+            </a:prstGeom>
+            <a:grpFill/>
+            <a:ln>
+              <a:noFill/>
+            </a:ln>
+          </p:spPr>
+          <p:style>
+            <a:lnRef idx="2">
+              <a:schemeClr val="accent1">
+                <a:shade val="50000"/>
+              </a:schemeClr>
+            </a:lnRef>
+            <a:fillRef idx="1">
+              <a:schemeClr val="accent1"/>
+            </a:fillRef>
+            <a:effectRef idx="0">
+              <a:schemeClr val="accent1"/>
+            </a:effectRef>
+            <a:fontRef idx="minor">
+              <a:schemeClr val="lt1"/>
+            </a:fontRef>
+          </p:style>
+          <p:txBody>
+            <a:bodyPr rtlCol="0" anchor="ctr"/>
+            <a:lstStyle/>
+            <a:p>
+              <a:pPr algn="ctr"/>
+              <a:endParaRPr lang="en-PH" dirty="0"/>
+            </a:p>
+          </p:txBody>
+        </p:sp>
+        <p:sp>
+          <p:nvSpPr>
+            <p:cNvPr id="92" name="Rectangle 91"/>
+            <p:cNvSpPr/>
+            <p:nvPr/>
+          </p:nvSpPr>
+          <p:spPr>
+            <a:xfrm>
+              <a:off x="5165558" y="3520438"/>
+              <a:ext cx="900000" cy="900000"/>
+            </a:xfrm>
+            <a:prstGeom prst="rect">
+              <a:avLst/>
+            </a:prstGeom>
+            <a:grpFill/>
+            <a:ln>
+              <a:noFill/>
+            </a:ln>
+          </p:spPr>
+          <p:style>
+            <a:lnRef idx="2">
+              <a:schemeClr val="accent1">
+                <a:shade val="50000"/>
+              </a:schemeClr>
+            </a:lnRef>
+            <a:fillRef idx="1">
+              <a:schemeClr val="accent1"/>
+            </a:fillRef>
+            <a:effectRef idx="0">
+              <a:schemeClr val="accent1"/>
+            </a:effectRef>
+            <a:fontRef idx="minor">
+              <a:schemeClr val="lt1"/>
+            </a:fontRef>
+          </p:style>
+          <p:txBody>
+            <a:bodyPr rtlCol="0" anchor="ctr"/>
+            <a:lstStyle/>
+            <a:p>
+              <a:pPr algn="ctr"/>
+              <a:endParaRPr lang="en-PH" dirty="0"/>
+            </a:p>
+          </p:txBody>
+        </p:sp>
+        <p:sp>
+          <p:nvSpPr>
+            <p:cNvPr id="93" name="Rectangle 92"/>
+            <p:cNvSpPr/>
+            <p:nvPr/>
+          </p:nvSpPr>
+          <p:spPr>
+            <a:xfrm>
+              <a:off x="8186402" y="3520438"/>
+              <a:ext cx="900000" cy="900000"/>
+            </a:xfrm>
+            <a:prstGeom prst="rect">
+              <a:avLst/>
+            </a:prstGeom>
+            <a:grpFill/>
+            <a:ln>
+              <a:noFill/>
+            </a:ln>
+          </p:spPr>
+          <p:style>
+            <a:lnRef idx="2">
+              <a:schemeClr val="accent1">
+                <a:shade val="50000"/>
+              </a:schemeClr>
+            </a:lnRef>
+            <a:fillRef idx="1">
+              <a:schemeClr val="accent1"/>
+            </a:fillRef>
+            <a:effectRef idx="0">
+              <a:schemeClr val="accent1"/>
+            </a:effectRef>
+            <a:fontRef idx="minor">
+              <a:schemeClr val="lt1"/>
+            </a:fontRef>
+          </p:style>
+          <p:txBody>
+            <a:bodyPr rtlCol="0" anchor="ctr"/>
+            <a:lstStyle/>
+            <a:p>
+              <a:pPr algn="ctr"/>
+              <a:endParaRPr lang="en-PH" dirty="0"/>
+            </a:p>
+          </p:txBody>
+        </p:sp>
+        <p:sp>
+          <p:nvSpPr>
+            <p:cNvPr id="94" name="Rectangle 93"/>
+            <p:cNvSpPr/>
+            <p:nvPr/>
+          </p:nvSpPr>
+          <p:spPr>
+            <a:xfrm>
+              <a:off x="6675980" y="3520438"/>
+              <a:ext cx="900000" cy="900000"/>
+            </a:xfrm>
+            <a:prstGeom prst="rect">
+              <a:avLst/>
+            </a:prstGeom>
+            <a:grpFill/>
+            <a:ln>
+              <a:noFill/>
+            </a:ln>
+          </p:spPr>
+          <p:style>
+            <a:lnRef idx="2">
+              <a:schemeClr val="accent1">
+                <a:shade val="50000"/>
+              </a:schemeClr>
+            </a:lnRef>
+            <a:fillRef idx="1">
+              <a:schemeClr val="accent1"/>
+            </a:fillRef>
+            <a:effectRef idx="0">
+              <a:schemeClr val="accent1"/>
+            </a:effectRef>
+            <a:fontRef idx="minor">
+              <a:schemeClr val="lt1"/>
+            </a:fontRef>
+          </p:style>
+          <p:txBody>
+            <a:bodyPr rtlCol="0" anchor="ctr"/>
+            <a:lstStyle/>
+            <a:p>
+              <a:pPr algn="ctr"/>
+              <a:endParaRPr lang="en-PH" dirty="0"/>
+            </a:p>
+          </p:txBody>
+        </p:sp>
+        <p:sp>
+          <p:nvSpPr>
+            <p:cNvPr id="95" name="Rectangle 94"/>
+            <p:cNvSpPr/>
+            <p:nvPr/>
+          </p:nvSpPr>
+          <p:spPr>
+            <a:xfrm>
+              <a:off x="5165558" y="5020375"/>
+              <a:ext cx="900000" cy="900000"/>
+            </a:xfrm>
+            <a:prstGeom prst="rect">
+              <a:avLst/>
+            </a:prstGeom>
+            <a:grpFill/>
+            <a:ln>
+              <a:noFill/>
+            </a:ln>
+          </p:spPr>
+          <p:style>
+            <a:lnRef idx="2">
+              <a:schemeClr val="accent1">
+                <a:shade val="50000"/>
+              </a:schemeClr>
+            </a:lnRef>
+            <a:fillRef idx="1">
+              <a:schemeClr val="accent1"/>
+            </a:fillRef>
+            <a:effectRef idx="0">
+              <a:schemeClr val="accent1"/>
+            </a:effectRef>
+            <a:fontRef idx="minor">
+              <a:schemeClr val="lt1"/>
+            </a:fontRef>
+          </p:style>
+          <p:txBody>
+            <a:bodyPr rtlCol="0" anchor="ctr"/>
+            <a:lstStyle/>
+            <a:p>
+              <a:pPr algn="ctr"/>
+              <a:endParaRPr lang="en-PH" dirty="0"/>
+            </a:p>
+          </p:txBody>
+        </p:sp>
+        <p:sp>
+          <p:nvSpPr>
+            <p:cNvPr id="96" name="Rectangle 95"/>
+            <p:cNvSpPr/>
+            <p:nvPr/>
+          </p:nvSpPr>
+          <p:spPr>
+            <a:xfrm>
+              <a:off x="8186402" y="5020375"/>
+              <a:ext cx="900000" cy="900000"/>
+            </a:xfrm>
+            <a:prstGeom prst="rect">
+              <a:avLst/>
+            </a:prstGeom>
+            <a:grpFill/>
+            <a:ln>
+              <a:noFill/>
+            </a:ln>
+          </p:spPr>
+          <p:style>
+            <a:lnRef idx="2">
+              <a:schemeClr val="accent1">
+                <a:shade val="50000"/>
+              </a:schemeClr>
+            </a:lnRef>
+            <a:fillRef idx="1">
+              <a:schemeClr val="accent1"/>
+            </a:fillRef>
+            <a:effectRef idx="0">
+              <a:schemeClr val="accent1"/>
+            </a:effectRef>
+            <a:fontRef idx="minor">
+              <a:schemeClr val="lt1"/>
+            </a:fontRef>
+          </p:style>
+          <p:txBody>
+            <a:bodyPr rtlCol="0" anchor="ctr"/>
+            <a:lstStyle/>
+            <a:p>
+              <a:pPr algn="ctr"/>
+              <a:endParaRPr lang="en-PH" dirty="0"/>
+            </a:p>
+          </p:txBody>
+        </p:sp>
+        <p:sp>
+          <p:nvSpPr>
+            <p:cNvPr id="97" name="Rectangle 96"/>
+            <p:cNvSpPr/>
+            <p:nvPr/>
+          </p:nvSpPr>
+          <p:spPr>
+            <a:xfrm>
+              <a:off x="6675980" y="5020375"/>
+              <a:ext cx="900000" cy="900000"/>
+            </a:xfrm>
+            <a:prstGeom prst="rect">
+              <a:avLst/>
+            </a:prstGeom>
+            <a:grpFill/>
+            <a:ln>
+              <a:noFill/>
+            </a:ln>
+          </p:spPr>
+          <p:style>
+            <a:lnRef idx="2">
+              <a:schemeClr val="accent1">
+                <a:shade val="50000"/>
+              </a:schemeClr>
+            </a:lnRef>
+            <a:fillRef idx="1">
+              <a:schemeClr val="accent1"/>
+            </a:fillRef>
+            <a:effectRef idx="0">
+              <a:schemeClr val="accent1"/>
+            </a:effectRef>
+            <a:fontRef idx="minor">
+              <a:schemeClr val="lt1"/>
+            </a:fontRef>
+          </p:style>
+          <p:txBody>
+            <a:bodyPr rtlCol="0" anchor="ctr"/>
+            <a:lstStyle/>
+            <a:p>
+              <a:pPr algn="ctr"/>
+              <a:endParaRPr lang="en-PH" dirty="0"/>
+            </a:p>
+          </p:txBody>
+        </p:sp>
+      </p:grpSp>
+      <p:grpSp>
+        <p:nvGrpSpPr>
+          <p:cNvPr id="117" name="Group 116"/>
+          <p:cNvGrpSpPr/>
+          <p:nvPr/>
+        </p:nvGrpSpPr>
+        <p:grpSpPr>
+          <a:xfrm>
+            <a:off x="10590767" y="217044"/>
+            <a:ext cx="1255882" cy="360000"/>
+            <a:chOff x="12269618" y="546390"/>
+            <a:chExt cx="1255882" cy="360000"/>
+          </a:xfrm>
+        </p:grpSpPr>
+        <p:grpSp>
+          <p:nvGrpSpPr>
+            <p:cNvPr id="118" name="Group 117"/>
+            <p:cNvGrpSpPr/>
+            <p:nvPr/>
+          </p:nvGrpSpPr>
+          <p:grpSpPr>
+            <a:xfrm>
+              <a:off x="12269618" y="546390"/>
+              <a:ext cx="360000" cy="360000"/>
+              <a:chOff x="0" y="0"/>
+              <a:chExt cx="5809957" cy="1012875"/>
+            </a:xfrm>
+          </p:grpSpPr>
+          <p:sp>
+            <p:nvSpPr>
+              <p:cNvPr id="120" name="Rectangle 119"/>
+              <p:cNvSpPr/>
+              <p:nvPr/>
+            </p:nvSpPr>
+            <p:spPr>
+              <a:xfrm>
+                <a:off x="0" y="0"/>
+                <a:ext cx="5809957" cy="1012875"/>
+              </a:xfrm>
+              <a:prstGeom prst="rect">
+                <a:avLst/>
+              </a:prstGeom>
+              <a:solidFill>
+                <a:schemeClr val="bg1"/>
+              </a:solidFill>
+              <a:ln w="38100">
+                <a:solidFill>
+                  <a:srgbClr val="AACAB1"/>
+                </a:solidFill>
+              </a:ln>
+            </p:spPr>
+            <p:style>
+              <a:lnRef idx="2">
+                <a:schemeClr val="accent1">
+                  <a:shade val="50000"/>
+                </a:schemeClr>
+              </a:lnRef>
+              <a:fillRef idx="1">
+                <a:schemeClr val="accent1"/>
+              </a:fillRef>
+              <a:effectRef idx="0">
+                <a:schemeClr val="accent1"/>
+              </a:effectRef>
+              <a:fontRef idx="minor">
+                <a:schemeClr val="lt1"/>
+              </a:fontRef>
+            </p:style>
+            <p:txBody>
+              <a:bodyPr rtlCol="0" anchor="ctr"/>
+              <a:lstStyle/>
+              <a:p>
+                <a:pPr algn="ctr"/>
+                <a:endParaRPr lang="en-PH" sz="3600" dirty="0">
+                  <a:solidFill>
+                    <a:srgbClr val="AACAB1"/>
+                  </a:solidFill>
+                </a:endParaRPr>
+              </a:p>
+            </p:txBody>
+          </p:sp>
+          <p:cxnSp>
+            <p:nvCxnSpPr>
+              <p:cNvPr id="121" name="Straight Connector 120"/>
+              <p:cNvCxnSpPr/>
+              <p:nvPr/>
+            </p:nvCxnSpPr>
+            <p:spPr>
+              <a:xfrm>
+                <a:off x="0" y="2"/>
+                <a:ext cx="5809957" cy="1012873"/>
+              </a:xfrm>
+              <a:prstGeom prst="line">
+                <a:avLst/>
+              </a:prstGeom>
+              <a:ln w="38100">
+                <a:solidFill>
+                  <a:srgbClr val="AACAB1"/>
+                </a:solidFill>
+              </a:ln>
+            </p:spPr>
+            <p:style>
+              <a:lnRef idx="1">
+                <a:schemeClr val="accent1"/>
+              </a:lnRef>
+              <a:fillRef idx="0">
+                <a:schemeClr val="accent1"/>
+              </a:fillRef>
+              <a:effectRef idx="0">
+                <a:schemeClr val="accent1"/>
+              </a:effectRef>
+              <a:fontRef idx="minor">
+                <a:schemeClr val="tx1"/>
+              </a:fontRef>
+            </p:style>
+          </p:cxnSp>
+          <p:cxnSp>
+            <p:nvCxnSpPr>
+              <p:cNvPr id="122" name="Straight Connector 121"/>
+              <p:cNvCxnSpPr/>
+              <p:nvPr/>
+            </p:nvCxnSpPr>
+            <p:spPr>
+              <a:xfrm flipV="1">
+                <a:off x="28135" y="0"/>
+                <a:ext cx="5781822" cy="1012875"/>
+              </a:xfrm>
+              <a:prstGeom prst="line">
+                <a:avLst/>
+              </a:prstGeom>
+              <a:ln w="38100">
+                <a:solidFill>
+                  <a:srgbClr val="AACAB1"/>
+                </a:solidFill>
+              </a:ln>
+            </p:spPr>
+            <p:style>
+              <a:lnRef idx="1">
+                <a:schemeClr val="accent1"/>
+              </a:lnRef>
+              <a:fillRef idx="0">
+                <a:schemeClr val="accent1"/>
+              </a:fillRef>
+              <a:effectRef idx="0">
+                <a:schemeClr val="accent1"/>
+              </a:effectRef>
+              <a:fontRef idx="minor">
+                <a:schemeClr val="tx1"/>
+              </a:fontRef>
+            </p:style>
+          </p:cxnSp>
+        </p:grpSp>
+        <p:sp>
+          <p:nvSpPr>
+            <p:cNvPr id="119" name="Rectangle 118"/>
+            <p:cNvSpPr/>
+            <p:nvPr/>
+          </p:nvSpPr>
+          <p:spPr>
+            <a:xfrm>
+              <a:off x="12645382" y="557430"/>
+              <a:ext cx="880118" cy="348960"/>
+            </a:xfrm>
+            <a:prstGeom prst="rect">
+              <a:avLst/>
+            </a:prstGeom>
+            <a:solidFill>
+              <a:srgbClr val="AACAB1"/>
+            </a:solidFill>
+            <a:ln w="28575">
+              <a:solidFill>
+                <a:srgbClr val="AACAB1"/>
+              </a:solidFill>
+            </a:ln>
+          </p:spPr>
+          <p:style>
+            <a:lnRef idx="2">
+              <a:schemeClr val="accent1">
+                <a:shade val="50000"/>
+              </a:schemeClr>
+            </a:lnRef>
+            <a:fillRef idx="1">
+              <a:schemeClr val="accent1"/>
+            </a:fillRef>
+            <a:effectRef idx="0">
+              <a:schemeClr val="accent1"/>
+            </a:effectRef>
+            <a:fontRef idx="minor">
+              <a:schemeClr val="lt1"/>
+            </a:fontRef>
+          </p:style>
+          <p:txBody>
+            <a:bodyPr rtlCol="0" anchor="ctr"/>
+            <a:lstStyle/>
+            <a:p>
+              <a:pPr algn="ctr"/>
+              <a:r>
+                <a:rPr lang="en-PH" sz="1400" dirty="0" smtClean="0">
+                  <a:solidFill>
+                    <a:schemeClr val="bg1"/>
+                  </a:solidFill>
+                  <a:latin typeface="Montserrat" panose="00000500000000000000" pitchFamily="2" charset="0"/>
+                </a:rPr>
+                <a:t>GitHub</a:t>
+              </a:r>
+              <a:endParaRPr lang="en-PH" sz="1400" dirty="0">
+                <a:solidFill>
+                  <a:schemeClr val="bg1"/>
+                </a:solidFill>
+                <a:latin typeface="Montserrat" panose="00000500000000000000" pitchFamily="2" charset="0"/>
+              </a:endParaRPr>
+            </a:p>
+          </p:txBody>
+        </p:sp>
+      </p:grpSp>
+      <p:pic>
+        <p:nvPicPr>
+          <p:cNvPr id="1026" name="Picture 2" descr="Close Button - Free shapes icons"/>
+          <p:cNvPicPr>
+            <a:picLocks noChangeAspect="1" noChangeArrowheads="1"/>
+          </p:cNvPicPr>
+          <p:nvPr/>
+        </p:nvPicPr>
+        <p:blipFill>
+          <a:blip r:embed="rId3" cstate="print">
+            <a:extLst>
+              <a:ext uri="{28A0092B-C50C-407E-A947-70E740481C1C}">
+                <a14:useLocalDpi xmlns:a14="http://schemas.microsoft.com/office/drawing/2010/main" val="0"/>
+              </a:ext>
+            </a:extLst>
+          </a:blip>
+          <a:srcRect/>
+          <a:stretch>
+            <a:fillRect/>
+          </a:stretch>
+        </p:blipFill>
+        <p:spPr bwMode="auto">
+          <a:xfrm>
+            <a:off x="3233807" y="1497173"/>
+            <a:ext cx="216000" cy="216000"/>
+          </a:xfrm>
+          <a:prstGeom prst="rect">
+            <a:avLst/>
+          </a:prstGeom>
+          <a:noFill/>
+          <a:extLst>
+            <a:ext uri="{909E8E84-426E-40DD-AFC4-6F175D3DCCD1}">
+              <a14:hiddenFill xmlns:a14="http://schemas.microsoft.com/office/drawing/2010/main">
+                <a:solidFill>
+                  <a:srgbClr val="FFFFFF"/>
+                </a:solidFill>
+              </a14:hiddenFill>
+            </a:ext>
+          </a:extLst>
+        </p:spPr>
+      </p:pic>
+      <p:sp>
+        <p:nvSpPr>
+          <p:cNvPr id="23" name="Rectangle 22"/>
+          <p:cNvSpPr/>
+          <p:nvPr/>
+        </p:nvSpPr>
+        <p:spPr>
+          <a:xfrm>
+            <a:off x="-574796" y="1375498"/>
+            <a:ext cx="4132602" cy="4749854"/>
+          </a:xfrm>
+          <a:prstGeom prst="rect">
+            <a:avLst/>
+          </a:prstGeom>
+          <a:noFill/>
+          <a:ln w="28575">
+            <a:solidFill>
+              <a:schemeClr val="tx1">
+                <a:lumMod val="85000"/>
+                <a:lumOff val="15000"/>
+              </a:schemeClr>
+            </a:solidFill>
+          </a:ln>
+        </p:spPr>
+        <p:style>
+          <a:lnRef idx="2">
+            <a:schemeClr val="accent1">
+              <a:shade val="50000"/>
+            </a:schemeClr>
+          </a:lnRef>
+          <a:fillRef idx="1">
+            <a:schemeClr val="accent1"/>
+          </a:fillRef>
+          <a:effectRef idx="0">
+            <a:schemeClr val="accent1"/>
+          </a:effectRef>
+          <a:fontRef idx="minor">
+            <a:schemeClr val="lt1"/>
+          </a:fontRef>
+        </p:style>
+        <p:txBody>
+          <a:bodyPr rtlCol="0" anchor="ctr"/>
+          <a:lstStyle/>
+          <a:p>
+            <a:pPr algn="ctr"/>
+            <a:endParaRPr lang="en-PH" sz="3600" dirty="0">
+              <a:solidFill>
+                <a:srgbClr val="AACAB1"/>
+              </a:solidFill>
+            </a:endParaRPr>
+          </a:p>
+        </p:txBody>
+      </p:sp>
+      <p:sp>
+        <p:nvSpPr>
+          <p:cNvPr id="123" name="Rectangle 122"/>
+          <p:cNvSpPr/>
+          <p:nvPr/>
+        </p:nvSpPr>
+        <p:spPr>
+          <a:xfrm flipV="1">
+            <a:off x="-568373" y="4137921"/>
+            <a:ext cx="4147200" cy="18000"/>
+          </a:xfrm>
+          <a:prstGeom prst="rect">
+            <a:avLst/>
+          </a:prstGeom>
+          <a:solidFill>
+            <a:schemeClr val="tx1">
+              <a:lumMod val="85000"/>
+              <a:lumOff val="15000"/>
+            </a:schemeClr>
+          </a:solidFill>
+          <a:ln w="28575">
+            <a:noFill/>
+          </a:ln>
+        </p:spPr>
+        <p:style>
+          <a:lnRef idx="2">
+            <a:schemeClr val="accent1">
+              <a:shade val="50000"/>
+            </a:schemeClr>
+          </a:lnRef>
+          <a:fillRef idx="1">
+            <a:schemeClr val="accent1"/>
+          </a:fillRef>
+          <a:effectRef idx="0">
+            <a:schemeClr val="accent1"/>
+          </a:effectRef>
+          <a:fontRef idx="minor">
+            <a:schemeClr val="lt1"/>
+          </a:fontRef>
+        </p:style>
+        <p:txBody>
+          <a:bodyPr rtlCol="0" anchor="ctr"/>
+          <a:lstStyle/>
+          <a:p>
+            <a:endParaRPr lang="en-PH" sz="1600" dirty="0">
+              <a:solidFill>
+                <a:schemeClr val="bg1"/>
+              </a:solidFill>
+              <a:latin typeface="Montserrat" panose="00000500000000000000" pitchFamily="2" charset="0"/>
+            </a:endParaRPr>
+          </a:p>
+        </p:txBody>
+      </p:sp>
+      <p:sp>
+        <p:nvSpPr>
+          <p:cNvPr id="14" name="Rectangle 13"/>
+          <p:cNvSpPr/>
+          <p:nvPr/>
+        </p:nvSpPr>
+        <p:spPr>
+          <a:xfrm>
+            <a:off x="-547021" y="2355330"/>
+            <a:ext cx="4073099" cy="3770022"/>
+          </a:xfrm>
+          <a:prstGeom prst="rect">
+            <a:avLst/>
+          </a:prstGeom>
+          <a:noFill/>
+          <a:ln>
+            <a:noFill/>
+          </a:ln>
+        </p:spPr>
+        <p:style>
+          <a:lnRef idx="2">
+            <a:schemeClr val="accent1">
+              <a:shade val="50000"/>
+            </a:schemeClr>
+          </a:lnRef>
+          <a:fillRef idx="1">
+            <a:schemeClr val="accent1"/>
+          </a:fillRef>
+          <a:effectRef idx="0">
+            <a:schemeClr val="accent1"/>
+          </a:effectRef>
+          <a:fontRef idx="minor">
+            <a:schemeClr val="lt1"/>
+          </a:fontRef>
+        </p:style>
+        <p:txBody>
+          <a:bodyPr rtlCol="0" anchor="ctr"/>
+          <a:lstStyle/>
+          <a:p>
+            <a:pPr algn="just"/>
+            <a:r>
+              <a:rPr lang="en-PH" sz="1400" dirty="0" smtClean="0">
+                <a:solidFill>
+                  <a:schemeClr val="tx1">
+                    <a:lumMod val="85000"/>
+                    <a:lumOff val="15000"/>
+                  </a:schemeClr>
+                </a:solidFill>
+              </a:rPr>
+              <a:t>Lorem ipsum dolor sit amet, consectetur adipisicing elit, sed do eiusmod tempor incididunt ut labore et dolore magna aliqua. Ut enim ad minim veniam, quis nostrud exercitation ullamco laboris nisi ut aliquip ex ea commodo consequat. Duis aute irure dolor in reprehenderit in voluptate velit esse cillum dolore eu fugiat nul. </a:t>
+            </a:r>
+          </a:p>
+          <a:p>
+            <a:pPr algn="just"/>
+            <a:endParaRPr lang="en-PH" sz="1400" dirty="0" smtClean="0">
+              <a:solidFill>
+                <a:schemeClr val="tx1">
+                  <a:lumMod val="85000"/>
+                  <a:lumOff val="15000"/>
+                </a:schemeClr>
+              </a:solidFill>
+            </a:endParaRPr>
+          </a:p>
+          <a:p>
+            <a:pPr algn="just"/>
+            <a:r>
+              <a:rPr lang="en-PH" sz="1400" dirty="0" smtClean="0">
+                <a:solidFill>
+                  <a:schemeClr val="tx1">
+                    <a:lumMod val="85000"/>
+                    <a:lumOff val="15000"/>
+                  </a:schemeClr>
+                </a:solidFill>
+              </a:rPr>
+              <a:t>Lorem </a:t>
+            </a:r>
+            <a:r>
+              <a:rPr lang="en-PH" sz="1400" dirty="0">
+                <a:solidFill>
+                  <a:schemeClr val="tx1">
+                    <a:lumMod val="85000"/>
+                    <a:lumOff val="15000"/>
+                  </a:schemeClr>
+                </a:solidFill>
+              </a:rPr>
+              <a:t>ipsum dolor sit amet, consectetur adipisicing elit, sed do eiusmod tempor incididunt ut labore et dolore magna aliqua. Ut enim ad minim veniam, quis nostrud exercitation ullamco laboris nisi ut aliquip ex ea commodo consequat. Duis aute irure dolor in reprehenderit in voluptate velit esse cillum dolore eu fugiat nul. </a:t>
+            </a:r>
+          </a:p>
+          <a:p>
+            <a:pPr algn="just"/>
+            <a:endParaRPr lang="en-PH" sz="1400" dirty="0">
+              <a:solidFill>
+                <a:schemeClr val="tx1">
+                  <a:lumMod val="85000"/>
+                  <a:lumOff val="15000"/>
+                </a:schemeClr>
+              </a:solidFill>
+            </a:endParaRPr>
+          </a:p>
+        </p:txBody>
+      </p:sp>
+      <p:grpSp>
+        <p:nvGrpSpPr>
+          <p:cNvPr id="127" name="Group 126"/>
+          <p:cNvGrpSpPr/>
+          <p:nvPr/>
+        </p:nvGrpSpPr>
+        <p:grpSpPr>
+          <a:xfrm>
+            <a:off x="-560495" y="2011514"/>
+            <a:ext cx="2070000" cy="331120"/>
+            <a:chOff x="1211216" y="1034507"/>
+            <a:chExt cx="961200" cy="331120"/>
+          </a:xfrm>
+        </p:grpSpPr>
+        <p:sp>
+          <p:nvSpPr>
+            <p:cNvPr id="128" name="Rectangle 127"/>
+            <p:cNvSpPr/>
+            <p:nvPr/>
+          </p:nvSpPr>
+          <p:spPr>
+            <a:xfrm>
+              <a:off x="1221628" y="1047318"/>
+              <a:ext cx="933794" cy="318309"/>
+            </a:xfrm>
+            <a:prstGeom prst="rect">
+              <a:avLst/>
+            </a:prstGeom>
+            <a:solidFill>
+              <a:srgbClr val="AACAB1"/>
+            </a:solidFill>
+            <a:ln w="28575">
+              <a:solidFill>
+                <a:schemeClr val="tx1">
+                  <a:lumMod val="85000"/>
+                  <a:lumOff val="15000"/>
+                </a:schemeClr>
+              </a:solidFill>
+            </a:ln>
+          </p:spPr>
+          <p:style>
+            <a:lnRef idx="2">
+              <a:schemeClr val="accent1">
+                <a:shade val="50000"/>
+              </a:schemeClr>
+            </a:lnRef>
+            <a:fillRef idx="1">
+              <a:schemeClr val="accent1"/>
+            </a:fillRef>
+            <a:effectRef idx="0">
+              <a:schemeClr val="accent1"/>
+            </a:effectRef>
+            <a:fontRef idx="minor">
+              <a:schemeClr val="lt1"/>
+            </a:fontRef>
+          </p:style>
+          <p:txBody>
+            <a:bodyPr rtlCol="0" anchor="ctr"/>
+            <a:lstStyle/>
+            <a:p>
+              <a:r>
+                <a:rPr lang="en-PH" sz="1600" i="1" dirty="0" smtClean="0">
+                  <a:solidFill>
+                    <a:schemeClr val="tx1"/>
+                  </a:solidFill>
+                  <a:latin typeface="Montserrat" panose="00000500000000000000" pitchFamily="2" charset="0"/>
+                </a:rPr>
+                <a:t>Usage</a:t>
+              </a:r>
+              <a:endParaRPr lang="en-PH" sz="1600" i="1" dirty="0">
+                <a:solidFill>
+                  <a:schemeClr val="tx1"/>
+                </a:solidFill>
+                <a:latin typeface="Montserrat" panose="00000500000000000000" pitchFamily="2" charset="0"/>
+              </a:endParaRPr>
+            </a:p>
+          </p:txBody>
+        </p:sp>
+        <p:sp>
+          <p:nvSpPr>
+            <p:cNvPr id="129" name="Rectangle 128"/>
+            <p:cNvSpPr/>
+            <p:nvPr/>
+          </p:nvSpPr>
+          <p:spPr>
+            <a:xfrm>
+              <a:off x="1211216" y="1034507"/>
+              <a:ext cx="961200" cy="318309"/>
+            </a:xfrm>
+            <a:prstGeom prst="rect">
+              <a:avLst/>
+            </a:prstGeom>
+            <a:solidFill>
+              <a:srgbClr val="AACAB1"/>
+            </a:solidFill>
+            <a:ln w="28575">
+              <a:noFill/>
+            </a:ln>
+          </p:spPr>
+          <p:style>
+            <a:lnRef idx="2">
+              <a:schemeClr val="accent1">
+                <a:shade val="50000"/>
+              </a:schemeClr>
+            </a:lnRef>
+            <a:fillRef idx="1">
+              <a:schemeClr val="accent1"/>
+            </a:fillRef>
+            <a:effectRef idx="0">
+              <a:schemeClr val="accent1"/>
+            </a:effectRef>
+            <a:fontRef idx="minor">
+              <a:schemeClr val="lt1"/>
+            </a:fontRef>
+          </p:style>
+          <p:txBody>
+            <a:bodyPr rtlCol="0" anchor="ctr"/>
+            <a:lstStyle/>
+            <a:p>
+              <a:pPr algn="ctr"/>
+              <a:r>
+                <a:rPr lang="en-PH" sz="1400" i="1" dirty="0" smtClean="0">
+                  <a:solidFill>
+                    <a:schemeClr val="tx1"/>
+                  </a:solidFill>
+                  <a:latin typeface="Montserrat" panose="00000500000000000000" pitchFamily="2" charset="0"/>
+                </a:rPr>
+                <a:t>Usage</a:t>
+              </a:r>
+              <a:endParaRPr lang="en-PH" sz="1400" i="1" dirty="0">
+                <a:solidFill>
+                  <a:schemeClr val="tx1"/>
+                </a:solidFill>
+                <a:latin typeface="Montserrat" panose="00000500000000000000" pitchFamily="2" charset="0"/>
+              </a:endParaRPr>
+            </a:p>
+          </p:txBody>
+        </p:sp>
+      </p:grpSp>
+      <p:grpSp>
+        <p:nvGrpSpPr>
+          <p:cNvPr id="133" name="Group 132"/>
+          <p:cNvGrpSpPr/>
+          <p:nvPr/>
+        </p:nvGrpSpPr>
+        <p:grpSpPr>
+          <a:xfrm>
+            <a:off x="1484642" y="2011456"/>
+            <a:ext cx="2070000" cy="331120"/>
+            <a:chOff x="1211216" y="1034507"/>
+            <a:chExt cx="961200" cy="331120"/>
+          </a:xfrm>
+        </p:grpSpPr>
+        <p:sp>
+          <p:nvSpPr>
+            <p:cNvPr id="134" name="Rectangle 133"/>
+            <p:cNvSpPr/>
+            <p:nvPr/>
+          </p:nvSpPr>
+          <p:spPr>
+            <a:xfrm>
+              <a:off x="1221628" y="1047318"/>
+              <a:ext cx="933794" cy="318309"/>
+            </a:xfrm>
+            <a:prstGeom prst="rect">
+              <a:avLst/>
+            </a:prstGeom>
+            <a:solidFill>
+              <a:srgbClr val="AACAB1"/>
+            </a:solidFill>
+            <a:ln w="28575">
+              <a:noFill/>
+            </a:ln>
+          </p:spPr>
+          <p:style>
+            <a:lnRef idx="2">
+              <a:schemeClr val="accent1">
+                <a:shade val="50000"/>
+              </a:schemeClr>
+            </a:lnRef>
+            <a:fillRef idx="1">
+              <a:schemeClr val="accent1"/>
+            </a:fillRef>
+            <a:effectRef idx="0">
+              <a:schemeClr val="accent1"/>
+            </a:effectRef>
+            <a:fontRef idx="minor">
+              <a:schemeClr val="lt1"/>
+            </a:fontRef>
+          </p:style>
+          <p:txBody>
+            <a:bodyPr rtlCol="0" anchor="ctr"/>
+            <a:lstStyle/>
+            <a:p>
+              <a:r>
+                <a:rPr lang="en-PH" sz="1600" dirty="0" smtClean="0">
+                  <a:solidFill>
+                    <a:schemeClr val="tx1"/>
+                  </a:solidFill>
+                  <a:latin typeface="Montserrat" panose="00000500000000000000" pitchFamily="2" charset="0"/>
+                </a:rPr>
+                <a:t>Usage</a:t>
+              </a:r>
+              <a:endParaRPr lang="en-PH" sz="1600" dirty="0">
+                <a:solidFill>
+                  <a:schemeClr val="tx1"/>
+                </a:solidFill>
+                <a:latin typeface="Montserrat" panose="00000500000000000000" pitchFamily="2" charset="0"/>
+              </a:endParaRPr>
+            </a:p>
+          </p:txBody>
+        </p:sp>
+        <p:sp>
+          <p:nvSpPr>
+            <p:cNvPr id="135" name="Rectangle 134"/>
+            <p:cNvSpPr/>
+            <p:nvPr/>
+          </p:nvSpPr>
+          <p:spPr>
+            <a:xfrm>
+              <a:off x="1211216" y="1034507"/>
+              <a:ext cx="961200" cy="318309"/>
+            </a:xfrm>
+            <a:prstGeom prst="rect">
+              <a:avLst/>
+            </a:prstGeom>
+            <a:solidFill>
+              <a:srgbClr val="AACAB1"/>
+            </a:solidFill>
+            <a:ln w="28575">
+              <a:noFill/>
+            </a:ln>
+          </p:spPr>
+          <p:style>
+            <a:lnRef idx="2">
+              <a:schemeClr val="accent1">
+                <a:shade val="50000"/>
+              </a:schemeClr>
+            </a:lnRef>
+            <a:fillRef idx="1">
+              <a:schemeClr val="accent1"/>
+            </a:fillRef>
+            <a:effectRef idx="0">
+              <a:schemeClr val="accent1"/>
+            </a:effectRef>
+            <a:fontRef idx="minor">
+              <a:schemeClr val="lt1"/>
+            </a:fontRef>
+          </p:style>
+          <p:txBody>
+            <a:bodyPr rtlCol="0" anchor="ctr"/>
+            <a:lstStyle/>
+            <a:p>
+              <a:pPr algn="ctr"/>
+              <a:r>
+                <a:rPr lang="en-PH" sz="1400" dirty="0" smtClean="0">
+                  <a:solidFill>
+                    <a:schemeClr val="tx1"/>
+                  </a:solidFill>
+                  <a:latin typeface="Montserrat" panose="00000500000000000000" pitchFamily="2" charset="0"/>
+                </a:rPr>
+                <a:t>About</a:t>
+              </a:r>
+              <a:endParaRPr lang="en-PH" sz="1400" dirty="0">
+                <a:solidFill>
+                  <a:schemeClr val="tx1"/>
+                </a:solidFill>
+                <a:latin typeface="Montserrat" panose="00000500000000000000" pitchFamily="2" charset="0"/>
+              </a:endParaRPr>
+            </a:p>
+          </p:txBody>
+        </p:sp>
+      </p:grpSp>
+      <p:sp>
+        <p:nvSpPr>
+          <p:cNvPr id="136" name="Rectangle 135"/>
+          <p:cNvSpPr/>
+          <p:nvPr/>
+        </p:nvSpPr>
+        <p:spPr>
+          <a:xfrm>
+            <a:off x="3879202" y="1375497"/>
+            <a:ext cx="4127152" cy="4749855"/>
+          </a:xfrm>
+          <a:prstGeom prst="rect">
+            <a:avLst/>
+          </a:prstGeom>
+          <a:solidFill>
+            <a:srgbClr val="AACAB1"/>
+          </a:solidFill>
+          <a:ln>
+            <a:noFill/>
+          </a:ln>
+        </p:spPr>
+        <p:style>
+          <a:lnRef idx="2">
+            <a:schemeClr val="accent1">
+              <a:shade val="50000"/>
+            </a:schemeClr>
+          </a:lnRef>
+          <a:fillRef idx="1">
+            <a:schemeClr val="accent1"/>
+          </a:fillRef>
+          <a:effectRef idx="0">
+            <a:schemeClr val="accent1"/>
+          </a:effectRef>
+          <a:fontRef idx="minor">
+            <a:schemeClr val="lt1"/>
+          </a:fontRef>
+        </p:style>
+        <p:txBody>
+          <a:bodyPr rtlCol="0" anchor="ctr"/>
+          <a:lstStyle/>
+          <a:p>
+            <a:pPr algn="ctr"/>
+            <a:endParaRPr lang="en-PH" dirty="0"/>
+          </a:p>
+        </p:txBody>
+      </p:sp>
+      <p:sp>
+        <p:nvSpPr>
+          <p:cNvPr id="137" name="Rectangle 136"/>
+          <p:cNvSpPr/>
+          <p:nvPr/>
+        </p:nvSpPr>
+        <p:spPr>
+          <a:xfrm>
+            <a:off x="3873974" y="1375498"/>
+            <a:ext cx="4135718" cy="540000"/>
+          </a:xfrm>
+          <a:prstGeom prst="rect">
+            <a:avLst/>
+          </a:prstGeom>
+          <a:solidFill>
+            <a:schemeClr val="tx1">
+              <a:lumMod val="85000"/>
+              <a:lumOff val="15000"/>
+            </a:schemeClr>
+          </a:solidFill>
+          <a:ln w="28575">
+            <a:noFill/>
+          </a:ln>
+        </p:spPr>
+        <p:style>
+          <a:lnRef idx="2">
+            <a:schemeClr val="accent1">
+              <a:shade val="50000"/>
+            </a:schemeClr>
+          </a:lnRef>
+          <a:fillRef idx="1">
+            <a:schemeClr val="accent1"/>
+          </a:fillRef>
+          <a:effectRef idx="0">
+            <a:schemeClr val="accent1"/>
+          </a:effectRef>
+          <a:fontRef idx="minor">
+            <a:schemeClr val="lt1"/>
+          </a:fontRef>
+        </p:style>
+        <p:txBody>
+          <a:bodyPr rtlCol="0" anchor="ctr"/>
+          <a:lstStyle/>
+          <a:p>
+            <a:r>
+              <a:rPr lang="en-PH" dirty="0" smtClean="0">
+                <a:solidFill>
+                  <a:srgbClr val="AACAB1"/>
+                </a:solidFill>
+                <a:latin typeface="Montserrat" panose="00000500000000000000" pitchFamily="2" charset="0"/>
+              </a:rPr>
+              <a:t>Settings</a:t>
+            </a:r>
+            <a:endParaRPr lang="en-PH" dirty="0">
+              <a:solidFill>
+                <a:srgbClr val="AACAB1"/>
+              </a:solidFill>
+              <a:latin typeface="Montserrat" panose="00000500000000000000" pitchFamily="2" charset="0"/>
+            </a:endParaRPr>
+          </a:p>
+        </p:txBody>
+      </p:sp>
+      <p:pic>
+        <p:nvPicPr>
+          <p:cNvPr id="138" name="Picture 2" descr="Close Button - Free shapes icons"/>
+          <p:cNvPicPr>
+            <a:picLocks noChangeAspect="1" noChangeArrowheads="1"/>
+          </p:cNvPicPr>
+          <p:nvPr/>
+        </p:nvPicPr>
+        <p:blipFill>
+          <a:blip r:embed="rId3" cstate="print">
+            <a:extLst>
+              <a:ext uri="{28A0092B-C50C-407E-A947-70E740481C1C}">
+                <a14:useLocalDpi xmlns:a14="http://schemas.microsoft.com/office/drawing/2010/main" val="0"/>
+              </a:ext>
+            </a:extLst>
+          </a:blip>
+          <a:srcRect/>
+          <a:stretch>
+            <a:fillRect/>
+          </a:stretch>
+        </p:blipFill>
+        <p:spPr bwMode="auto">
+          <a:xfrm>
+            <a:off x="7674958" y="1497173"/>
+            <a:ext cx="216000" cy="216000"/>
+          </a:xfrm>
+          <a:prstGeom prst="rect">
+            <a:avLst/>
+          </a:prstGeom>
+          <a:noFill/>
+          <a:extLst>
+            <a:ext uri="{909E8E84-426E-40DD-AFC4-6F175D3DCCD1}">
+              <a14:hiddenFill xmlns:a14="http://schemas.microsoft.com/office/drawing/2010/main">
+                <a:solidFill>
+                  <a:srgbClr val="FFFFFF"/>
+                </a:solidFill>
+              </a14:hiddenFill>
+            </a:ext>
+          </a:extLst>
+        </p:spPr>
+      </p:pic>
+      <p:grpSp>
+        <p:nvGrpSpPr>
+          <p:cNvPr id="141" name="Group 140"/>
+          <p:cNvGrpSpPr/>
+          <p:nvPr/>
+        </p:nvGrpSpPr>
+        <p:grpSpPr>
+          <a:xfrm>
+            <a:off x="3880656" y="2011514"/>
+            <a:ext cx="2070000" cy="331120"/>
+            <a:chOff x="1211216" y="1034507"/>
+            <a:chExt cx="961200" cy="331120"/>
+          </a:xfrm>
+        </p:grpSpPr>
+        <p:sp>
+          <p:nvSpPr>
+            <p:cNvPr id="142" name="Rectangle 141"/>
+            <p:cNvSpPr/>
+            <p:nvPr/>
+          </p:nvSpPr>
+          <p:spPr>
+            <a:xfrm>
+              <a:off x="1221628" y="1047318"/>
+              <a:ext cx="933794" cy="318309"/>
+            </a:xfrm>
+            <a:prstGeom prst="rect">
+              <a:avLst/>
+            </a:prstGeom>
+            <a:solidFill>
+              <a:srgbClr val="AACAB1"/>
+            </a:solidFill>
+            <a:ln w="28575">
+              <a:solidFill>
+                <a:schemeClr val="tx1">
+                  <a:lumMod val="85000"/>
+                  <a:lumOff val="15000"/>
+                </a:schemeClr>
+              </a:solidFill>
+            </a:ln>
+          </p:spPr>
+          <p:style>
+            <a:lnRef idx="2">
+              <a:schemeClr val="accent1">
+                <a:shade val="50000"/>
+              </a:schemeClr>
+            </a:lnRef>
+            <a:fillRef idx="1">
+              <a:schemeClr val="accent1"/>
+            </a:fillRef>
+            <a:effectRef idx="0">
+              <a:schemeClr val="accent1"/>
+            </a:effectRef>
+            <a:fontRef idx="minor">
+              <a:schemeClr val="lt1"/>
+            </a:fontRef>
+          </p:style>
+          <p:txBody>
+            <a:bodyPr rtlCol="0" anchor="ctr"/>
+            <a:lstStyle/>
+            <a:p>
+              <a:r>
+                <a:rPr lang="en-PH" sz="1600" dirty="0" smtClean="0">
+                  <a:solidFill>
+                    <a:schemeClr val="tx1"/>
+                  </a:solidFill>
+                  <a:latin typeface="Montserrat" panose="00000500000000000000" pitchFamily="2" charset="0"/>
+                </a:rPr>
+                <a:t>Usage</a:t>
+              </a:r>
+              <a:endParaRPr lang="en-PH" sz="1600" dirty="0">
+                <a:solidFill>
+                  <a:schemeClr val="tx1"/>
+                </a:solidFill>
+                <a:latin typeface="Montserrat" panose="00000500000000000000" pitchFamily="2" charset="0"/>
+              </a:endParaRPr>
+            </a:p>
+          </p:txBody>
+        </p:sp>
+        <p:sp>
+          <p:nvSpPr>
+            <p:cNvPr id="143" name="Rectangle 142"/>
+            <p:cNvSpPr/>
+            <p:nvPr/>
+          </p:nvSpPr>
+          <p:spPr>
+            <a:xfrm>
+              <a:off x="1211216" y="1034507"/>
+              <a:ext cx="961200" cy="318309"/>
+            </a:xfrm>
+            <a:prstGeom prst="rect">
+              <a:avLst/>
+            </a:prstGeom>
+            <a:solidFill>
+              <a:srgbClr val="AACAB1"/>
+            </a:solidFill>
+            <a:ln w="28575">
+              <a:noFill/>
+            </a:ln>
+          </p:spPr>
+          <p:style>
+            <a:lnRef idx="2">
+              <a:schemeClr val="accent1">
+                <a:shade val="50000"/>
+              </a:schemeClr>
+            </a:lnRef>
+            <a:fillRef idx="1">
+              <a:schemeClr val="accent1"/>
+            </a:fillRef>
+            <a:effectRef idx="0">
+              <a:schemeClr val="accent1"/>
+            </a:effectRef>
+            <a:fontRef idx="minor">
+              <a:schemeClr val="lt1"/>
+            </a:fontRef>
+          </p:style>
+          <p:txBody>
+            <a:bodyPr rtlCol="0" anchor="ctr"/>
+            <a:lstStyle/>
+            <a:p>
+              <a:pPr algn="ctr"/>
+              <a:r>
+                <a:rPr lang="en-PH" sz="1400" i="1" dirty="0" smtClean="0">
+                  <a:solidFill>
+                    <a:schemeClr val="tx1"/>
+                  </a:solidFill>
+                  <a:latin typeface="Montserrat" panose="00000500000000000000" pitchFamily="2" charset="0"/>
+                </a:rPr>
+                <a:t>Template</a:t>
+              </a:r>
+              <a:endParaRPr lang="en-PH" sz="1400" i="1" dirty="0">
+                <a:solidFill>
+                  <a:schemeClr val="tx1"/>
+                </a:solidFill>
+                <a:latin typeface="Montserrat" panose="00000500000000000000" pitchFamily="2" charset="0"/>
+              </a:endParaRPr>
+            </a:p>
+          </p:txBody>
+        </p:sp>
+      </p:grpSp>
+      <p:grpSp>
+        <p:nvGrpSpPr>
+          <p:cNvPr id="144" name="Group 143"/>
+          <p:cNvGrpSpPr/>
+          <p:nvPr/>
+        </p:nvGrpSpPr>
+        <p:grpSpPr>
+          <a:xfrm>
+            <a:off x="5925793" y="2011456"/>
+            <a:ext cx="2070000" cy="331120"/>
+            <a:chOff x="1211216" y="1034507"/>
+            <a:chExt cx="961200" cy="331120"/>
+          </a:xfrm>
+        </p:grpSpPr>
+        <p:sp>
+          <p:nvSpPr>
+            <p:cNvPr id="145" name="Rectangle 144"/>
+            <p:cNvSpPr/>
+            <p:nvPr/>
+          </p:nvSpPr>
+          <p:spPr>
+            <a:xfrm>
+              <a:off x="1221628" y="1047318"/>
+              <a:ext cx="933794" cy="318309"/>
+            </a:xfrm>
+            <a:prstGeom prst="rect">
+              <a:avLst/>
+            </a:prstGeom>
+            <a:solidFill>
+              <a:srgbClr val="AACAB1"/>
+            </a:solidFill>
+            <a:ln w="28575">
+              <a:noFill/>
+            </a:ln>
+          </p:spPr>
+          <p:style>
+            <a:lnRef idx="2">
+              <a:schemeClr val="accent1">
+                <a:shade val="50000"/>
+              </a:schemeClr>
+            </a:lnRef>
+            <a:fillRef idx="1">
+              <a:schemeClr val="accent1"/>
+            </a:fillRef>
+            <a:effectRef idx="0">
+              <a:schemeClr val="accent1"/>
+            </a:effectRef>
+            <a:fontRef idx="minor">
+              <a:schemeClr val="lt1"/>
+            </a:fontRef>
+          </p:style>
+          <p:txBody>
+            <a:bodyPr rtlCol="0" anchor="ctr"/>
+            <a:lstStyle/>
+            <a:p>
+              <a:r>
+                <a:rPr lang="en-PH" sz="1600" dirty="0" smtClean="0">
+                  <a:solidFill>
+                    <a:schemeClr val="tx1"/>
+                  </a:solidFill>
+                  <a:latin typeface="Montserrat" panose="00000500000000000000" pitchFamily="2" charset="0"/>
+                </a:rPr>
+                <a:t>Usage</a:t>
+              </a:r>
+              <a:endParaRPr lang="en-PH" sz="1600" dirty="0">
+                <a:solidFill>
+                  <a:schemeClr val="tx1"/>
+                </a:solidFill>
+                <a:latin typeface="Montserrat" panose="00000500000000000000" pitchFamily="2" charset="0"/>
+              </a:endParaRPr>
+            </a:p>
+          </p:txBody>
+        </p:sp>
+        <p:sp>
+          <p:nvSpPr>
+            <p:cNvPr id="146" name="Rectangle 145"/>
+            <p:cNvSpPr/>
+            <p:nvPr/>
+          </p:nvSpPr>
+          <p:spPr>
+            <a:xfrm>
+              <a:off x="1211216" y="1034507"/>
+              <a:ext cx="961200" cy="318309"/>
+            </a:xfrm>
+            <a:prstGeom prst="rect">
+              <a:avLst/>
+            </a:prstGeom>
+            <a:solidFill>
+              <a:srgbClr val="AACAB1"/>
+            </a:solidFill>
+            <a:ln w="28575">
+              <a:noFill/>
+            </a:ln>
+          </p:spPr>
+          <p:style>
+            <a:lnRef idx="2">
+              <a:schemeClr val="accent1">
+                <a:shade val="50000"/>
+              </a:schemeClr>
+            </a:lnRef>
+            <a:fillRef idx="1">
+              <a:schemeClr val="accent1"/>
+            </a:fillRef>
+            <a:effectRef idx="0">
+              <a:schemeClr val="accent1"/>
+            </a:effectRef>
+            <a:fontRef idx="minor">
+              <a:schemeClr val="lt1"/>
+            </a:fontRef>
+          </p:style>
+          <p:txBody>
+            <a:bodyPr rtlCol="0" anchor="ctr"/>
+            <a:lstStyle/>
+            <a:p>
+              <a:pPr algn="ctr"/>
+              <a:r>
+                <a:rPr lang="en-PH" sz="1400" dirty="0" smtClean="0">
+                  <a:solidFill>
+                    <a:schemeClr val="tx1"/>
+                  </a:solidFill>
+                  <a:latin typeface="Montserrat" panose="00000500000000000000" pitchFamily="2" charset="0"/>
+                </a:rPr>
+                <a:t>Names</a:t>
+              </a:r>
+              <a:endParaRPr lang="en-PH" sz="1400" dirty="0">
+                <a:solidFill>
+                  <a:schemeClr val="tx1"/>
+                </a:solidFill>
+                <a:latin typeface="Montserrat" panose="00000500000000000000" pitchFamily="2" charset="0"/>
+              </a:endParaRPr>
+            </a:p>
+          </p:txBody>
+        </p:sp>
+      </p:grpSp>
+      <p:grpSp>
+        <p:nvGrpSpPr>
+          <p:cNvPr id="19" name="Group 18"/>
+          <p:cNvGrpSpPr/>
+          <p:nvPr/>
+        </p:nvGrpSpPr>
+        <p:grpSpPr>
+          <a:xfrm>
+            <a:off x="4531238" y="3877570"/>
+            <a:ext cx="477197" cy="183728"/>
+            <a:chOff x="5542821" y="2919186"/>
+            <a:chExt cx="791446" cy="367620"/>
+          </a:xfrm>
+        </p:grpSpPr>
+        <p:sp>
+          <p:nvSpPr>
+            <p:cNvPr id="17" name="Rounded Rectangle 16"/>
+            <p:cNvSpPr/>
+            <p:nvPr/>
+          </p:nvSpPr>
+          <p:spPr>
+            <a:xfrm>
+              <a:off x="5542821" y="2919186"/>
+              <a:ext cx="791444" cy="362857"/>
+            </a:xfrm>
+            <a:prstGeom prst="roundRect">
+              <a:avLst>
+                <a:gd name="adj" fmla="val 50000"/>
+              </a:avLst>
+            </a:prstGeom>
+            <a:solidFill>
+              <a:schemeClr val="tx1">
+                <a:lumMod val="85000"/>
+                <a:lumOff val="15000"/>
+              </a:schemeClr>
+            </a:solidFill>
+            <a:ln w="19050">
+              <a:solidFill>
+                <a:schemeClr val="tx1">
+                  <a:lumMod val="85000"/>
+                  <a:lumOff val="15000"/>
+                </a:schemeClr>
+              </a:solidFill>
+            </a:ln>
+          </p:spPr>
+          <p:style>
+            <a:lnRef idx="2">
+              <a:schemeClr val="accent1">
+                <a:shade val="50000"/>
+              </a:schemeClr>
+            </a:lnRef>
+            <a:fillRef idx="1">
+              <a:schemeClr val="accent1"/>
+            </a:fillRef>
+            <a:effectRef idx="0">
+              <a:schemeClr val="accent1"/>
+            </a:effectRef>
+            <a:fontRef idx="minor">
+              <a:schemeClr val="lt1"/>
+            </a:fontRef>
+          </p:style>
+          <p:txBody>
+            <a:bodyPr rtlCol="0" anchor="ctr"/>
+            <a:lstStyle/>
+            <a:p>
+              <a:pPr algn="ctr"/>
+              <a:endParaRPr lang="en-PH" dirty="0"/>
+            </a:p>
+          </p:txBody>
+        </p:sp>
+        <p:sp>
+          <p:nvSpPr>
+            <p:cNvPr id="148" name="Rounded Rectangle 147"/>
+            <p:cNvSpPr/>
+            <p:nvPr/>
+          </p:nvSpPr>
+          <p:spPr>
+            <a:xfrm>
+              <a:off x="5904411" y="2923949"/>
+              <a:ext cx="429856" cy="362857"/>
+            </a:xfrm>
+            <a:prstGeom prst="roundRect">
+              <a:avLst>
+                <a:gd name="adj" fmla="val 50000"/>
+              </a:avLst>
+            </a:prstGeom>
+            <a:solidFill>
+              <a:srgbClr val="A0C4A8"/>
+            </a:solidFill>
+            <a:ln w="19050">
+              <a:solidFill>
+                <a:schemeClr val="tx1">
+                  <a:lumMod val="85000"/>
+                  <a:lumOff val="15000"/>
+                </a:schemeClr>
+              </a:solidFill>
+            </a:ln>
+          </p:spPr>
+          <p:style>
+            <a:lnRef idx="2">
+              <a:schemeClr val="accent1">
+                <a:shade val="50000"/>
+              </a:schemeClr>
+            </a:lnRef>
+            <a:fillRef idx="1">
+              <a:schemeClr val="accent1"/>
+            </a:fillRef>
+            <a:effectRef idx="0">
+              <a:schemeClr val="accent1"/>
+            </a:effectRef>
+            <a:fontRef idx="minor">
+              <a:schemeClr val="lt1"/>
+            </a:fontRef>
+          </p:style>
+          <p:txBody>
+            <a:bodyPr rtlCol="0" anchor="ctr"/>
+            <a:lstStyle/>
+            <a:p>
+              <a:pPr algn="ctr"/>
+              <a:endParaRPr lang="en-PH" dirty="0"/>
+            </a:p>
+          </p:txBody>
+        </p:sp>
+      </p:grpSp>
+      <p:grpSp>
+        <p:nvGrpSpPr>
+          <p:cNvPr id="37" name="Group 36"/>
+          <p:cNvGrpSpPr/>
+          <p:nvPr/>
+        </p:nvGrpSpPr>
+        <p:grpSpPr>
+          <a:xfrm>
+            <a:off x="3903079" y="2619934"/>
+            <a:ext cx="3314548" cy="307836"/>
+            <a:chOff x="4994460" y="2720059"/>
+            <a:chExt cx="3314548" cy="307836"/>
+          </a:xfrm>
+        </p:grpSpPr>
+        <p:sp>
+          <p:nvSpPr>
+            <p:cNvPr id="20" name="Rectangle 19"/>
+            <p:cNvSpPr/>
+            <p:nvPr/>
+          </p:nvSpPr>
+          <p:spPr>
+            <a:xfrm>
+              <a:off x="4994460" y="2720118"/>
+              <a:ext cx="2379177" cy="307777"/>
+            </a:xfrm>
+            <a:prstGeom prst="rect">
+              <a:avLst/>
+            </a:prstGeom>
+            <a:ln>
+              <a:noFill/>
+            </a:ln>
+          </p:spPr>
+          <p:txBody>
+            <a:bodyPr wrap="none">
+              <a:spAutoFit/>
+            </a:bodyPr>
+            <a:lstStyle/>
+            <a:p>
+              <a:pPr algn="ctr"/>
+              <a:r>
+                <a:rPr lang="en-PH" sz="1400" dirty="0" smtClean="0">
+                  <a:latin typeface="Montserrat" panose="00000500000000000000" pitchFamily="2" charset="0"/>
+                </a:rPr>
+                <a:t>Set vertical placeholder: </a:t>
+              </a:r>
+              <a:endParaRPr lang="en-PH" sz="1400" dirty="0">
+                <a:latin typeface="Montserrat" panose="00000500000000000000" pitchFamily="2" charset="0"/>
+              </a:endParaRPr>
+            </a:p>
+          </p:txBody>
+        </p:sp>
+        <p:grpSp>
+          <p:nvGrpSpPr>
+            <p:cNvPr id="28" name="Group 27"/>
+            <p:cNvGrpSpPr/>
+            <p:nvPr/>
+          </p:nvGrpSpPr>
+          <p:grpSpPr>
+            <a:xfrm>
+              <a:off x="7373637" y="2720059"/>
+              <a:ext cx="935371" cy="307836"/>
+              <a:chOff x="7412546" y="2824146"/>
+              <a:chExt cx="935371" cy="329534"/>
+            </a:xfrm>
+          </p:grpSpPr>
+          <p:sp>
+            <p:nvSpPr>
+              <p:cNvPr id="150" name="Rectangle 149"/>
+              <p:cNvSpPr/>
+              <p:nvPr/>
+            </p:nvSpPr>
+            <p:spPr>
+              <a:xfrm>
+                <a:off x="7422678" y="2835371"/>
+                <a:ext cx="908701" cy="318309"/>
+              </a:xfrm>
+              <a:prstGeom prst="rect">
+                <a:avLst/>
+              </a:prstGeom>
+              <a:solidFill>
+                <a:srgbClr val="AACAB1"/>
+              </a:solidFill>
+              <a:ln w="28575">
+                <a:solidFill>
+                  <a:schemeClr val="tx1">
+                    <a:lumMod val="85000"/>
+                    <a:lumOff val="15000"/>
+                  </a:schemeClr>
+                </a:solidFill>
+              </a:ln>
+            </p:spPr>
+            <p:style>
+              <a:lnRef idx="2">
+                <a:schemeClr val="accent1">
+                  <a:shade val="50000"/>
+                </a:schemeClr>
+              </a:lnRef>
+              <a:fillRef idx="1">
+                <a:schemeClr val="accent1"/>
+              </a:fillRef>
+              <a:effectRef idx="0">
+                <a:schemeClr val="accent1"/>
+              </a:effectRef>
+              <a:fontRef idx="minor">
+                <a:schemeClr val="lt1"/>
+              </a:fontRef>
+            </p:style>
+            <p:txBody>
+              <a:bodyPr rtlCol="0" anchor="ctr"/>
+              <a:lstStyle/>
+              <a:p>
+                <a:endParaRPr lang="en-PH" sz="1600" dirty="0">
+                  <a:solidFill>
+                    <a:schemeClr val="tx1"/>
+                  </a:solidFill>
+                  <a:latin typeface="Montserrat" panose="00000500000000000000" pitchFamily="2" charset="0"/>
+                </a:endParaRPr>
+              </a:p>
+            </p:txBody>
+          </p:sp>
+          <p:sp>
+            <p:nvSpPr>
+              <p:cNvPr id="152" name="Rectangle 151"/>
+              <p:cNvSpPr/>
+              <p:nvPr/>
+            </p:nvSpPr>
+            <p:spPr>
+              <a:xfrm>
+                <a:off x="7412546" y="2824146"/>
+                <a:ext cx="935371" cy="320400"/>
+              </a:xfrm>
+              <a:prstGeom prst="rect">
+                <a:avLst/>
+              </a:prstGeom>
+              <a:solidFill>
+                <a:srgbClr val="D0E2D4"/>
+              </a:solidFill>
+              <a:ln w="28575">
+                <a:noFill/>
+              </a:ln>
+            </p:spPr>
+            <p:style>
+              <a:lnRef idx="2">
+                <a:schemeClr val="accent1">
+                  <a:shade val="50000"/>
+                </a:schemeClr>
+              </a:lnRef>
+              <a:fillRef idx="1">
+                <a:schemeClr val="accent1"/>
+              </a:fillRef>
+              <a:effectRef idx="0">
+                <a:schemeClr val="accent1"/>
+              </a:effectRef>
+              <a:fontRef idx="minor">
+                <a:schemeClr val="lt1"/>
+              </a:fontRef>
+            </p:style>
+            <p:txBody>
+              <a:bodyPr rtlCol="0" anchor="ctr"/>
+              <a:lstStyle/>
+              <a:p>
+                <a:pPr algn="ctr"/>
+                <a:r>
+                  <a:rPr lang="en-PH" sz="1200" dirty="0" smtClean="0">
+                    <a:noFill/>
+                    <a:latin typeface="Montserrat" panose="00000500000000000000" pitchFamily="2" charset="0"/>
+                  </a:rPr>
+                  <a:t>___</a:t>
+                </a:r>
+                <a:r>
+                  <a:rPr lang="en-PH" sz="1200" dirty="0" smtClean="0">
+                    <a:solidFill>
+                      <a:schemeClr val="tx1"/>
+                    </a:solidFill>
+                    <a:latin typeface="Montserrat" panose="00000500000000000000" pitchFamily="2" charset="0"/>
+                  </a:rPr>
+                  <a:t>px</a:t>
+                </a:r>
+                <a:endParaRPr lang="en-PH" sz="1200" dirty="0">
+                  <a:solidFill>
+                    <a:schemeClr val="tx1"/>
+                  </a:solidFill>
+                  <a:latin typeface="Montserrat" panose="00000500000000000000" pitchFamily="2" charset="0"/>
+                </a:endParaRPr>
+              </a:p>
+            </p:txBody>
+          </p:sp>
+        </p:grpSp>
+      </p:grpSp>
+      <p:grpSp>
+        <p:nvGrpSpPr>
+          <p:cNvPr id="54" name="Group 53"/>
+          <p:cNvGrpSpPr/>
+          <p:nvPr/>
+        </p:nvGrpSpPr>
+        <p:grpSpPr>
+          <a:xfrm>
+            <a:off x="3896128" y="3059986"/>
+            <a:ext cx="3864464" cy="590813"/>
+            <a:chOff x="4919016" y="3384218"/>
+            <a:chExt cx="3864464" cy="590813"/>
+          </a:xfrm>
+        </p:grpSpPr>
+        <p:sp>
+          <p:nvSpPr>
+            <p:cNvPr id="40" name="Rectangle 39"/>
+            <p:cNvSpPr/>
+            <p:nvPr/>
+          </p:nvSpPr>
+          <p:spPr>
+            <a:xfrm>
+              <a:off x="4919016" y="3384218"/>
+              <a:ext cx="635110" cy="323165"/>
+            </a:xfrm>
+            <a:prstGeom prst="rect">
+              <a:avLst/>
+            </a:prstGeom>
+          </p:spPr>
+          <p:txBody>
+            <a:bodyPr wrap="none">
+              <a:spAutoFit/>
+            </a:bodyPr>
+            <a:lstStyle/>
+            <a:p>
+              <a:r>
+                <a:rPr lang="en-PH" sz="1500" dirty="0" smtClean="0">
+                  <a:latin typeface="Montserrat" panose="00000500000000000000" pitchFamily="2" charset="0"/>
+                </a:rPr>
+                <a:t>Font</a:t>
+              </a:r>
+              <a:endParaRPr lang="en-PH" sz="1500" dirty="0"/>
+            </a:p>
+          </p:txBody>
+        </p:sp>
+        <p:pic>
+          <p:nvPicPr>
+            <p:cNvPr id="53" name="Picture 52"/>
+            <p:cNvPicPr>
+              <a:picLocks noChangeAspect="1"/>
+            </p:cNvPicPr>
+            <p:nvPr/>
+          </p:nvPicPr>
+          <p:blipFill>
+            <a:blip r:embed="rId4">
+              <a:extLst>
+                <a:ext uri="{28A0092B-C50C-407E-A947-70E740481C1C}">
+                  <a14:useLocalDpi xmlns:a14="http://schemas.microsoft.com/office/drawing/2010/main" val="0"/>
+                </a:ext>
+              </a:extLst>
+            </a:blip>
+            <a:stretch>
+              <a:fillRect/>
+            </a:stretch>
+          </p:blipFill>
+          <p:spPr>
+            <a:xfrm>
+              <a:off x="5010850" y="3695263"/>
+              <a:ext cx="3772630" cy="279768"/>
+            </a:xfrm>
+            <a:prstGeom prst="rect">
+              <a:avLst/>
+            </a:prstGeom>
+          </p:spPr>
+        </p:pic>
+      </p:grpSp>
+      <p:sp>
+        <p:nvSpPr>
+          <p:cNvPr id="171" name="Rectangle 170"/>
+          <p:cNvSpPr/>
+          <p:nvPr/>
+        </p:nvSpPr>
+        <p:spPr>
+          <a:xfrm>
+            <a:off x="3901289" y="3807852"/>
+            <a:ext cx="540533" cy="323165"/>
+          </a:xfrm>
+          <a:prstGeom prst="rect">
+            <a:avLst/>
+          </a:prstGeom>
+        </p:spPr>
+        <p:txBody>
+          <a:bodyPr wrap="none">
+            <a:spAutoFit/>
+          </a:bodyPr>
+          <a:lstStyle/>
+          <a:p>
+            <a:r>
+              <a:rPr lang="en-PH" sz="1500" dirty="0" smtClean="0">
+                <a:latin typeface="Montserrat" panose="00000500000000000000" pitchFamily="2" charset="0"/>
+              </a:rPr>
+              <a:t>Etc.</a:t>
+            </a:r>
+            <a:endParaRPr lang="en-PH" sz="1500" dirty="0"/>
+          </a:p>
+        </p:txBody>
+      </p:sp>
+      <p:sp>
+        <p:nvSpPr>
+          <p:cNvPr id="208" name="Rectangle 207"/>
+          <p:cNvSpPr/>
+          <p:nvPr/>
+        </p:nvSpPr>
+        <p:spPr>
+          <a:xfrm>
+            <a:off x="8311394" y="1375497"/>
+            <a:ext cx="4127152" cy="3835131"/>
+          </a:xfrm>
+          <a:prstGeom prst="rect">
+            <a:avLst/>
+          </a:prstGeom>
+          <a:solidFill>
+            <a:srgbClr val="AACAB1"/>
+          </a:solidFill>
+          <a:ln>
+            <a:noFill/>
+          </a:ln>
+        </p:spPr>
+        <p:style>
+          <a:lnRef idx="2">
+            <a:schemeClr val="accent1">
+              <a:shade val="50000"/>
+            </a:schemeClr>
+          </a:lnRef>
+          <a:fillRef idx="1">
+            <a:schemeClr val="accent1"/>
+          </a:fillRef>
+          <a:effectRef idx="0">
+            <a:schemeClr val="accent1"/>
+          </a:effectRef>
+          <a:fontRef idx="minor">
+            <a:schemeClr val="lt1"/>
+          </a:fontRef>
+        </p:style>
+        <p:txBody>
+          <a:bodyPr rtlCol="0" anchor="ctr"/>
+          <a:lstStyle/>
+          <a:p>
+            <a:pPr algn="ctr"/>
+            <a:endParaRPr lang="en-PH" dirty="0"/>
+          </a:p>
+        </p:txBody>
+      </p:sp>
+      <p:sp>
+        <p:nvSpPr>
+          <p:cNvPr id="209" name="Rectangle 208"/>
+          <p:cNvSpPr/>
+          <p:nvPr/>
+        </p:nvSpPr>
+        <p:spPr>
+          <a:xfrm>
+            <a:off x="8306166" y="1375498"/>
+            <a:ext cx="4135718" cy="540000"/>
+          </a:xfrm>
+          <a:prstGeom prst="rect">
+            <a:avLst/>
+          </a:prstGeom>
+          <a:solidFill>
+            <a:schemeClr val="tx1">
+              <a:lumMod val="85000"/>
+              <a:lumOff val="15000"/>
+            </a:schemeClr>
+          </a:solidFill>
+          <a:ln w="28575">
+            <a:noFill/>
+          </a:ln>
+        </p:spPr>
+        <p:style>
+          <a:lnRef idx="2">
+            <a:schemeClr val="accent1">
+              <a:shade val="50000"/>
+            </a:schemeClr>
+          </a:lnRef>
+          <a:fillRef idx="1">
+            <a:schemeClr val="accent1"/>
+          </a:fillRef>
+          <a:effectRef idx="0">
+            <a:schemeClr val="accent1"/>
+          </a:effectRef>
+          <a:fontRef idx="minor">
+            <a:schemeClr val="lt1"/>
+          </a:fontRef>
+        </p:style>
+        <p:txBody>
+          <a:bodyPr rtlCol="0" anchor="ctr"/>
+          <a:lstStyle/>
+          <a:p>
+            <a:r>
+              <a:rPr lang="en-PH" dirty="0" smtClean="0">
+                <a:solidFill>
+                  <a:srgbClr val="AACAB1"/>
+                </a:solidFill>
+                <a:latin typeface="Montserrat" panose="00000500000000000000" pitchFamily="2" charset="0"/>
+              </a:rPr>
+              <a:t>View Generated</a:t>
+            </a:r>
+            <a:endParaRPr lang="en-PH" dirty="0">
+              <a:solidFill>
+                <a:srgbClr val="AACAB1"/>
+              </a:solidFill>
+              <a:latin typeface="Montserrat" panose="00000500000000000000" pitchFamily="2" charset="0"/>
+            </a:endParaRPr>
+          </a:p>
+        </p:txBody>
+      </p:sp>
+      <p:pic>
+        <p:nvPicPr>
+          <p:cNvPr id="210" name="Picture 2" descr="Close Button - Free shapes icons"/>
+          <p:cNvPicPr>
+            <a:picLocks noChangeAspect="1" noChangeArrowheads="1"/>
+          </p:cNvPicPr>
+          <p:nvPr/>
+        </p:nvPicPr>
+        <p:blipFill>
+          <a:blip r:embed="rId3" cstate="print">
+            <a:extLst>
+              <a:ext uri="{28A0092B-C50C-407E-A947-70E740481C1C}">
+                <a14:useLocalDpi xmlns:a14="http://schemas.microsoft.com/office/drawing/2010/main" val="0"/>
+              </a:ext>
+            </a:extLst>
+          </a:blip>
+          <a:srcRect/>
+          <a:stretch>
+            <a:fillRect/>
+          </a:stretch>
+        </p:blipFill>
+        <p:spPr bwMode="auto">
+          <a:xfrm>
+            <a:off x="12107150" y="1497173"/>
+            <a:ext cx="216000" cy="216000"/>
+          </a:xfrm>
+          <a:prstGeom prst="rect">
+            <a:avLst/>
+          </a:prstGeom>
+          <a:noFill/>
+          <a:extLst>
+            <a:ext uri="{909E8E84-426E-40DD-AFC4-6F175D3DCCD1}">
+              <a14:hiddenFill xmlns:a14="http://schemas.microsoft.com/office/drawing/2010/main">
+                <a:solidFill>
+                  <a:srgbClr val="FFFFFF"/>
+                </a:solidFill>
+              </a14:hiddenFill>
+            </a:ext>
+          </a:extLst>
+        </p:spPr>
+      </p:pic>
+      <p:grpSp>
+        <p:nvGrpSpPr>
+          <p:cNvPr id="229" name="Group 228"/>
+          <p:cNvGrpSpPr/>
+          <p:nvPr/>
+        </p:nvGrpSpPr>
+        <p:grpSpPr>
+          <a:xfrm>
+            <a:off x="8595520" y="2086041"/>
+            <a:ext cx="3511630" cy="2323873"/>
+            <a:chOff x="8610514" y="2336197"/>
+            <a:chExt cx="3511630" cy="2323873"/>
+          </a:xfrm>
+        </p:grpSpPr>
+        <p:sp>
+          <p:nvSpPr>
+            <p:cNvPr id="62" name="Rectangle 61"/>
+            <p:cNvSpPr/>
+            <p:nvPr/>
+          </p:nvSpPr>
+          <p:spPr>
+            <a:xfrm>
+              <a:off x="8610514" y="2342575"/>
+              <a:ext cx="3511630" cy="2311119"/>
+            </a:xfrm>
+            <a:prstGeom prst="rect">
+              <a:avLst/>
+            </a:prstGeom>
+            <a:solidFill>
+              <a:srgbClr val="E4E6E7"/>
+            </a:solidFill>
+            <a:ln>
+              <a:noFill/>
+            </a:ln>
+          </p:spPr>
+          <p:style>
+            <a:lnRef idx="2">
+              <a:schemeClr val="accent1">
+                <a:shade val="50000"/>
+              </a:schemeClr>
+            </a:lnRef>
+            <a:fillRef idx="1">
+              <a:schemeClr val="accent1"/>
+            </a:fillRef>
+            <a:effectRef idx="0">
+              <a:schemeClr val="accent1"/>
+            </a:effectRef>
+            <a:fontRef idx="minor">
+              <a:schemeClr val="lt1"/>
+            </a:fontRef>
+          </p:style>
+          <p:txBody>
+            <a:bodyPr rtlCol="0" anchor="ctr"/>
+            <a:lstStyle/>
+            <a:p>
+              <a:pPr algn="ctr"/>
+              <a:endParaRPr lang="en-PH"/>
+            </a:p>
+          </p:txBody>
+        </p:sp>
+        <p:pic>
+          <p:nvPicPr>
+            <p:cNvPr id="1028" name="Picture 4" descr="Blank Profile Picture Mystery Man - Free vector graphic on Pixabay"/>
+            <p:cNvPicPr>
+              <a:picLocks noChangeAspect="1" noChangeArrowheads="1"/>
+            </p:cNvPicPr>
+            <p:nvPr/>
+          </p:nvPicPr>
+          <p:blipFill>
+            <a:blip r:embed="rId5" cstate="print">
+              <a:extLst>
+                <a:ext uri="{28A0092B-C50C-407E-A947-70E740481C1C}">
+                  <a14:useLocalDpi xmlns:a14="http://schemas.microsoft.com/office/drawing/2010/main" val="0"/>
+                </a:ext>
+              </a:extLst>
+            </a:blip>
+            <a:srcRect/>
+            <a:stretch>
+              <a:fillRect/>
+            </a:stretch>
+          </p:blipFill>
+          <p:spPr bwMode="auto">
+            <a:xfrm>
+              <a:off x="9200313" y="2336197"/>
+              <a:ext cx="2323873" cy="2323873"/>
+            </a:xfrm>
+            <a:prstGeom prst="rect">
+              <a:avLst/>
+            </a:prstGeom>
+            <a:noFill/>
+            <a:extLst>
+              <a:ext uri="{909E8E84-426E-40DD-AFC4-6F175D3DCCD1}">
+                <a14:hiddenFill xmlns:a14="http://schemas.microsoft.com/office/drawing/2010/main">
+                  <a:solidFill>
+                    <a:srgbClr val="FFFFFF"/>
+                  </a:solidFill>
+                </a14:hiddenFill>
+              </a:ext>
+            </a:extLst>
+          </p:spPr>
+        </p:pic>
+      </p:grpSp>
+      <p:sp>
+        <p:nvSpPr>
+          <p:cNvPr id="230" name="Right Arrow Callout 229"/>
+          <p:cNvSpPr/>
+          <p:nvPr/>
+        </p:nvSpPr>
+        <p:spPr>
+          <a:xfrm flipH="1">
+            <a:off x="12746924" y="1596543"/>
+            <a:ext cx="2897944" cy="2259875"/>
+          </a:xfrm>
+          <a:prstGeom prst="rightArrowCallout">
+            <a:avLst>
+              <a:gd name="adj1" fmla="val 10853"/>
+              <a:gd name="adj2" fmla="val 8924"/>
+              <a:gd name="adj3" fmla="val 25000"/>
+              <a:gd name="adj4" fmla="val 64099"/>
+            </a:avLst>
+          </a:prstGeom>
+          <a:solidFill>
+            <a:schemeClr val="bg1"/>
+          </a:solidFill>
+          <a:ln>
+            <a:solidFill>
+              <a:srgbClr val="AACAB1"/>
+            </a:solidFill>
+          </a:ln>
+        </p:spPr>
+        <p:style>
+          <a:lnRef idx="2">
+            <a:schemeClr val="accent1">
+              <a:shade val="50000"/>
+            </a:schemeClr>
+          </a:lnRef>
+          <a:fillRef idx="1">
+            <a:schemeClr val="accent1"/>
+          </a:fillRef>
+          <a:effectRef idx="0">
+            <a:schemeClr val="accent1"/>
+          </a:effectRef>
+          <a:fontRef idx="minor">
+            <a:schemeClr val="lt1"/>
+          </a:fontRef>
+        </p:style>
+        <p:txBody>
+          <a:bodyPr rtlCol="0" anchor="ctr"/>
+          <a:lstStyle/>
+          <a:p>
+            <a:pPr algn="ctr"/>
+            <a:r>
+              <a:rPr lang="en-PH" dirty="0" smtClean="0">
+                <a:solidFill>
+                  <a:srgbClr val="AACAB1"/>
+                </a:solidFill>
+              </a:rPr>
+              <a:t>Image slider here, showing all generated certificates, stops sliding when hovered</a:t>
+            </a:r>
+            <a:endParaRPr lang="en-PH" dirty="0">
+              <a:solidFill>
+                <a:srgbClr val="AACAB1"/>
+              </a:solidFill>
+            </a:endParaRPr>
+          </a:p>
+        </p:txBody>
+      </p:sp>
+    </p:spTree>
+    <p:extLst>
+      <p:ext uri="{BB962C8B-B14F-4D97-AF65-F5344CB8AC3E}">
+        <p14:creationId xmlns:p14="http://schemas.microsoft.com/office/powerpoint/2010/main" val="173871519"/>
+      </p:ext>
+    </p:extLst>
+  </p:cSld>
+  <p:clrMapOvr>
+    <a:masterClrMapping/>
+  </p:clrMapOvr>
+  <p:timing>
+    <p:tnLst>
+      <p:par>
+        <p:cTn id="1" dur="indefinite" restart="never" nodeType="tmRoot"/>
+      </p:par>
+    </p:tnLst>
+  </p:timing>
+</p:sld>
+</file>
+
+<file path=ppt/slides/slide3.xml><?xml version="1.0" encoding="utf-8"?>
+<p:sld xmlns:a="http://schemas.openxmlformats.org/drawingml/2006/main" xmlns:r="http://schemas.openxmlformats.org/officeDocument/2006/relationships" xmlns:p="http://schemas.openxmlformats.org/presentationml/2006/main">
+  <p:cSld>
+    <p:spTree>
+      <p:nvGrpSpPr>
+        <p:cNvPr id="1" name=""/>
+        <p:cNvGrpSpPr/>
+        <p:nvPr/>
+      </p:nvGrpSpPr>
+      <p:grpSpPr>
+        <a:xfrm>
+          <a:off x="0" y="0"/>
+          <a:ext cx="0" cy="0"/>
+          <a:chOff x="0" y="0"/>
+          <a:chExt cx="0" cy="0"/>
+        </a:xfrm>
+      </p:grpSpPr>
+      <p:sp>
+        <p:nvSpPr>
+          <p:cNvPr id="3" name="Rectangle 2"/>
+          <p:cNvSpPr/>
+          <p:nvPr/>
+        </p:nvSpPr>
+        <p:spPr>
+          <a:xfrm>
+            <a:off x="0" y="1"/>
+            <a:ext cx="12192000" cy="900333"/>
+          </a:xfrm>
+          <a:prstGeom prst="rect">
+            <a:avLst/>
+          </a:prstGeom>
+          <a:solidFill>
+            <a:srgbClr val="AACAB1"/>
+          </a:solidFill>
+          <a:ln w="38100">
+            <a:noFill/>
+          </a:ln>
+        </p:spPr>
+        <p:style>
+          <a:lnRef idx="2">
+            <a:schemeClr val="accent1">
+              <a:shade val="50000"/>
+            </a:schemeClr>
+          </a:lnRef>
+          <a:fillRef idx="1">
+            <a:schemeClr val="accent1"/>
+          </a:fillRef>
+          <a:effectRef idx="0">
+            <a:schemeClr val="accent1"/>
+          </a:effectRef>
+          <a:fontRef idx="minor">
+            <a:schemeClr val="lt1"/>
+          </a:fontRef>
+        </p:style>
+        <p:txBody>
+          <a:bodyPr rtlCol="0" anchor="ctr"/>
+          <a:lstStyle/>
+          <a:p>
+            <a:pPr algn="ctr"/>
+            <a:endParaRPr lang="en-PH" dirty="0"/>
+          </a:p>
+        </p:txBody>
+      </p:sp>
+      <p:sp>
+        <p:nvSpPr>
+          <p:cNvPr id="2" name="Rectangle 1"/>
+          <p:cNvSpPr/>
+          <p:nvPr/>
+        </p:nvSpPr>
+        <p:spPr>
+          <a:xfrm>
+            <a:off x="150403" y="141709"/>
+            <a:ext cx="5036956" cy="646331"/>
+          </a:xfrm>
+          <a:prstGeom prst="rect">
+            <a:avLst/>
+          </a:prstGeom>
+        </p:spPr>
+        <p:txBody>
+          <a:bodyPr wrap="none">
+            <a:spAutoFit/>
+          </a:bodyPr>
+          <a:lstStyle/>
+          <a:p>
+            <a:r>
+              <a:rPr lang="en-PH" sz="3600" dirty="0" smtClean="0">
+                <a:latin typeface="Montserrat" panose="00000500000000000000" pitchFamily="2" charset="0"/>
+              </a:rPr>
+              <a:t>Certificate</a:t>
+            </a:r>
+            <a:r>
+              <a:rPr lang="en-PH" sz="3600" dirty="0" smtClean="0">
+                <a:solidFill>
+                  <a:schemeClr val="bg1"/>
+                </a:solidFill>
+                <a:latin typeface="Montserrat" panose="00000500000000000000" pitchFamily="2" charset="0"/>
+              </a:rPr>
+              <a:t> Generator</a:t>
+            </a:r>
+            <a:endParaRPr lang="en-PH" sz="3600" dirty="0">
+              <a:solidFill>
+                <a:schemeClr val="bg1"/>
+              </a:solidFill>
+            </a:endParaRPr>
+          </a:p>
+        </p:txBody>
+      </p:sp>
+      <p:grpSp>
+        <p:nvGrpSpPr>
+          <p:cNvPr id="44" name="Group 43"/>
+          <p:cNvGrpSpPr/>
+          <p:nvPr/>
+        </p:nvGrpSpPr>
+        <p:grpSpPr>
+          <a:xfrm>
+            <a:off x="9162151" y="201687"/>
+            <a:ext cx="360000" cy="360000"/>
+            <a:chOff x="0" y="0"/>
+            <a:chExt cx="5809957" cy="1012875"/>
+          </a:xfrm>
+        </p:grpSpPr>
+        <p:sp>
+          <p:nvSpPr>
+            <p:cNvPr id="45" name="Rectangle 44"/>
+            <p:cNvSpPr/>
+            <p:nvPr/>
+          </p:nvSpPr>
+          <p:spPr>
+            <a:xfrm>
+              <a:off x="0" y="1"/>
+              <a:ext cx="5809957" cy="1012874"/>
+            </a:xfrm>
+            <a:prstGeom prst="rect">
+              <a:avLst/>
+            </a:prstGeom>
+            <a:solidFill>
+              <a:schemeClr val="bg1"/>
+            </a:solidFill>
+            <a:ln w="38100">
+              <a:solidFill>
+                <a:srgbClr val="AACAB1"/>
+              </a:solidFill>
+            </a:ln>
+          </p:spPr>
+          <p:style>
+            <a:lnRef idx="2">
+              <a:schemeClr val="accent1">
+                <a:shade val="50000"/>
+              </a:schemeClr>
+            </a:lnRef>
+            <a:fillRef idx="1">
+              <a:schemeClr val="accent1"/>
+            </a:fillRef>
+            <a:effectRef idx="0">
+              <a:schemeClr val="accent1"/>
+            </a:effectRef>
+            <a:fontRef idx="minor">
+              <a:schemeClr val="lt1"/>
+            </a:fontRef>
+          </p:style>
+          <p:txBody>
+            <a:bodyPr rtlCol="0" anchor="ctr"/>
+            <a:lstStyle/>
+            <a:p>
+              <a:pPr algn="ctr"/>
+              <a:endParaRPr lang="en-PH" sz="3600" dirty="0">
+                <a:solidFill>
+                  <a:srgbClr val="AACAB1"/>
+                </a:solidFill>
+              </a:endParaRPr>
+            </a:p>
+          </p:txBody>
+        </p:sp>
+        <p:cxnSp>
+          <p:nvCxnSpPr>
+            <p:cNvPr id="46" name="Straight Connector 45"/>
+            <p:cNvCxnSpPr/>
+            <p:nvPr/>
+          </p:nvCxnSpPr>
+          <p:spPr>
+            <a:xfrm>
+              <a:off x="0" y="2"/>
+              <a:ext cx="5809957" cy="1012873"/>
+            </a:xfrm>
+            <a:prstGeom prst="line">
+              <a:avLst/>
+            </a:prstGeom>
+            <a:ln w="38100">
+              <a:solidFill>
+                <a:srgbClr val="AACAB1"/>
+              </a:solidFill>
+            </a:ln>
+          </p:spPr>
+          <p:style>
+            <a:lnRef idx="1">
+              <a:schemeClr val="accent1"/>
+            </a:lnRef>
+            <a:fillRef idx="0">
+              <a:schemeClr val="accent1"/>
+            </a:fillRef>
+            <a:effectRef idx="0">
+              <a:schemeClr val="accent1"/>
+            </a:effectRef>
+            <a:fontRef idx="minor">
+              <a:schemeClr val="tx1"/>
+            </a:fontRef>
+          </p:style>
+        </p:cxnSp>
+        <p:cxnSp>
+          <p:nvCxnSpPr>
+            <p:cNvPr id="47" name="Straight Connector 46"/>
+            <p:cNvCxnSpPr/>
+            <p:nvPr/>
+          </p:nvCxnSpPr>
+          <p:spPr>
+            <a:xfrm flipV="1">
+              <a:off x="28135" y="0"/>
+              <a:ext cx="5781822" cy="1012875"/>
+            </a:xfrm>
+            <a:prstGeom prst="line">
+              <a:avLst/>
+            </a:prstGeom>
+            <a:ln w="38100">
+              <a:solidFill>
+                <a:srgbClr val="AACAB1"/>
+              </a:solidFill>
+            </a:ln>
+          </p:spPr>
+          <p:style>
+            <a:lnRef idx="1">
+              <a:schemeClr val="accent1"/>
+            </a:lnRef>
+            <a:fillRef idx="0">
+              <a:schemeClr val="accent1"/>
+            </a:fillRef>
+            <a:effectRef idx="0">
+              <a:schemeClr val="accent1"/>
+            </a:effectRef>
+            <a:fontRef idx="minor">
+              <a:schemeClr val="tx1"/>
+            </a:fontRef>
+          </p:style>
+        </p:cxnSp>
+      </p:grpSp>
+      <p:grpSp>
+        <p:nvGrpSpPr>
+          <p:cNvPr id="31" name="Group 30"/>
+          <p:cNvGrpSpPr/>
+          <p:nvPr/>
+        </p:nvGrpSpPr>
+        <p:grpSpPr>
+          <a:xfrm>
+            <a:off x="9626268" y="201328"/>
+            <a:ext cx="360000" cy="360000"/>
+            <a:chOff x="0" y="0"/>
+            <a:chExt cx="5809957" cy="1012875"/>
+          </a:xfrm>
+        </p:grpSpPr>
+        <p:sp>
+          <p:nvSpPr>
+            <p:cNvPr id="32" name="Rectangle 31"/>
+            <p:cNvSpPr/>
+            <p:nvPr/>
+          </p:nvSpPr>
+          <p:spPr>
+            <a:xfrm>
+              <a:off x="0" y="1"/>
+              <a:ext cx="5809957" cy="1012874"/>
+            </a:xfrm>
+            <a:prstGeom prst="rect">
+              <a:avLst/>
+            </a:prstGeom>
+            <a:solidFill>
+              <a:schemeClr val="bg1"/>
+            </a:solidFill>
+            <a:ln w="38100">
+              <a:solidFill>
+                <a:srgbClr val="AACAB1"/>
+              </a:solidFill>
+            </a:ln>
+          </p:spPr>
+          <p:style>
+            <a:lnRef idx="2">
+              <a:schemeClr val="accent1">
+                <a:shade val="50000"/>
+              </a:schemeClr>
+            </a:lnRef>
+            <a:fillRef idx="1">
+              <a:schemeClr val="accent1"/>
+            </a:fillRef>
+            <a:effectRef idx="0">
+              <a:schemeClr val="accent1"/>
+            </a:effectRef>
+            <a:fontRef idx="minor">
+              <a:schemeClr val="lt1"/>
+            </a:fontRef>
+          </p:style>
+          <p:txBody>
+            <a:bodyPr rtlCol="0" anchor="ctr"/>
+            <a:lstStyle/>
+            <a:p>
+              <a:pPr algn="ctr"/>
+              <a:endParaRPr lang="en-PH" sz="3600" dirty="0">
+                <a:solidFill>
+                  <a:srgbClr val="AACAB1"/>
+                </a:solidFill>
+              </a:endParaRPr>
+            </a:p>
+          </p:txBody>
+        </p:sp>
+        <p:cxnSp>
+          <p:nvCxnSpPr>
+            <p:cNvPr id="33" name="Straight Connector 32"/>
+            <p:cNvCxnSpPr/>
+            <p:nvPr/>
+          </p:nvCxnSpPr>
+          <p:spPr>
+            <a:xfrm>
+              <a:off x="0" y="2"/>
+              <a:ext cx="5809957" cy="1012873"/>
+            </a:xfrm>
+            <a:prstGeom prst="line">
+              <a:avLst/>
+            </a:prstGeom>
+            <a:ln w="38100">
+              <a:solidFill>
+                <a:srgbClr val="AACAB1"/>
+              </a:solidFill>
+            </a:ln>
+          </p:spPr>
+          <p:style>
+            <a:lnRef idx="1">
+              <a:schemeClr val="accent1"/>
+            </a:lnRef>
+            <a:fillRef idx="0">
+              <a:schemeClr val="accent1"/>
+            </a:fillRef>
+            <a:effectRef idx="0">
+              <a:schemeClr val="accent1"/>
+            </a:effectRef>
+            <a:fontRef idx="minor">
+              <a:schemeClr val="tx1"/>
+            </a:fontRef>
+          </p:style>
+        </p:cxnSp>
+        <p:cxnSp>
+          <p:nvCxnSpPr>
+            <p:cNvPr id="34" name="Straight Connector 33"/>
+            <p:cNvCxnSpPr/>
+            <p:nvPr/>
+          </p:nvCxnSpPr>
+          <p:spPr>
+            <a:xfrm flipV="1">
+              <a:off x="28135" y="0"/>
+              <a:ext cx="5781822" cy="1012875"/>
+            </a:xfrm>
+            <a:prstGeom prst="line">
+              <a:avLst/>
+            </a:prstGeom>
+            <a:ln w="38100">
+              <a:solidFill>
+                <a:srgbClr val="AACAB1"/>
+              </a:solidFill>
+            </a:ln>
+          </p:spPr>
+          <p:style>
+            <a:lnRef idx="1">
+              <a:schemeClr val="accent1"/>
+            </a:lnRef>
+            <a:fillRef idx="0">
+              <a:schemeClr val="accent1"/>
+            </a:fillRef>
+            <a:effectRef idx="0">
+              <a:schemeClr val="accent1"/>
+            </a:effectRef>
+            <a:fontRef idx="minor">
+              <a:schemeClr val="tx1"/>
+            </a:fontRef>
+          </p:style>
+        </p:cxnSp>
+      </p:grpSp>
+      <p:grpSp>
+        <p:nvGrpSpPr>
+          <p:cNvPr id="88" name="Group 87"/>
+          <p:cNvGrpSpPr/>
+          <p:nvPr/>
+        </p:nvGrpSpPr>
+        <p:grpSpPr>
+          <a:xfrm>
+            <a:off x="10140459" y="232285"/>
+            <a:ext cx="324000" cy="324000"/>
+            <a:chOff x="5165558" y="2020501"/>
+            <a:chExt cx="3920844" cy="3899874"/>
+          </a:xfrm>
+          <a:solidFill>
+            <a:schemeClr val="bg1"/>
+          </a:solidFill>
+        </p:grpSpPr>
+        <p:sp>
+          <p:nvSpPr>
+            <p:cNvPr id="89" name="Rectangle 88"/>
+            <p:cNvSpPr/>
+            <p:nvPr/>
+          </p:nvSpPr>
+          <p:spPr>
+            <a:xfrm>
+              <a:off x="5165558" y="2020501"/>
+              <a:ext cx="900000" cy="900000"/>
+            </a:xfrm>
+            <a:prstGeom prst="rect">
+              <a:avLst/>
+            </a:prstGeom>
+            <a:grpFill/>
+            <a:ln>
+              <a:noFill/>
+            </a:ln>
+          </p:spPr>
+          <p:style>
+            <a:lnRef idx="2">
+              <a:schemeClr val="accent1">
+                <a:shade val="50000"/>
+              </a:schemeClr>
+            </a:lnRef>
+            <a:fillRef idx="1">
+              <a:schemeClr val="accent1"/>
+            </a:fillRef>
+            <a:effectRef idx="0">
+              <a:schemeClr val="accent1"/>
+            </a:effectRef>
+            <a:fontRef idx="minor">
+              <a:schemeClr val="lt1"/>
+            </a:fontRef>
+          </p:style>
+          <p:txBody>
+            <a:bodyPr rtlCol="0" anchor="ctr"/>
+            <a:lstStyle/>
+            <a:p>
+              <a:pPr algn="ctr"/>
+              <a:endParaRPr lang="en-PH" dirty="0"/>
+            </a:p>
+          </p:txBody>
+        </p:sp>
+        <p:sp>
+          <p:nvSpPr>
+            <p:cNvPr id="90" name="Rectangle 89"/>
+            <p:cNvSpPr/>
+            <p:nvPr/>
+          </p:nvSpPr>
+          <p:spPr>
+            <a:xfrm>
+              <a:off x="8186402" y="2020501"/>
+              <a:ext cx="900000" cy="900000"/>
+            </a:xfrm>
+            <a:prstGeom prst="rect">
+              <a:avLst/>
+            </a:prstGeom>
+            <a:grpFill/>
+            <a:ln>
+              <a:noFill/>
+            </a:ln>
+          </p:spPr>
+          <p:style>
+            <a:lnRef idx="2">
+              <a:schemeClr val="accent1">
+                <a:shade val="50000"/>
+              </a:schemeClr>
+            </a:lnRef>
+            <a:fillRef idx="1">
+              <a:schemeClr val="accent1"/>
+            </a:fillRef>
+            <a:effectRef idx="0">
+              <a:schemeClr val="accent1"/>
+            </a:effectRef>
+            <a:fontRef idx="minor">
+              <a:schemeClr val="lt1"/>
+            </a:fontRef>
+          </p:style>
+          <p:txBody>
+            <a:bodyPr rtlCol="0" anchor="ctr"/>
+            <a:lstStyle/>
+            <a:p>
+              <a:pPr algn="ctr"/>
+              <a:endParaRPr lang="en-PH" dirty="0"/>
+            </a:p>
+          </p:txBody>
+        </p:sp>
+        <p:sp>
+          <p:nvSpPr>
+            <p:cNvPr id="91" name="Rectangle 90"/>
+            <p:cNvSpPr/>
+            <p:nvPr/>
+          </p:nvSpPr>
+          <p:spPr>
+            <a:xfrm>
+              <a:off x="6675980" y="2020501"/>
+              <a:ext cx="900000" cy="900000"/>
+            </a:xfrm>
+            <a:prstGeom prst="rect">
+              <a:avLst/>
+            </a:prstGeom>
+            <a:grpFill/>
+            <a:ln>
+              <a:noFill/>
+            </a:ln>
+          </p:spPr>
+          <p:style>
+            <a:lnRef idx="2">
+              <a:schemeClr val="accent1">
+                <a:shade val="50000"/>
+              </a:schemeClr>
+            </a:lnRef>
+            <a:fillRef idx="1">
+              <a:schemeClr val="accent1"/>
+            </a:fillRef>
+            <a:effectRef idx="0">
+              <a:schemeClr val="accent1"/>
+            </a:effectRef>
+            <a:fontRef idx="minor">
+              <a:schemeClr val="lt1"/>
+            </a:fontRef>
+          </p:style>
+          <p:txBody>
+            <a:bodyPr rtlCol="0" anchor="ctr"/>
+            <a:lstStyle/>
+            <a:p>
+              <a:pPr algn="ctr"/>
+              <a:endParaRPr lang="en-PH" dirty="0"/>
+            </a:p>
+          </p:txBody>
+        </p:sp>
+        <p:sp>
+          <p:nvSpPr>
+            <p:cNvPr id="92" name="Rectangle 91"/>
+            <p:cNvSpPr/>
+            <p:nvPr/>
+          </p:nvSpPr>
+          <p:spPr>
+            <a:xfrm>
+              <a:off x="5165558" y="3520438"/>
+              <a:ext cx="900000" cy="900000"/>
+            </a:xfrm>
+            <a:prstGeom prst="rect">
+              <a:avLst/>
+            </a:prstGeom>
+            <a:grpFill/>
+            <a:ln>
+              <a:noFill/>
+            </a:ln>
+          </p:spPr>
+          <p:style>
+            <a:lnRef idx="2">
+              <a:schemeClr val="accent1">
+                <a:shade val="50000"/>
+              </a:schemeClr>
+            </a:lnRef>
+            <a:fillRef idx="1">
+              <a:schemeClr val="accent1"/>
+            </a:fillRef>
+            <a:effectRef idx="0">
+              <a:schemeClr val="accent1"/>
+            </a:effectRef>
+            <a:fontRef idx="minor">
+              <a:schemeClr val="lt1"/>
+            </a:fontRef>
+          </p:style>
+          <p:txBody>
+            <a:bodyPr rtlCol="0" anchor="ctr"/>
+            <a:lstStyle/>
+            <a:p>
+              <a:pPr algn="ctr"/>
+              <a:endParaRPr lang="en-PH" dirty="0"/>
+            </a:p>
+          </p:txBody>
+        </p:sp>
+        <p:sp>
+          <p:nvSpPr>
+            <p:cNvPr id="93" name="Rectangle 92"/>
+            <p:cNvSpPr/>
+            <p:nvPr/>
+          </p:nvSpPr>
+          <p:spPr>
+            <a:xfrm>
+              <a:off x="8186402" y="3520438"/>
+              <a:ext cx="900000" cy="900000"/>
+            </a:xfrm>
+            <a:prstGeom prst="rect">
+              <a:avLst/>
+            </a:prstGeom>
+            <a:grpFill/>
+            <a:ln>
+              <a:noFill/>
+            </a:ln>
+          </p:spPr>
+          <p:style>
+            <a:lnRef idx="2">
+              <a:schemeClr val="accent1">
+                <a:shade val="50000"/>
+              </a:schemeClr>
+            </a:lnRef>
+            <a:fillRef idx="1">
+              <a:schemeClr val="accent1"/>
+            </a:fillRef>
+            <a:effectRef idx="0">
+              <a:schemeClr val="accent1"/>
+            </a:effectRef>
+            <a:fontRef idx="minor">
+              <a:schemeClr val="lt1"/>
+            </a:fontRef>
+          </p:style>
+          <p:txBody>
+            <a:bodyPr rtlCol="0" anchor="ctr"/>
+            <a:lstStyle/>
+            <a:p>
+              <a:pPr algn="ctr"/>
+              <a:endParaRPr lang="en-PH" dirty="0"/>
+            </a:p>
+          </p:txBody>
+        </p:sp>
+        <p:sp>
+          <p:nvSpPr>
+            <p:cNvPr id="94" name="Rectangle 93"/>
+            <p:cNvSpPr/>
+            <p:nvPr/>
+          </p:nvSpPr>
+          <p:spPr>
+            <a:xfrm>
+              <a:off x="6675980" y="3520438"/>
+              <a:ext cx="900000" cy="900000"/>
+            </a:xfrm>
+            <a:prstGeom prst="rect">
+              <a:avLst/>
+            </a:prstGeom>
+            <a:grpFill/>
+            <a:ln>
+              <a:noFill/>
+            </a:ln>
+          </p:spPr>
+          <p:style>
+            <a:lnRef idx="2">
+              <a:schemeClr val="accent1">
+                <a:shade val="50000"/>
+              </a:schemeClr>
+            </a:lnRef>
+            <a:fillRef idx="1">
+              <a:schemeClr val="accent1"/>
+            </a:fillRef>
+            <a:effectRef idx="0">
+              <a:schemeClr val="accent1"/>
+            </a:effectRef>
+            <a:fontRef idx="minor">
+              <a:schemeClr val="lt1"/>
+            </a:fontRef>
+          </p:style>
+          <p:txBody>
+            <a:bodyPr rtlCol="0" anchor="ctr"/>
+            <a:lstStyle/>
+            <a:p>
+              <a:pPr algn="ctr"/>
+              <a:endParaRPr lang="en-PH" dirty="0"/>
+            </a:p>
+          </p:txBody>
+        </p:sp>
+        <p:sp>
+          <p:nvSpPr>
+            <p:cNvPr id="95" name="Rectangle 94"/>
+            <p:cNvSpPr/>
+            <p:nvPr/>
+          </p:nvSpPr>
+          <p:spPr>
+            <a:xfrm>
+              <a:off x="5165558" y="5020375"/>
+              <a:ext cx="900000" cy="900000"/>
+            </a:xfrm>
+            <a:prstGeom prst="rect">
+              <a:avLst/>
+            </a:prstGeom>
+            <a:grpFill/>
+            <a:ln>
+              <a:noFill/>
+            </a:ln>
+          </p:spPr>
+          <p:style>
+            <a:lnRef idx="2">
+              <a:schemeClr val="accent1">
+                <a:shade val="50000"/>
+              </a:schemeClr>
+            </a:lnRef>
+            <a:fillRef idx="1">
+              <a:schemeClr val="accent1"/>
+            </a:fillRef>
+            <a:effectRef idx="0">
+              <a:schemeClr val="accent1"/>
+            </a:effectRef>
+            <a:fontRef idx="minor">
+              <a:schemeClr val="lt1"/>
+            </a:fontRef>
+          </p:style>
+          <p:txBody>
+            <a:bodyPr rtlCol="0" anchor="ctr"/>
+            <a:lstStyle/>
+            <a:p>
+              <a:pPr algn="ctr"/>
+              <a:endParaRPr lang="en-PH" dirty="0"/>
+            </a:p>
+          </p:txBody>
+        </p:sp>
+        <p:sp>
+          <p:nvSpPr>
+            <p:cNvPr id="96" name="Rectangle 95"/>
+            <p:cNvSpPr/>
+            <p:nvPr/>
+          </p:nvSpPr>
+          <p:spPr>
+            <a:xfrm>
+              <a:off x="8186402" y="5020375"/>
+              <a:ext cx="900000" cy="900000"/>
+            </a:xfrm>
+            <a:prstGeom prst="rect">
+              <a:avLst/>
+            </a:prstGeom>
+            <a:grpFill/>
+            <a:ln>
+              <a:noFill/>
+            </a:ln>
+          </p:spPr>
+          <p:style>
+            <a:lnRef idx="2">
+              <a:schemeClr val="accent1">
+                <a:shade val="50000"/>
+              </a:schemeClr>
+            </a:lnRef>
+            <a:fillRef idx="1">
+              <a:schemeClr val="accent1"/>
+            </a:fillRef>
+            <a:effectRef idx="0">
+              <a:schemeClr val="accent1"/>
+            </a:effectRef>
+            <a:fontRef idx="minor">
+              <a:schemeClr val="lt1"/>
+            </a:fontRef>
+          </p:style>
+          <p:txBody>
+            <a:bodyPr rtlCol="0" anchor="ctr"/>
+            <a:lstStyle/>
+            <a:p>
+              <a:pPr algn="ctr"/>
+              <a:endParaRPr lang="en-PH" dirty="0"/>
+            </a:p>
+          </p:txBody>
+        </p:sp>
+        <p:sp>
+          <p:nvSpPr>
+            <p:cNvPr id="97" name="Rectangle 96"/>
+            <p:cNvSpPr/>
+            <p:nvPr/>
+          </p:nvSpPr>
+          <p:spPr>
+            <a:xfrm>
+              <a:off x="6675980" y="5020375"/>
+              <a:ext cx="900000" cy="900000"/>
+            </a:xfrm>
+            <a:prstGeom prst="rect">
+              <a:avLst/>
+            </a:prstGeom>
+            <a:grpFill/>
+            <a:ln>
+              <a:noFill/>
+            </a:ln>
+          </p:spPr>
+          <p:style>
+            <a:lnRef idx="2">
+              <a:schemeClr val="accent1">
+                <a:shade val="50000"/>
+              </a:schemeClr>
+            </a:lnRef>
+            <a:fillRef idx="1">
+              <a:schemeClr val="accent1"/>
+            </a:fillRef>
+            <a:effectRef idx="0">
+              <a:schemeClr val="accent1"/>
+            </a:effectRef>
+            <a:fontRef idx="minor">
+              <a:schemeClr val="lt1"/>
+            </a:fontRef>
+          </p:style>
+          <p:txBody>
+            <a:bodyPr rtlCol="0" anchor="ctr"/>
+            <a:lstStyle/>
+            <a:p>
+              <a:pPr algn="ctr"/>
+              <a:endParaRPr lang="en-PH" dirty="0"/>
+            </a:p>
+          </p:txBody>
+        </p:sp>
+      </p:grpSp>
+      <p:grpSp>
+        <p:nvGrpSpPr>
+          <p:cNvPr id="117" name="Group 116"/>
+          <p:cNvGrpSpPr/>
+          <p:nvPr/>
+        </p:nvGrpSpPr>
+        <p:grpSpPr>
+          <a:xfrm>
+            <a:off x="10590767" y="217044"/>
+            <a:ext cx="1255882" cy="360000"/>
+            <a:chOff x="12269618" y="546390"/>
+            <a:chExt cx="1255882" cy="360000"/>
+          </a:xfrm>
+        </p:grpSpPr>
+        <p:grpSp>
+          <p:nvGrpSpPr>
+            <p:cNvPr id="118" name="Group 117"/>
+            <p:cNvGrpSpPr/>
+            <p:nvPr/>
+          </p:nvGrpSpPr>
+          <p:grpSpPr>
+            <a:xfrm>
+              <a:off x="12269618" y="546390"/>
+              <a:ext cx="360000" cy="360000"/>
+              <a:chOff x="0" y="0"/>
+              <a:chExt cx="5809957" cy="1012875"/>
+            </a:xfrm>
+          </p:grpSpPr>
+          <p:sp>
+            <p:nvSpPr>
+              <p:cNvPr id="120" name="Rectangle 119"/>
+              <p:cNvSpPr/>
+              <p:nvPr/>
+            </p:nvSpPr>
+            <p:spPr>
+              <a:xfrm>
+                <a:off x="0" y="0"/>
+                <a:ext cx="5809957" cy="1012875"/>
+              </a:xfrm>
+              <a:prstGeom prst="rect">
+                <a:avLst/>
+              </a:prstGeom>
+              <a:solidFill>
+                <a:schemeClr val="bg1"/>
+              </a:solidFill>
+              <a:ln w="38100">
+                <a:solidFill>
+                  <a:srgbClr val="AACAB1"/>
+                </a:solidFill>
+              </a:ln>
+            </p:spPr>
+            <p:style>
+              <a:lnRef idx="2">
+                <a:schemeClr val="accent1">
+                  <a:shade val="50000"/>
+                </a:schemeClr>
+              </a:lnRef>
+              <a:fillRef idx="1">
+                <a:schemeClr val="accent1"/>
+              </a:fillRef>
+              <a:effectRef idx="0">
+                <a:schemeClr val="accent1"/>
+              </a:effectRef>
+              <a:fontRef idx="minor">
+                <a:schemeClr val="lt1"/>
+              </a:fontRef>
+            </p:style>
+            <p:txBody>
+              <a:bodyPr rtlCol="0" anchor="ctr"/>
+              <a:lstStyle/>
+              <a:p>
+                <a:pPr algn="ctr"/>
+                <a:endParaRPr lang="en-PH" sz="3600" dirty="0">
+                  <a:solidFill>
+                    <a:srgbClr val="AACAB1"/>
+                  </a:solidFill>
+                </a:endParaRPr>
+              </a:p>
+            </p:txBody>
+          </p:sp>
+          <p:cxnSp>
+            <p:nvCxnSpPr>
+              <p:cNvPr id="121" name="Straight Connector 120"/>
+              <p:cNvCxnSpPr/>
+              <p:nvPr/>
+            </p:nvCxnSpPr>
+            <p:spPr>
+              <a:xfrm>
+                <a:off x="0" y="2"/>
+                <a:ext cx="5809957" cy="1012873"/>
+              </a:xfrm>
+              <a:prstGeom prst="line">
+                <a:avLst/>
+              </a:prstGeom>
+              <a:ln w="38100">
+                <a:solidFill>
+                  <a:srgbClr val="AACAB1"/>
+                </a:solidFill>
+              </a:ln>
+            </p:spPr>
+            <p:style>
+              <a:lnRef idx="1">
+                <a:schemeClr val="accent1"/>
+              </a:lnRef>
+              <a:fillRef idx="0">
+                <a:schemeClr val="accent1"/>
+              </a:fillRef>
+              <a:effectRef idx="0">
+                <a:schemeClr val="accent1"/>
+              </a:effectRef>
+              <a:fontRef idx="minor">
+                <a:schemeClr val="tx1"/>
+              </a:fontRef>
+            </p:style>
+          </p:cxnSp>
+          <p:cxnSp>
+            <p:nvCxnSpPr>
+              <p:cNvPr id="122" name="Straight Connector 121"/>
+              <p:cNvCxnSpPr/>
+              <p:nvPr/>
+            </p:nvCxnSpPr>
+            <p:spPr>
+              <a:xfrm flipV="1">
+                <a:off x="28135" y="0"/>
+                <a:ext cx="5781822" cy="1012875"/>
+              </a:xfrm>
+              <a:prstGeom prst="line">
+                <a:avLst/>
+              </a:prstGeom>
+              <a:ln w="38100">
+                <a:solidFill>
+                  <a:srgbClr val="AACAB1"/>
+                </a:solidFill>
+              </a:ln>
+            </p:spPr>
+            <p:style>
+              <a:lnRef idx="1">
+                <a:schemeClr val="accent1"/>
+              </a:lnRef>
+              <a:fillRef idx="0">
+                <a:schemeClr val="accent1"/>
+              </a:fillRef>
+              <a:effectRef idx="0">
+                <a:schemeClr val="accent1"/>
+              </a:effectRef>
+              <a:fontRef idx="minor">
+                <a:schemeClr val="tx1"/>
+              </a:fontRef>
+            </p:style>
+          </p:cxnSp>
+        </p:grpSp>
+        <p:sp>
+          <p:nvSpPr>
+            <p:cNvPr id="119" name="Rectangle 118"/>
+            <p:cNvSpPr/>
+            <p:nvPr/>
+          </p:nvSpPr>
+          <p:spPr>
+            <a:xfrm>
+              <a:off x="12645382" y="557430"/>
+              <a:ext cx="880118" cy="348960"/>
+            </a:xfrm>
+            <a:prstGeom prst="rect">
+              <a:avLst/>
+            </a:prstGeom>
+            <a:solidFill>
+              <a:srgbClr val="AACAB1"/>
+            </a:solidFill>
+            <a:ln w="28575">
+              <a:solidFill>
+                <a:srgbClr val="AACAB1"/>
+              </a:solidFill>
+            </a:ln>
+          </p:spPr>
+          <p:style>
+            <a:lnRef idx="2">
+              <a:schemeClr val="accent1">
+                <a:shade val="50000"/>
+              </a:schemeClr>
+            </a:lnRef>
+            <a:fillRef idx="1">
+              <a:schemeClr val="accent1"/>
+            </a:fillRef>
+            <a:effectRef idx="0">
+              <a:schemeClr val="accent1"/>
+            </a:effectRef>
+            <a:fontRef idx="minor">
+              <a:schemeClr val="lt1"/>
+            </a:fontRef>
+          </p:style>
+          <p:txBody>
+            <a:bodyPr rtlCol="0" anchor="ctr"/>
+            <a:lstStyle/>
+            <a:p>
+              <a:pPr algn="ctr"/>
+              <a:r>
+                <a:rPr lang="en-PH" sz="1400" dirty="0" smtClean="0">
+                  <a:solidFill>
+                    <a:schemeClr val="bg1"/>
+                  </a:solidFill>
+                  <a:latin typeface="Montserrat" panose="00000500000000000000" pitchFamily="2" charset="0"/>
+                </a:rPr>
+                <a:t>GitHub</a:t>
+              </a:r>
+              <a:endParaRPr lang="en-PH" sz="1400" dirty="0">
+                <a:solidFill>
+                  <a:schemeClr val="bg1"/>
+                </a:solidFill>
+                <a:latin typeface="Montserrat" panose="00000500000000000000" pitchFamily="2" charset="0"/>
+              </a:endParaRPr>
+            </a:p>
+          </p:txBody>
+        </p:sp>
+      </p:grpSp>
+      <p:pic>
+        <p:nvPicPr>
+          <p:cNvPr id="7" name="Picture 6"/>
+          <p:cNvPicPr>
+            <a:picLocks noChangeAspect="1"/>
+          </p:cNvPicPr>
+          <p:nvPr/>
+        </p:nvPicPr>
+        <p:blipFill>
+          <a:blip r:embed="rId3">
+            <a:extLst>
+              <a:ext uri="{28A0092B-C50C-407E-A947-70E740481C1C}">
+                <a14:useLocalDpi xmlns:a14="http://schemas.microsoft.com/office/drawing/2010/main" val="0"/>
+              </a:ext>
+            </a:extLst>
+          </a:blip>
+          <a:stretch>
+            <a:fillRect/>
+          </a:stretch>
+        </p:blipFill>
+        <p:spPr>
+          <a:xfrm>
+            <a:off x="332796" y="1200498"/>
+            <a:ext cx="3630003" cy="4130511"/>
+          </a:xfrm>
+          <a:prstGeom prst="rect">
+            <a:avLst/>
+          </a:prstGeom>
+        </p:spPr>
+      </p:pic>
+      <p:pic>
+        <p:nvPicPr>
+          <p:cNvPr id="8" name="Picture 7"/>
+          <p:cNvPicPr>
+            <a:picLocks noChangeAspect="1"/>
+          </p:cNvPicPr>
+          <p:nvPr/>
+        </p:nvPicPr>
+        <p:blipFill>
+          <a:blip r:embed="rId4">
+            <a:extLst>
+              <a:ext uri="{28A0092B-C50C-407E-A947-70E740481C1C}">
+                <a14:useLocalDpi xmlns:a14="http://schemas.microsoft.com/office/drawing/2010/main" val="0"/>
+              </a:ext>
+            </a:extLst>
+          </a:blip>
+          <a:stretch>
+            <a:fillRect/>
+          </a:stretch>
+        </p:blipFill>
+        <p:spPr>
+          <a:xfrm>
+            <a:off x="4314755" y="1226840"/>
+            <a:ext cx="3619466" cy="4104169"/>
+          </a:xfrm>
+          <a:prstGeom prst="rect">
+            <a:avLst/>
+          </a:prstGeom>
+        </p:spPr>
+      </p:pic>
+      <p:pic>
+        <p:nvPicPr>
+          <p:cNvPr id="9" name="Picture 8"/>
+          <p:cNvPicPr>
+            <a:picLocks noChangeAspect="1"/>
+          </p:cNvPicPr>
+          <p:nvPr/>
+        </p:nvPicPr>
+        <p:blipFill>
+          <a:blip r:embed="rId5">
+            <a:extLst>
+              <a:ext uri="{28A0092B-C50C-407E-A947-70E740481C1C}">
+                <a14:useLocalDpi xmlns:a14="http://schemas.microsoft.com/office/drawing/2010/main" val="0"/>
+              </a:ext>
+            </a:extLst>
+          </a:blip>
+          <a:stretch>
+            <a:fillRect/>
+          </a:stretch>
+        </p:blipFill>
+        <p:spPr>
+          <a:xfrm>
+            <a:off x="8286177" y="1200498"/>
+            <a:ext cx="3619466" cy="3319161"/>
+          </a:xfrm>
+          <a:prstGeom prst="rect">
+            <a:avLst/>
+          </a:prstGeom>
+        </p:spPr>
+      </p:pic>
+      <p:pic>
+        <p:nvPicPr>
+          <p:cNvPr id="4" name="Picture 3"/>
+          <p:cNvPicPr>
+            <a:picLocks noChangeAspect="1"/>
+          </p:cNvPicPr>
+          <p:nvPr/>
+        </p:nvPicPr>
+        <p:blipFill>
+          <a:blip r:embed="rId6"/>
+          <a:stretch>
+            <a:fillRect/>
+          </a:stretch>
+        </p:blipFill>
+        <p:spPr>
+          <a:xfrm>
+            <a:off x="28488" y="3347"/>
+            <a:ext cx="12192000" cy="6854653"/>
+          </a:xfrm>
+          <a:prstGeom prst="rect">
+            <a:avLst/>
+          </a:prstGeom>
+        </p:spPr>
+      </p:pic>
+    </p:spTree>
+    <p:extLst>
+      <p:ext uri="{BB962C8B-B14F-4D97-AF65-F5344CB8AC3E}">
+        <p14:creationId xmlns:p14="http://schemas.microsoft.com/office/powerpoint/2010/main" val="1126148280"/>
+      </p:ext>
+    </p:extLst>
+  </p:cSld>
+  <p:clrMapOvr>
+    <a:masterClrMapping/>
+  </p:clrMapOvr>
+  <p:timing>
+    <p:tnLst>
+      <p:par>
+        <p:cTn id="1" dur="indefinite" restart="never" nodeType="tmRoot"/>
+      </p:par>
+    </p:tnLst>
+  </p:timing>
+</p:sld>
+</file>
+
+<file path=ppt/slides/slide4.xml><?xml version="1.0" encoding="utf-8"?>
+<p:sld xmlns:a="http://schemas.openxmlformats.org/drawingml/2006/main" xmlns:r="http://schemas.openxmlformats.org/officeDocument/2006/relationships" xmlns:p="http://schemas.openxmlformats.org/presentationml/2006/main">
+  <p:cSld>
+    <p:spTree>
+      <p:nvGrpSpPr>
+        <p:cNvPr id="1" name=""/>
+        <p:cNvGrpSpPr/>
+        <p:nvPr/>
+      </p:nvGrpSpPr>
+      <p:grpSpPr>
+        <a:xfrm>
+          <a:off x="0" y="0"/>
+          <a:ext cx="0" cy="0"/>
+          <a:chOff x="0" y="0"/>
+          <a:chExt cx="0" cy="0"/>
+        </a:xfrm>
+      </p:grpSpPr>
+      <p:sp>
+        <p:nvSpPr>
+          <p:cNvPr id="3" name="Rectangle 2"/>
+          <p:cNvSpPr/>
+          <p:nvPr/>
+        </p:nvSpPr>
+        <p:spPr>
+          <a:xfrm>
             <a:off x="0" y="0"/>
             <a:ext cx="12192000" cy="1167617"/>
           </a:xfrm>
@@ -6825,7 +11002,7 @@
             <a:lstStyle/>
             <a:p>
               <a:pPr algn="ctr"/>
-              <a:endParaRPr lang="en-PH"/>
+              <a:endParaRPr lang="en-PH" dirty="0"/>
             </a:p>
           </p:txBody>
         </p:sp>
@@ -6871,7 +11048,7 @@
             <a:lstStyle/>
             <a:p>
               <a:pPr algn="ctr"/>
-              <a:endParaRPr lang="en-PH"/>
+              <a:endParaRPr lang="en-PH" dirty="0"/>
             </a:p>
           </p:txBody>
         </p:sp>
@@ -6917,7 +11094,7 @@
             <a:lstStyle/>
             <a:p>
               <a:pPr algn="ctr"/>
-              <a:endParaRPr lang="en-PH"/>
+              <a:endParaRPr lang="en-PH" dirty="0"/>
             </a:p>
           </p:txBody>
         </p:sp>
@@ -6963,7 +11140,7 @@
             <a:lstStyle/>
             <a:p>
               <a:pPr algn="ctr"/>
-              <a:endParaRPr lang="en-PH"/>
+              <a:endParaRPr lang="en-PH" dirty="0"/>
             </a:p>
           </p:txBody>
         </p:sp>
@@ -7009,7 +11186,7 @@
             <a:lstStyle/>
             <a:p>
               <a:pPr algn="ctr"/>
-              <a:endParaRPr lang="en-PH"/>
+              <a:endParaRPr lang="en-PH" dirty="0"/>
             </a:p>
           </p:txBody>
         </p:sp>
@@ -7055,7 +11232,7 @@
             <a:lstStyle/>
             <a:p>
               <a:pPr algn="ctr"/>
-              <a:endParaRPr lang="en-PH"/>
+              <a:endParaRPr lang="en-PH" dirty="0"/>
             </a:p>
           </p:txBody>
         </p:sp>
@@ -7101,7 +11278,7 @@
             <a:lstStyle/>
             <a:p>
               <a:pPr algn="ctr"/>
-              <a:endParaRPr lang="en-PH"/>
+              <a:endParaRPr lang="en-PH" dirty="0"/>
             </a:p>
           </p:txBody>
         </p:sp>
@@ -7147,7 +11324,7 @@
             <a:lstStyle/>
             <a:p>
               <a:pPr algn="ctr"/>
-              <a:endParaRPr lang="en-PH"/>
+              <a:endParaRPr lang="en-PH" dirty="0"/>
             </a:p>
           </p:txBody>
         </p:sp>
@@ -7193,7 +11370,7 @@
             <a:lstStyle/>
             <a:p>
               <a:pPr algn="ctr"/>
-              <a:endParaRPr lang="en-PH"/>
+              <a:endParaRPr lang="en-PH" dirty="0"/>
             </a:p>
           </p:txBody>
         </p:sp>
@@ -7709,6 +11886,2823 @@
           </p:txBody>
         </p:sp>
       </p:grpSp>
+      <p:sp>
+        <p:nvSpPr>
+          <p:cNvPr id="44" name="Rounded Rectangle 43"/>
+          <p:cNvSpPr/>
+          <p:nvPr/>
+        </p:nvSpPr>
+        <p:spPr>
+          <a:xfrm>
+            <a:off x="-6854238" y="983490"/>
+            <a:ext cx="2214000" cy="338953"/>
+          </a:xfrm>
+          <a:prstGeom prst="roundRect">
+            <a:avLst/>
+          </a:prstGeom>
+          <a:solidFill>
+            <a:schemeClr val="tx1">
+              <a:lumMod val="85000"/>
+              <a:lumOff val="15000"/>
+            </a:schemeClr>
+          </a:solidFill>
+          <a:ln>
+            <a:noFill/>
+          </a:ln>
+        </p:spPr>
+        <p:style>
+          <a:lnRef idx="2">
+            <a:schemeClr val="accent1">
+              <a:shade val="50000"/>
+            </a:schemeClr>
+          </a:lnRef>
+          <a:fillRef idx="1">
+            <a:schemeClr val="accent1"/>
+          </a:fillRef>
+          <a:effectRef idx="0">
+            <a:schemeClr val="accent1"/>
+          </a:effectRef>
+          <a:fontRef idx="minor">
+            <a:schemeClr val="lt1"/>
+          </a:fontRef>
+        </p:style>
+        <p:txBody>
+          <a:bodyPr rtlCol="0" anchor="ctr"/>
+          <a:lstStyle/>
+          <a:p>
+            <a:pPr algn="ctr"/>
+            <a:r>
+              <a:rPr lang="en-PH" sz="1400" dirty="0" smtClean="0">
+                <a:latin typeface="Montserrat" panose="00000500000000000000" pitchFamily="2" charset="0"/>
+              </a:rPr>
+              <a:t>Paste names</a:t>
+            </a:r>
+            <a:endParaRPr lang="en-PH" sz="1400" dirty="0">
+              <a:latin typeface="Montserrat" panose="00000500000000000000" pitchFamily="2" charset="0"/>
+            </a:endParaRPr>
+          </a:p>
+        </p:txBody>
+      </p:sp>
+      <p:grpSp>
+        <p:nvGrpSpPr>
+          <p:cNvPr id="45" name="Group 44"/>
+          <p:cNvGrpSpPr/>
+          <p:nvPr/>
+        </p:nvGrpSpPr>
+        <p:grpSpPr>
+          <a:xfrm>
+            <a:off x="-6848481" y="1682664"/>
+            <a:ext cx="5411542" cy="331075"/>
+            <a:chOff x="4925967" y="3687783"/>
+            <a:chExt cx="5411542" cy="331075"/>
+          </a:xfrm>
+        </p:grpSpPr>
+        <p:grpSp>
+          <p:nvGrpSpPr>
+            <p:cNvPr id="46" name="Group 45"/>
+            <p:cNvGrpSpPr/>
+            <p:nvPr/>
+          </p:nvGrpSpPr>
+          <p:grpSpPr>
+            <a:xfrm>
+              <a:off x="6274996" y="3692860"/>
+              <a:ext cx="1628853" cy="307836"/>
+              <a:chOff x="6680155" y="2720059"/>
+              <a:chExt cx="1628853" cy="307836"/>
+            </a:xfrm>
+          </p:grpSpPr>
+          <p:sp>
+            <p:nvSpPr>
+              <p:cNvPr id="61" name="Rectangle 60"/>
+              <p:cNvSpPr/>
+              <p:nvPr/>
+            </p:nvSpPr>
+            <p:spPr>
+              <a:xfrm>
+                <a:off x="6680155" y="2720118"/>
+                <a:ext cx="684803" cy="307777"/>
+              </a:xfrm>
+              <a:prstGeom prst="rect">
+                <a:avLst/>
+              </a:prstGeom>
+              <a:ln>
+                <a:noFill/>
+              </a:ln>
+            </p:spPr>
+            <p:txBody>
+              <a:bodyPr wrap="none">
+                <a:spAutoFit/>
+              </a:bodyPr>
+              <a:lstStyle/>
+              <a:p>
+                <a:pPr algn="ctr"/>
+                <a:r>
+                  <a:rPr lang="en-PH" sz="1400" dirty="0" smtClean="0">
+                    <a:latin typeface="Montserrat" panose="00000500000000000000" pitchFamily="2" charset="0"/>
+                  </a:rPr>
+                  <a:t>style: </a:t>
+                </a:r>
+                <a:endParaRPr lang="en-PH" sz="1400" dirty="0">
+                  <a:latin typeface="Montserrat" panose="00000500000000000000" pitchFamily="2" charset="0"/>
+                </a:endParaRPr>
+              </a:p>
+            </p:txBody>
+          </p:sp>
+          <p:grpSp>
+            <p:nvGrpSpPr>
+              <p:cNvPr id="62" name="Group 61"/>
+              <p:cNvGrpSpPr/>
+              <p:nvPr/>
+            </p:nvGrpSpPr>
+            <p:grpSpPr>
+              <a:xfrm>
+                <a:off x="7373637" y="2720059"/>
+                <a:ext cx="935371" cy="307836"/>
+                <a:chOff x="7412546" y="2824146"/>
+                <a:chExt cx="935371" cy="329534"/>
+              </a:xfrm>
+            </p:grpSpPr>
+            <p:sp>
+              <p:nvSpPr>
+                <p:cNvPr id="63" name="Rectangle 62"/>
+                <p:cNvSpPr/>
+                <p:nvPr/>
+              </p:nvSpPr>
+              <p:spPr>
+                <a:xfrm>
+                  <a:off x="7422678" y="2835371"/>
+                  <a:ext cx="908701" cy="318309"/>
+                </a:xfrm>
+                <a:prstGeom prst="rect">
+                  <a:avLst/>
+                </a:prstGeom>
+                <a:solidFill>
+                  <a:srgbClr val="AACAB1"/>
+                </a:solidFill>
+                <a:ln w="28575">
+                  <a:solidFill>
+                    <a:schemeClr val="tx1">
+                      <a:lumMod val="85000"/>
+                      <a:lumOff val="15000"/>
+                    </a:schemeClr>
+                  </a:solidFill>
+                </a:ln>
+              </p:spPr>
+              <p:style>
+                <a:lnRef idx="2">
+                  <a:schemeClr val="accent1">
+                    <a:shade val="50000"/>
+                  </a:schemeClr>
+                </a:lnRef>
+                <a:fillRef idx="1">
+                  <a:schemeClr val="accent1"/>
+                </a:fillRef>
+                <a:effectRef idx="0">
+                  <a:schemeClr val="accent1"/>
+                </a:effectRef>
+                <a:fontRef idx="minor">
+                  <a:schemeClr val="lt1"/>
+                </a:fontRef>
+              </p:style>
+              <p:txBody>
+                <a:bodyPr rtlCol="0" anchor="ctr"/>
+                <a:lstStyle/>
+                <a:p>
+                  <a:endParaRPr lang="en-PH" sz="1600" dirty="0">
+                    <a:solidFill>
+                      <a:schemeClr val="tx1"/>
+                    </a:solidFill>
+                    <a:latin typeface="Montserrat" panose="00000500000000000000" pitchFamily="2" charset="0"/>
+                  </a:endParaRPr>
+                </a:p>
+              </p:txBody>
+            </p:sp>
+            <p:sp>
+              <p:nvSpPr>
+                <p:cNvPr id="64" name="Rectangle 63"/>
+                <p:cNvSpPr/>
+                <p:nvPr/>
+              </p:nvSpPr>
+              <p:spPr>
+                <a:xfrm>
+                  <a:off x="7412546" y="2824146"/>
+                  <a:ext cx="935371" cy="320400"/>
+                </a:xfrm>
+                <a:prstGeom prst="rect">
+                  <a:avLst/>
+                </a:prstGeom>
+                <a:solidFill>
+                  <a:srgbClr val="D0E2D4"/>
+                </a:solidFill>
+                <a:ln w="28575">
+                  <a:noFill/>
+                </a:ln>
+              </p:spPr>
+              <p:style>
+                <a:lnRef idx="2">
+                  <a:schemeClr val="accent1">
+                    <a:shade val="50000"/>
+                  </a:schemeClr>
+                </a:lnRef>
+                <a:fillRef idx="1">
+                  <a:schemeClr val="accent1"/>
+                </a:fillRef>
+                <a:effectRef idx="0">
+                  <a:schemeClr val="accent1"/>
+                </a:effectRef>
+                <a:fontRef idx="minor">
+                  <a:schemeClr val="lt1"/>
+                </a:fontRef>
+              </p:style>
+              <p:txBody>
+                <a:bodyPr rtlCol="0" anchor="ctr"/>
+                <a:lstStyle/>
+                <a:p>
+                  <a:pPr algn="ctr"/>
+                  <a:endParaRPr lang="en-PH" sz="1200" dirty="0">
+                    <a:solidFill>
+                      <a:schemeClr val="tx1"/>
+                    </a:solidFill>
+                    <a:latin typeface="Montserrat" panose="00000500000000000000" pitchFamily="2" charset="0"/>
+                  </a:endParaRPr>
+                </a:p>
+              </p:txBody>
+            </p:sp>
+          </p:grpSp>
+        </p:grpSp>
+        <p:sp>
+          <p:nvSpPr>
+            <p:cNvPr id="47" name="Isosceles Triangle 46"/>
+            <p:cNvSpPr/>
+            <p:nvPr/>
+          </p:nvSpPr>
+          <p:spPr>
+            <a:xfrm rot="10800000">
+              <a:off x="7670328" y="3806126"/>
+              <a:ext cx="168754" cy="113218"/>
+            </a:xfrm>
+            <a:prstGeom prst="triangle">
+              <a:avLst/>
+            </a:prstGeom>
+            <a:solidFill>
+              <a:srgbClr val="84B28E"/>
+            </a:solidFill>
+            <a:ln>
+              <a:noFill/>
+            </a:ln>
+          </p:spPr>
+          <p:style>
+            <a:lnRef idx="2">
+              <a:schemeClr val="accent1">
+                <a:shade val="50000"/>
+              </a:schemeClr>
+            </a:lnRef>
+            <a:fillRef idx="1">
+              <a:schemeClr val="accent1"/>
+            </a:fillRef>
+            <a:effectRef idx="0">
+              <a:schemeClr val="accent1"/>
+            </a:effectRef>
+            <a:fontRef idx="minor">
+              <a:schemeClr val="lt1"/>
+            </a:fontRef>
+          </p:style>
+          <p:txBody>
+            <a:bodyPr rtlCol="0" anchor="ctr"/>
+            <a:lstStyle/>
+            <a:p>
+              <a:pPr algn="ctr"/>
+              <a:endParaRPr lang="en-PH"/>
+            </a:p>
+          </p:txBody>
+        </p:sp>
+        <p:grpSp>
+          <p:nvGrpSpPr>
+            <p:cNvPr id="48" name="Group 47"/>
+            <p:cNvGrpSpPr/>
+            <p:nvPr/>
+          </p:nvGrpSpPr>
+          <p:grpSpPr>
+            <a:xfrm>
+              <a:off x="4925967" y="3687783"/>
+              <a:ext cx="1255047" cy="318322"/>
+              <a:chOff x="6985468" y="3359675"/>
+              <a:chExt cx="1255047" cy="318322"/>
+            </a:xfrm>
+          </p:grpSpPr>
+          <p:sp>
+            <p:nvSpPr>
+              <p:cNvPr id="54" name="Rectangle 53"/>
+              <p:cNvSpPr/>
+              <p:nvPr/>
+            </p:nvSpPr>
+            <p:spPr>
+              <a:xfrm>
+                <a:off x="6985468" y="3370220"/>
+                <a:ext cx="606256" cy="307777"/>
+              </a:xfrm>
+              <a:prstGeom prst="rect">
+                <a:avLst/>
+              </a:prstGeom>
+              <a:ln>
+                <a:noFill/>
+              </a:ln>
+            </p:spPr>
+            <p:txBody>
+              <a:bodyPr wrap="none">
+                <a:spAutoFit/>
+              </a:bodyPr>
+              <a:lstStyle/>
+              <a:p>
+                <a:pPr algn="ctr"/>
+                <a:r>
+                  <a:rPr lang="en-PH" sz="1400" dirty="0" smtClean="0">
+                    <a:latin typeface="Montserrat" panose="00000500000000000000" pitchFamily="2" charset="0"/>
+                  </a:rPr>
+                  <a:t>size: </a:t>
+                </a:r>
+                <a:endParaRPr lang="en-PH" sz="1400" dirty="0">
+                  <a:latin typeface="Montserrat" panose="00000500000000000000" pitchFamily="2" charset="0"/>
+                </a:endParaRPr>
+              </a:p>
+            </p:txBody>
+          </p:sp>
+          <p:grpSp>
+            <p:nvGrpSpPr>
+              <p:cNvPr id="55" name="Group 54"/>
+              <p:cNvGrpSpPr/>
+              <p:nvPr/>
+            </p:nvGrpSpPr>
+            <p:grpSpPr>
+              <a:xfrm>
+                <a:off x="7595609" y="3359675"/>
+                <a:ext cx="644906" cy="307836"/>
+                <a:chOff x="7412546" y="2824146"/>
+                <a:chExt cx="935371" cy="329534"/>
+              </a:xfrm>
+            </p:grpSpPr>
+            <p:sp>
+              <p:nvSpPr>
+                <p:cNvPr id="59" name="Rectangle 58"/>
+                <p:cNvSpPr/>
+                <p:nvPr/>
+              </p:nvSpPr>
+              <p:spPr>
+                <a:xfrm>
+                  <a:off x="7422678" y="2835371"/>
+                  <a:ext cx="908701" cy="318309"/>
+                </a:xfrm>
+                <a:prstGeom prst="rect">
+                  <a:avLst/>
+                </a:prstGeom>
+                <a:solidFill>
+                  <a:srgbClr val="AACAB1"/>
+                </a:solidFill>
+                <a:ln w="28575">
+                  <a:solidFill>
+                    <a:schemeClr val="tx1">
+                      <a:lumMod val="85000"/>
+                      <a:lumOff val="15000"/>
+                    </a:schemeClr>
+                  </a:solidFill>
+                </a:ln>
+              </p:spPr>
+              <p:style>
+                <a:lnRef idx="2">
+                  <a:schemeClr val="accent1">
+                    <a:shade val="50000"/>
+                  </a:schemeClr>
+                </a:lnRef>
+                <a:fillRef idx="1">
+                  <a:schemeClr val="accent1"/>
+                </a:fillRef>
+                <a:effectRef idx="0">
+                  <a:schemeClr val="accent1"/>
+                </a:effectRef>
+                <a:fontRef idx="minor">
+                  <a:schemeClr val="lt1"/>
+                </a:fontRef>
+              </p:style>
+              <p:txBody>
+                <a:bodyPr rtlCol="0" anchor="ctr"/>
+                <a:lstStyle/>
+                <a:p>
+                  <a:endParaRPr lang="en-PH" sz="1600" dirty="0">
+                    <a:solidFill>
+                      <a:schemeClr val="tx1"/>
+                    </a:solidFill>
+                    <a:latin typeface="Montserrat" panose="00000500000000000000" pitchFamily="2" charset="0"/>
+                  </a:endParaRPr>
+                </a:p>
+              </p:txBody>
+            </p:sp>
+            <p:sp>
+              <p:nvSpPr>
+                <p:cNvPr id="60" name="Rectangle 59"/>
+                <p:cNvSpPr/>
+                <p:nvPr/>
+              </p:nvSpPr>
+              <p:spPr>
+                <a:xfrm>
+                  <a:off x="7412546" y="2824146"/>
+                  <a:ext cx="935371" cy="320400"/>
+                </a:xfrm>
+                <a:prstGeom prst="rect">
+                  <a:avLst/>
+                </a:prstGeom>
+                <a:solidFill>
+                  <a:srgbClr val="D0E2D4"/>
+                </a:solidFill>
+                <a:ln w="28575">
+                  <a:noFill/>
+                </a:ln>
+              </p:spPr>
+              <p:style>
+                <a:lnRef idx="2">
+                  <a:schemeClr val="accent1">
+                    <a:shade val="50000"/>
+                  </a:schemeClr>
+                </a:lnRef>
+                <a:fillRef idx="1">
+                  <a:schemeClr val="accent1"/>
+                </a:fillRef>
+                <a:effectRef idx="0">
+                  <a:schemeClr val="accent1"/>
+                </a:effectRef>
+                <a:fontRef idx="minor">
+                  <a:schemeClr val="lt1"/>
+                </a:fontRef>
+              </p:style>
+              <p:txBody>
+                <a:bodyPr rtlCol="0" anchor="ctr"/>
+                <a:lstStyle/>
+                <a:p>
+                  <a:pPr algn="ctr"/>
+                  <a:endParaRPr lang="en-PH" sz="1200" dirty="0">
+                    <a:solidFill>
+                      <a:schemeClr val="tx1"/>
+                    </a:solidFill>
+                    <a:latin typeface="Montserrat" panose="00000500000000000000" pitchFamily="2" charset="0"/>
+                  </a:endParaRPr>
+                </a:p>
+              </p:txBody>
+            </p:sp>
+          </p:grpSp>
+          <p:grpSp>
+            <p:nvGrpSpPr>
+              <p:cNvPr id="56" name="Group 55"/>
+              <p:cNvGrpSpPr/>
+              <p:nvPr/>
+            </p:nvGrpSpPr>
+            <p:grpSpPr>
+              <a:xfrm>
+                <a:off x="8064438" y="3402088"/>
+                <a:ext cx="107472" cy="233496"/>
+                <a:chOff x="8005763" y="3309221"/>
+                <a:chExt cx="168754" cy="273516"/>
+              </a:xfrm>
+            </p:grpSpPr>
+            <p:sp>
+              <p:nvSpPr>
+                <p:cNvPr id="57" name="Isosceles Triangle 56"/>
+                <p:cNvSpPr/>
+                <p:nvPr/>
+              </p:nvSpPr>
+              <p:spPr>
+                <a:xfrm rot="10800000">
+                  <a:off x="8005763" y="3469519"/>
+                  <a:ext cx="168754" cy="113218"/>
+                </a:xfrm>
+                <a:prstGeom prst="triangle">
+                  <a:avLst/>
+                </a:prstGeom>
+                <a:solidFill>
+                  <a:srgbClr val="84B28E"/>
+                </a:solidFill>
+                <a:ln>
+                  <a:noFill/>
+                </a:ln>
+              </p:spPr>
+              <p:style>
+                <a:lnRef idx="2">
+                  <a:schemeClr val="accent1">
+                    <a:shade val="50000"/>
+                  </a:schemeClr>
+                </a:lnRef>
+                <a:fillRef idx="1">
+                  <a:schemeClr val="accent1"/>
+                </a:fillRef>
+                <a:effectRef idx="0">
+                  <a:schemeClr val="accent1"/>
+                </a:effectRef>
+                <a:fontRef idx="minor">
+                  <a:schemeClr val="lt1"/>
+                </a:fontRef>
+              </p:style>
+              <p:txBody>
+                <a:bodyPr rtlCol="0" anchor="ctr"/>
+                <a:lstStyle/>
+                <a:p>
+                  <a:pPr algn="ctr"/>
+                  <a:endParaRPr lang="en-PH"/>
+                </a:p>
+              </p:txBody>
+            </p:sp>
+            <p:sp>
+              <p:nvSpPr>
+                <p:cNvPr id="58" name="Isosceles Triangle 57"/>
+                <p:cNvSpPr/>
+                <p:nvPr/>
+              </p:nvSpPr>
+              <p:spPr>
+                <a:xfrm>
+                  <a:off x="8005763" y="3309221"/>
+                  <a:ext cx="168754" cy="113218"/>
+                </a:xfrm>
+                <a:prstGeom prst="triangle">
+                  <a:avLst/>
+                </a:prstGeom>
+                <a:solidFill>
+                  <a:srgbClr val="84B28E"/>
+                </a:solidFill>
+                <a:ln>
+                  <a:noFill/>
+                </a:ln>
+              </p:spPr>
+              <p:style>
+                <a:lnRef idx="2">
+                  <a:schemeClr val="accent1">
+                    <a:shade val="50000"/>
+                  </a:schemeClr>
+                </a:lnRef>
+                <a:fillRef idx="1">
+                  <a:schemeClr val="accent1"/>
+                </a:fillRef>
+                <a:effectRef idx="0">
+                  <a:schemeClr val="accent1"/>
+                </a:effectRef>
+                <a:fontRef idx="minor">
+                  <a:schemeClr val="lt1"/>
+                </a:fontRef>
+              </p:style>
+              <p:txBody>
+                <a:bodyPr rtlCol="0" anchor="ctr"/>
+                <a:lstStyle/>
+                <a:p>
+                  <a:pPr algn="ctr"/>
+                  <a:endParaRPr lang="en-PH"/>
+                </a:p>
+              </p:txBody>
+            </p:sp>
+          </p:grpSp>
+        </p:grpSp>
+        <p:sp>
+          <p:nvSpPr>
+            <p:cNvPr id="49" name="Rectangle 48"/>
+            <p:cNvSpPr/>
+            <p:nvPr/>
+          </p:nvSpPr>
+          <p:spPr>
+            <a:xfrm>
+              <a:off x="7965884" y="3711081"/>
+              <a:ext cx="821059" cy="307777"/>
+            </a:xfrm>
+            <a:prstGeom prst="rect">
+              <a:avLst/>
+            </a:prstGeom>
+            <a:ln>
+              <a:noFill/>
+            </a:ln>
+          </p:spPr>
+          <p:txBody>
+            <a:bodyPr wrap="none">
+              <a:spAutoFit/>
+            </a:bodyPr>
+            <a:lstStyle/>
+            <a:p>
+              <a:pPr algn="ctr"/>
+              <a:r>
+                <a:rPr lang="en-PH" sz="1400" dirty="0" smtClean="0">
+                  <a:latin typeface="Montserrat" panose="00000500000000000000" pitchFamily="2" charset="0"/>
+                </a:rPr>
+                <a:t>family: </a:t>
+              </a:r>
+              <a:endParaRPr lang="en-PH" sz="1400" dirty="0">
+                <a:latin typeface="Montserrat" panose="00000500000000000000" pitchFamily="2" charset="0"/>
+              </a:endParaRPr>
+            </a:p>
+          </p:txBody>
+        </p:sp>
+        <p:grpSp>
+          <p:nvGrpSpPr>
+            <p:cNvPr id="50" name="Group 49"/>
+            <p:cNvGrpSpPr/>
+            <p:nvPr/>
+          </p:nvGrpSpPr>
+          <p:grpSpPr>
+            <a:xfrm>
+              <a:off x="8727492" y="3711022"/>
+              <a:ext cx="1610017" cy="307836"/>
+              <a:chOff x="7412546" y="2824146"/>
+              <a:chExt cx="935371" cy="329534"/>
+            </a:xfrm>
+          </p:grpSpPr>
+          <p:sp>
+            <p:nvSpPr>
+              <p:cNvPr id="52" name="Rectangle 51"/>
+              <p:cNvSpPr/>
+              <p:nvPr/>
+            </p:nvSpPr>
+            <p:spPr>
+              <a:xfrm>
+                <a:off x="7422678" y="2835371"/>
+                <a:ext cx="908701" cy="318309"/>
+              </a:xfrm>
+              <a:prstGeom prst="rect">
+                <a:avLst/>
+              </a:prstGeom>
+              <a:solidFill>
+                <a:srgbClr val="AACAB1"/>
+              </a:solidFill>
+              <a:ln w="28575">
+                <a:solidFill>
+                  <a:schemeClr val="tx1">
+                    <a:lumMod val="85000"/>
+                    <a:lumOff val="15000"/>
+                  </a:schemeClr>
+                </a:solidFill>
+              </a:ln>
+            </p:spPr>
+            <p:style>
+              <a:lnRef idx="2">
+                <a:schemeClr val="accent1">
+                  <a:shade val="50000"/>
+                </a:schemeClr>
+              </a:lnRef>
+              <a:fillRef idx="1">
+                <a:schemeClr val="accent1"/>
+              </a:fillRef>
+              <a:effectRef idx="0">
+                <a:schemeClr val="accent1"/>
+              </a:effectRef>
+              <a:fontRef idx="minor">
+                <a:schemeClr val="lt1"/>
+              </a:fontRef>
+            </p:style>
+            <p:txBody>
+              <a:bodyPr rtlCol="0" anchor="ctr"/>
+              <a:lstStyle/>
+              <a:p>
+                <a:endParaRPr lang="en-PH" sz="1600" dirty="0">
+                  <a:solidFill>
+                    <a:schemeClr val="tx1"/>
+                  </a:solidFill>
+                  <a:latin typeface="Montserrat" panose="00000500000000000000" pitchFamily="2" charset="0"/>
+                </a:endParaRPr>
+              </a:p>
+            </p:txBody>
+          </p:sp>
+          <p:sp>
+            <p:nvSpPr>
+              <p:cNvPr id="53" name="Rectangle 52"/>
+              <p:cNvSpPr/>
+              <p:nvPr/>
+            </p:nvSpPr>
+            <p:spPr>
+              <a:xfrm>
+                <a:off x="7412546" y="2824146"/>
+                <a:ext cx="935371" cy="320400"/>
+              </a:xfrm>
+              <a:prstGeom prst="rect">
+                <a:avLst/>
+              </a:prstGeom>
+              <a:solidFill>
+                <a:srgbClr val="D0E2D4"/>
+              </a:solidFill>
+              <a:ln w="28575">
+                <a:noFill/>
+              </a:ln>
+            </p:spPr>
+            <p:style>
+              <a:lnRef idx="2">
+                <a:schemeClr val="accent1">
+                  <a:shade val="50000"/>
+                </a:schemeClr>
+              </a:lnRef>
+              <a:fillRef idx="1">
+                <a:schemeClr val="accent1"/>
+              </a:fillRef>
+              <a:effectRef idx="0">
+                <a:schemeClr val="accent1"/>
+              </a:effectRef>
+              <a:fontRef idx="minor">
+                <a:schemeClr val="lt1"/>
+              </a:fontRef>
+            </p:style>
+            <p:txBody>
+              <a:bodyPr rtlCol="0" anchor="ctr"/>
+              <a:lstStyle/>
+              <a:p>
+                <a:pPr algn="ctr"/>
+                <a:endParaRPr lang="en-PH" sz="1200" dirty="0">
+                  <a:solidFill>
+                    <a:schemeClr val="tx1"/>
+                  </a:solidFill>
+                  <a:latin typeface="Montserrat" panose="00000500000000000000" pitchFamily="2" charset="0"/>
+                </a:endParaRPr>
+              </a:p>
+            </p:txBody>
+          </p:sp>
+        </p:grpSp>
+        <p:sp>
+          <p:nvSpPr>
+            <p:cNvPr id="51" name="Isosceles Triangle 50"/>
+            <p:cNvSpPr/>
+            <p:nvPr/>
+          </p:nvSpPr>
+          <p:spPr>
+            <a:xfrm rot="10800000">
+              <a:off x="10103989" y="3810431"/>
+              <a:ext cx="168754" cy="113218"/>
+            </a:xfrm>
+            <a:prstGeom prst="triangle">
+              <a:avLst/>
+            </a:prstGeom>
+            <a:solidFill>
+              <a:srgbClr val="84B28E"/>
+            </a:solidFill>
+            <a:ln>
+              <a:noFill/>
+            </a:ln>
+          </p:spPr>
+          <p:style>
+            <a:lnRef idx="2">
+              <a:schemeClr val="accent1">
+                <a:shade val="50000"/>
+              </a:schemeClr>
+            </a:lnRef>
+            <a:fillRef idx="1">
+              <a:schemeClr val="accent1"/>
+            </a:fillRef>
+            <a:effectRef idx="0">
+              <a:schemeClr val="accent1"/>
+            </a:effectRef>
+            <a:fontRef idx="minor">
+              <a:schemeClr val="lt1"/>
+            </a:fontRef>
+          </p:style>
+          <p:txBody>
+            <a:bodyPr rtlCol="0" anchor="ctr"/>
+            <a:lstStyle/>
+            <a:p>
+              <a:pPr algn="ctr"/>
+              <a:endParaRPr lang="en-PH"/>
+            </a:p>
+          </p:txBody>
+        </p:sp>
+      </p:grpSp>
+      <p:grpSp>
+        <p:nvGrpSpPr>
+          <p:cNvPr id="65" name="Group 64"/>
+          <p:cNvGrpSpPr/>
+          <p:nvPr/>
+        </p:nvGrpSpPr>
+        <p:grpSpPr>
+          <a:xfrm>
+            <a:off x="-6854238" y="348512"/>
+            <a:ext cx="4714828" cy="364607"/>
+            <a:chOff x="-3283160" y="-2954218"/>
+            <a:chExt cx="4714828" cy="364607"/>
+          </a:xfrm>
+        </p:grpSpPr>
+        <p:sp>
+          <p:nvSpPr>
+            <p:cNvPr id="66" name="Rectangle 65"/>
+            <p:cNvSpPr/>
+            <p:nvPr/>
+          </p:nvSpPr>
+          <p:spPr>
+            <a:xfrm>
+              <a:off x="-3283160" y="-2907920"/>
+              <a:ext cx="1247582" cy="318309"/>
+            </a:xfrm>
+            <a:prstGeom prst="rect">
+              <a:avLst/>
+            </a:prstGeom>
+            <a:solidFill>
+              <a:schemeClr val="tx1">
+                <a:lumMod val="85000"/>
+                <a:lumOff val="15000"/>
+              </a:schemeClr>
+            </a:solidFill>
+            <a:ln w="28575">
+              <a:noFill/>
+            </a:ln>
+          </p:spPr>
+          <p:style>
+            <a:lnRef idx="2">
+              <a:schemeClr val="accent1">
+                <a:shade val="50000"/>
+              </a:schemeClr>
+            </a:lnRef>
+            <a:fillRef idx="1">
+              <a:schemeClr val="accent1"/>
+            </a:fillRef>
+            <a:effectRef idx="0">
+              <a:schemeClr val="accent1"/>
+            </a:effectRef>
+            <a:fontRef idx="minor">
+              <a:schemeClr val="lt1"/>
+            </a:fontRef>
+          </p:style>
+          <p:txBody>
+            <a:bodyPr rtlCol="0" anchor="ctr"/>
+            <a:lstStyle/>
+            <a:p>
+              <a:r>
+                <a:rPr lang="en-PH" sz="1600" dirty="0" smtClean="0">
+                  <a:solidFill>
+                    <a:schemeClr val="bg1"/>
+                  </a:solidFill>
+                  <a:latin typeface="Montserrat" panose="00000500000000000000" pitchFamily="2" charset="0"/>
+                </a:rPr>
+                <a:t>Features</a:t>
+              </a:r>
+              <a:endParaRPr lang="en-PH" sz="1600" dirty="0">
+                <a:solidFill>
+                  <a:schemeClr val="bg1"/>
+                </a:solidFill>
+                <a:latin typeface="Montserrat" panose="00000500000000000000" pitchFamily="2" charset="0"/>
+              </a:endParaRPr>
+            </a:p>
+          </p:txBody>
+        </p:sp>
+        <p:sp>
+          <p:nvSpPr>
+            <p:cNvPr id="67" name="Rectangle 66"/>
+            <p:cNvSpPr/>
+            <p:nvPr/>
+          </p:nvSpPr>
+          <p:spPr>
+            <a:xfrm>
+              <a:off x="-1718332" y="-2907920"/>
+              <a:ext cx="933794" cy="318309"/>
+            </a:xfrm>
+            <a:prstGeom prst="rect">
+              <a:avLst/>
+            </a:prstGeom>
+            <a:solidFill>
+              <a:srgbClr val="AACAB1"/>
+            </a:solidFill>
+            <a:ln w="28575">
+              <a:noFill/>
+            </a:ln>
+          </p:spPr>
+          <p:style>
+            <a:lnRef idx="2">
+              <a:schemeClr val="accent1">
+                <a:shade val="50000"/>
+              </a:schemeClr>
+            </a:lnRef>
+            <a:fillRef idx="1">
+              <a:schemeClr val="accent1"/>
+            </a:fillRef>
+            <a:effectRef idx="0">
+              <a:schemeClr val="accent1"/>
+            </a:effectRef>
+            <a:fontRef idx="minor">
+              <a:schemeClr val="lt1"/>
+            </a:fontRef>
+          </p:style>
+          <p:txBody>
+            <a:bodyPr rtlCol="0" anchor="ctr"/>
+            <a:lstStyle/>
+            <a:p>
+              <a:r>
+                <a:rPr lang="en-PH" sz="1600" dirty="0" smtClean="0">
+                  <a:solidFill>
+                    <a:schemeClr val="bg1"/>
+                  </a:solidFill>
+                  <a:latin typeface="Montserrat" panose="00000500000000000000" pitchFamily="2" charset="0"/>
+                </a:rPr>
+                <a:t>Usage</a:t>
+              </a:r>
+              <a:endParaRPr lang="en-PH" sz="1600" dirty="0">
+                <a:solidFill>
+                  <a:schemeClr val="bg1"/>
+                </a:solidFill>
+                <a:latin typeface="Montserrat" panose="00000500000000000000" pitchFamily="2" charset="0"/>
+              </a:endParaRPr>
+            </a:p>
+          </p:txBody>
+        </p:sp>
+        <p:grpSp>
+          <p:nvGrpSpPr>
+            <p:cNvPr id="68" name="Group 67"/>
+            <p:cNvGrpSpPr/>
+            <p:nvPr/>
+          </p:nvGrpSpPr>
+          <p:grpSpPr>
+            <a:xfrm>
+              <a:off x="-638332" y="-2954218"/>
+              <a:ext cx="2070000" cy="331120"/>
+              <a:chOff x="1211216" y="1034507"/>
+              <a:chExt cx="961200" cy="331120"/>
+            </a:xfrm>
+          </p:grpSpPr>
+          <p:sp>
+            <p:nvSpPr>
+              <p:cNvPr id="69" name="Rectangle 68"/>
+              <p:cNvSpPr/>
+              <p:nvPr/>
+            </p:nvSpPr>
+            <p:spPr>
+              <a:xfrm>
+                <a:off x="1221628" y="1047318"/>
+                <a:ext cx="933794" cy="318309"/>
+              </a:xfrm>
+              <a:prstGeom prst="rect">
+                <a:avLst/>
+              </a:prstGeom>
+              <a:solidFill>
+                <a:srgbClr val="AACAB1"/>
+              </a:solidFill>
+              <a:ln w="28575">
+                <a:solidFill>
+                  <a:schemeClr val="tx1">
+                    <a:lumMod val="85000"/>
+                    <a:lumOff val="15000"/>
+                  </a:schemeClr>
+                </a:solidFill>
+              </a:ln>
+            </p:spPr>
+            <p:style>
+              <a:lnRef idx="2">
+                <a:schemeClr val="accent1">
+                  <a:shade val="50000"/>
+                </a:schemeClr>
+              </a:lnRef>
+              <a:fillRef idx="1">
+                <a:schemeClr val="accent1"/>
+              </a:fillRef>
+              <a:effectRef idx="0">
+                <a:schemeClr val="accent1"/>
+              </a:effectRef>
+              <a:fontRef idx="minor">
+                <a:schemeClr val="lt1"/>
+              </a:fontRef>
+            </p:style>
+            <p:txBody>
+              <a:bodyPr rtlCol="0" anchor="ctr"/>
+              <a:lstStyle/>
+              <a:p>
+                <a:r>
+                  <a:rPr lang="en-PH" sz="1600" i="1" dirty="0" smtClean="0">
+                    <a:solidFill>
+                      <a:schemeClr val="tx1"/>
+                    </a:solidFill>
+                    <a:latin typeface="Montserrat" panose="00000500000000000000" pitchFamily="2" charset="0"/>
+                  </a:rPr>
+                  <a:t>Usage</a:t>
+                </a:r>
+                <a:endParaRPr lang="en-PH" sz="1600" i="1" dirty="0">
+                  <a:solidFill>
+                    <a:schemeClr val="tx1"/>
+                  </a:solidFill>
+                  <a:latin typeface="Montserrat" panose="00000500000000000000" pitchFamily="2" charset="0"/>
+                </a:endParaRPr>
+              </a:p>
+            </p:txBody>
+          </p:sp>
+          <p:sp>
+            <p:nvSpPr>
+              <p:cNvPr id="70" name="Rectangle 69"/>
+              <p:cNvSpPr/>
+              <p:nvPr/>
+            </p:nvSpPr>
+            <p:spPr>
+              <a:xfrm>
+                <a:off x="1211216" y="1034507"/>
+                <a:ext cx="961200" cy="318309"/>
+              </a:xfrm>
+              <a:prstGeom prst="rect">
+                <a:avLst/>
+              </a:prstGeom>
+              <a:solidFill>
+                <a:srgbClr val="AACAB1"/>
+              </a:solidFill>
+              <a:ln w="28575">
+                <a:noFill/>
+              </a:ln>
+            </p:spPr>
+            <p:style>
+              <a:lnRef idx="2">
+                <a:schemeClr val="accent1">
+                  <a:shade val="50000"/>
+                </a:schemeClr>
+              </a:lnRef>
+              <a:fillRef idx="1">
+                <a:schemeClr val="accent1"/>
+              </a:fillRef>
+              <a:effectRef idx="0">
+                <a:schemeClr val="accent1"/>
+              </a:effectRef>
+              <a:fontRef idx="minor">
+                <a:schemeClr val="lt1"/>
+              </a:fontRef>
+            </p:style>
+            <p:txBody>
+              <a:bodyPr rtlCol="0" anchor="ctr"/>
+              <a:lstStyle/>
+              <a:p>
+                <a:pPr algn="ctr"/>
+                <a:r>
+                  <a:rPr lang="en-PH" sz="1400" i="1" dirty="0" smtClean="0">
+                    <a:solidFill>
+                      <a:schemeClr val="tx1"/>
+                    </a:solidFill>
+                    <a:latin typeface="Montserrat" panose="00000500000000000000" pitchFamily="2" charset="0"/>
+                  </a:rPr>
+                  <a:t>Usage</a:t>
+                </a:r>
+                <a:endParaRPr lang="en-PH" sz="1400" i="1" dirty="0">
+                  <a:solidFill>
+                    <a:schemeClr val="tx1"/>
+                  </a:solidFill>
+                  <a:latin typeface="Montserrat" panose="00000500000000000000" pitchFamily="2" charset="0"/>
+                </a:endParaRPr>
+              </a:p>
+            </p:txBody>
+          </p:sp>
+        </p:grpSp>
+      </p:grpSp>
+      <p:grpSp>
+        <p:nvGrpSpPr>
+          <p:cNvPr id="71" name="Group 70"/>
+          <p:cNvGrpSpPr/>
+          <p:nvPr/>
+        </p:nvGrpSpPr>
+        <p:grpSpPr>
+          <a:xfrm>
+            <a:off x="-652841" y="6884293"/>
+            <a:ext cx="4153624" cy="4749855"/>
+            <a:chOff x="1234953" y="1335084"/>
+            <a:chExt cx="4153624" cy="4749855"/>
+          </a:xfrm>
+        </p:grpSpPr>
+        <p:sp>
+          <p:nvSpPr>
+            <p:cNvPr id="72" name="Rectangle 71"/>
+            <p:cNvSpPr/>
+            <p:nvPr/>
+          </p:nvSpPr>
+          <p:spPr>
+            <a:xfrm>
+              <a:off x="1247801" y="1335084"/>
+              <a:ext cx="4127152" cy="4749855"/>
+            </a:xfrm>
+            <a:prstGeom prst="rect">
+              <a:avLst/>
+            </a:prstGeom>
+            <a:solidFill>
+              <a:srgbClr val="AACAB1"/>
+            </a:solidFill>
+            <a:ln>
+              <a:noFill/>
+            </a:ln>
+          </p:spPr>
+          <p:style>
+            <a:lnRef idx="2">
+              <a:schemeClr val="accent1">
+                <a:shade val="50000"/>
+              </a:schemeClr>
+            </a:lnRef>
+            <a:fillRef idx="1">
+              <a:schemeClr val="accent1"/>
+            </a:fillRef>
+            <a:effectRef idx="0">
+              <a:schemeClr val="accent1"/>
+            </a:effectRef>
+            <a:fontRef idx="minor">
+              <a:schemeClr val="lt1"/>
+            </a:fontRef>
+          </p:style>
+          <p:txBody>
+            <a:bodyPr rtlCol="0" anchor="ctr"/>
+            <a:lstStyle/>
+            <a:p>
+              <a:pPr algn="ctr"/>
+              <a:endParaRPr lang="en-PH" dirty="0"/>
+            </a:p>
+          </p:txBody>
+        </p:sp>
+        <p:sp>
+          <p:nvSpPr>
+            <p:cNvPr id="73" name="Rectangle 72"/>
+            <p:cNvSpPr/>
+            <p:nvPr/>
+          </p:nvSpPr>
+          <p:spPr>
+            <a:xfrm>
+              <a:off x="1234953" y="1335085"/>
+              <a:ext cx="4135718" cy="540000"/>
+            </a:xfrm>
+            <a:prstGeom prst="rect">
+              <a:avLst/>
+            </a:prstGeom>
+            <a:solidFill>
+              <a:schemeClr val="tx1">
+                <a:lumMod val="85000"/>
+                <a:lumOff val="15000"/>
+              </a:schemeClr>
+            </a:solidFill>
+            <a:ln w="28575">
+              <a:noFill/>
+            </a:ln>
+          </p:spPr>
+          <p:style>
+            <a:lnRef idx="2">
+              <a:schemeClr val="accent1">
+                <a:shade val="50000"/>
+              </a:schemeClr>
+            </a:lnRef>
+            <a:fillRef idx="1">
+              <a:schemeClr val="accent1"/>
+            </a:fillRef>
+            <a:effectRef idx="0">
+              <a:schemeClr val="accent1"/>
+            </a:effectRef>
+            <a:fontRef idx="minor">
+              <a:schemeClr val="lt1"/>
+            </a:fontRef>
+          </p:style>
+          <p:txBody>
+            <a:bodyPr rtlCol="0" anchor="ctr"/>
+            <a:lstStyle/>
+            <a:p>
+              <a:r>
+                <a:rPr lang="en-PH" dirty="0" smtClean="0">
+                  <a:solidFill>
+                    <a:srgbClr val="AACAB1"/>
+                  </a:solidFill>
+                  <a:latin typeface="Montserrat" panose="00000500000000000000" pitchFamily="2" charset="0"/>
+                </a:rPr>
+                <a:t>Help</a:t>
+              </a:r>
+              <a:endParaRPr lang="en-PH" dirty="0">
+                <a:solidFill>
+                  <a:srgbClr val="AACAB1"/>
+                </a:solidFill>
+                <a:latin typeface="Montserrat" panose="00000500000000000000" pitchFamily="2" charset="0"/>
+              </a:endParaRPr>
+            </a:p>
+          </p:txBody>
+        </p:sp>
+        <p:pic>
+          <p:nvPicPr>
+            <p:cNvPr id="74" name="Picture 2" descr="Close Button - Free shapes icons"/>
+            <p:cNvPicPr>
+              <a:picLocks noChangeAspect="1" noChangeArrowheads="1"/>
+            </p:cNvPicPr>
+            <p:nvPr/>
+          </p:nvPicPr>
+          <p:blipFill>
+            <a:blip r:embed="rId2" cstate="print">
+              <a:extLst>
+                <a:ext uri="{28A0092B-C50C-407E-A947-70E740481C1C}">
+                  <a14:useLocalDpi xmlns:a14="http://schemas.microsoft.com/office/drawing/2010/main" val="0"/>
+                </a:ext>
+              </a:extLst>
+            </a:blip>
+            <a:srcRect/>
+            <a:stretch>
+              <a:fillRect/>
+            </a:stretch>
+          </p:blipFill>
+          <p:spPr bwMode="auto">
+            <a:xfrm>
+              <a:off x="5043557" y="1456760"/>
+              <a:ext cx="216000" cy="216000"/>
+            </a:xfrm>
+            <a:prstGeom prst="rect">
+              <a:avLst/>
+            </a:prstGeom>
+            <a:noFill/>
+            <a:extLst>
+              <a:ext uri="{909E8E84-426E-40DD-AFC4-6F175D3DCCD1}">
+                <a14:hiddenFill xmlns:a14="http://schemas.microsoft.com/office/drawing/2010/main">
+                  <a:solidFill>
+                    <a:srgbClr val="FFFFFF"/>
+                  </a:solidFill>
+                </a14:hiddenFill>
+              </a:ext>
+            </a:extLst>
+          </p:spPr>
+        </p:pic>
+        <p:sp>
+          <p:nvSpPr>
+            <p:cNvPr id="75" name="Rectangle 74"/>
+            <p:cNvSpPr/>
+            <p:nvPr/>
+          </p:nvSpPr>
+          <p:spPr>
+            <a:xfrm>
+              <a:off x="1234954" y="1335085"/>
+              <a:ext cx="4132602" cy="4749854"/>
+            </a:xfrm>
+            <a:prstGeom prst="rect">
+              <a:avLst/>
+            </a:prstGeom>
+            <a:noFill/>
+            <a:ln w="28575">
+              <a:solidFill>
+                <a:schemeClr val="tx1">
+                  <a:lumMod val="85000"/>
+                  <a:lumOff val="15000"/>
+                </a:schemeClr>
+              </a:solidFill>
+            </a:ln>
+          </p:spPr>
+          <p:style>
+            <a:lnRef idx="2">
+              <a:schemeClr val="accent1">
+                <a:shade val="50000"/>
+              </a:schemeClr>
+            </a:lnRef>
+            <a:fillRef idx="1">
+              <a:schemeClr val="accent1"/>
+            </a:fillRef>
+            <a:effectRef idx="0">
+              <a:schemeClr val="accent1"/>
+            </a:effectRef>
+            <a:fontRef idx="minor">
+              <a:schemeClr val="lt1"/>
+            </a:fontRef>
+          </p:style>
+          <p:txBody>
+            <a:bodyPr rtlCol="0" anchor="ctr"/>
+            <a:lstStyle/>
+            <a:p>
+              <a:pPr algn="ctr"/>
+              <a:endParaRPr lang="en-PH" sz="3600" dirty="0">
+                <a:solidFill>
+                  <a:srgbClr val="AACAB1"/>
+                </a:solidFill>
+              </a:endParaRPr>
+            </a:p>
+          </p:txBody>
+        </p:sp>
+        <p:sp>
+          <p:nvSpPr>
+            <p:cNvPr id="76" name="Rectangle 75"/>
+            <p:cNvSpPr/>
+            <p:nvPr/>
+          </p:nvSpPr>
+          <p:spPr>
+            <a:xfrm flipV="1">
+              <a:off x="1241377" y="4097508"/>
+              <a:ext cx="4147200" cy="18000"/>
+            </a:xfrm>
+            <a:prstGeom prst="rect">
+              <a:avLst/>
+            </a:prstGeom>
+            <a:solidFill>
+              <a:schemeClr val="tx1">
+                <a:lumMod val="85000"/>
+                <a:lumOff val="15000"/>
+              </a:schemeClr>
+            </a:solidFill>
+            <a:ln w="28575">
+              <a:noFill/>
+            </a:ln>
+          </p:spPr>
+          <p:style>
+            <a:lnRef idx="2">
+              <a:schemeClr val="accent1">
+                <a:shade val="50000"/>
+              </a:schemeClr>
+            </a:lnRef>
+            <a:fillRef idx="1">
+              <a:schemeClr val="accent1"/>
+            </a:fillRef>
+            <a:effectRef idx="0">
+              <a:schemeClr val="accent1"/>
+            </a:effectRef>
+            <a:fontRef idx="minor">
+              <a:schemeClr val="lt1"/>
+            </a:fontRef>
+          </p:style>
+          <p:txBody>
+            <a:bodyPr rtlCol="0" anchor="ctr"/>
+            <a:lstStyle/>
+            <a:p>
+              <a:endParaRPr lang="en-PH" sz="1600" dirty="0">
+                <a:solidFill>
+                  <a:schemeClr val="bg1"/>
+                </a:solidFill>
+                <a:latin typeface="Montserrat" panose="00000500000000000000" pitchFamily="2" charset="0"/>
+              </a:endParaRPr>
+            </a:p>
+          </p:txBody>
+        </p:sp>
+        <p:sp>
+          <p:nvSpPr>
+            <p:cNvPr id="77" name="Rectangle 76"/>
+            <p:cNvSpPr/>
+            <p:nvPr/>
+          </p:nvSpPr>
+          <p:spPr>
+            <a:xfrm>
+              <a:off x="1262729" y="2314917"/>
+              <a:ext cx="4073099" cy="3770022"/>
+            </a:xfrm>
+            <a:prstGeom prst="rect">
+              <a:avLst/>
+            </a:prstGeom>
+            <a:noFill/>
+            <a:ln>
+              <a:noFill/>
+            </a:ln>
+          </p:spPr>
+          <p:style>
+            <a:lnRef idx="2">
+              <a:schemeClr val="accent1">
+                <a:shade val="50000"/>
+              </a:schemeClr>
+            </a:lnRef>
+            <a:fillRef idx="1">
+              <a:schemeClr val="accent1"/>
+            </a:fillRef>
+            <a:effectRef idx="0">
+              <a:schemeClr val="accent1"/>
+            </a:effectRef>
+            <a:fontRef idx="minor">
+              <a:schemeClr val="lt1"/>
+            </a:fontRef>
+          </p:style>
+          <p:txBody>
+            <a:bodyPr rtlCol="0" anchor="ctr"/>
+            <a:lstStyle/>
+            <a:p>
+              <a:pPr algn="just"/>
+              <a:r>
+                <a:rPr lang="en-PH" sz="1400" dirty="0" smtClean="0">
+                  <a:solidFill>
+                    <a:schemeClr val="tx1">
+                      <a:lumMod val="85000"/>
+                      <a:lumOff val="15000"/>
+                    </a:schemeClr>
+                  </a:solidFill>
+                </a:rPr>
+                <a:t>Lorem ipsum dolor sit amet, consectetur adipisicing elit, sed do eiusmod tempor incididunt ut labore et dolore magna aliqua. Ut enim ad minim veniam, quis nostrud exercitation ullamco laboris nisi ut aliquip ex ea commodo consequat. Duis aute irure dolor in reprehenderit in voluptate velit esse cillum dolore eu fugiat nul. </a:t>
+              </a:r>
+            </a:p>
+            <a:p>
+              <a:pPr algn="just"/>
+              <a:endParaRPr lang="en-PH" sz="1400" dirty="0" smtClean="0">
+                <a:solidFill>
+                  <a:schemeClr val="tx1">
+                    <a:lumMod val="85000"/>
+                    <a:lumOff val="15000"/>
+                  </a:schemeClr>
+                </a:solidFill>
+              </a:endParaRPr>
+            </a:p>
+            <a:p>
+              <a:pPr algn="just"/>
+              <a:r>
+                <a:rPr lang="en-PH" sz="1400" dirty="0" smtClean="0">
+                  <a:solidFill>
+                    <a:schemeClr val="tx1">
+                      <a:lumMod val="85000"/>
+                      <a:lumOff val="15000"/>
+                    </a:schemeClr>
+                  </a:solidFill>
+                </a:rPr>
+                <a:t>Lorem </a:t>
+              </a:r>
+              <a:r>
+                <a:rPr lang="en-PH" sz="1400" dirty="0">
+                  <a:solidFill>
+                    <a:schemeClr val="tx1">
+                      <a:lumMod val="85000"/>
+                      <a:lumOff val="15000"/>
+                    </a:schemeClr>
+                  </a:solidFill>
+                </a:rPr>
+                <a:t>ipsum dolor sit amet, consectetur adipisicing elit, sed do eiusmod tempor incididunt ut labore et dolore magna aliqua. Ut enim ad minim veniam, quis nostrud exercitation ullamco laboris nisi ut aliquip ex ea commodo consequat. Duis aute irure dolor in reprehenderit in voluptate velit esse cillum dolore eu fugiat nul. </a:t>
+              </a:r>
+            </a:p>
+            <a:p>
+              <a:pPr algn="just"/>
+              <a:endParaRPr lang="en-PH" sz="1400" dirty="0">
+                <a:solidFill>
+                  <a:schemeClr val="tx1">
+                    <a:lumMod val="85000"/>
+                    <a:lumOff val="15000"/>
+                  </a:schemeClr>
+                </a:solidFill>
+              </a:endParaRPr>
+            </a:p>
+          </p:txBody>
+        </p:sp>
+        <p:grpSp>
+          <p:nvGrpSpPr>
+            <p:cNvPr id="78" name="Group 77"/>
+            <p:cNvGrpSpPr/>
+            <p:nvPr/>
+          </p:nvGrpSpPr>
+          <p:grpSpPr>
+            <a:xfrm>
+              <a:off x="1249255" y="1971101"/>
+              <a:ext cx="2070000" cy="331120"/>
+              <a:chOff x="1211216" y="1034507"/>
+              <a:chExt cx="961200" cy="331120"/>
+            </a:xfrm>
+          </p:grpSpPr>
+          <p:sp>
+            <p:nvSpPr>
+              <p:cNvPr id="82" name="Rectangle 81"/>
+              <p:cNvSpPr/>
+              <p:nvPr/>
+            </p:nvSpPr>
+            <p:spPr>
+              <a:xfrm>
+                <a:off x="1221628" y="1047318"/>
+                <a:ext cx="933794" cy="318309"/>
+              </a:xfrm>
+              <a:prstGeom prst="rect">
+                <a:avLst/>
+              </a:prstGeom>
+              <a:solidFill>
+                <a:srgbClr val="AACAB1"/>
+              </a:solidFill>
+              <a:ln w="28575">
+                <a:solidFill>
+                  <a:schemeClr val="tx1">
+                    <a:lumMod val="85000"/>
+                    <a:lumOff val="15000"/>
+                  </a:schemeClr>
+                </a:solidFill>
+              </a:ln>
+            </p:spPr>
+            <p:style>
+              <a:lnRef idx="2">
+                <a:schemeClr val="accent1">
+                  <a:shade val="50000"/>
+                </a:schemeClr>
+              </a:lnRef>
+              <a:fillRef idx="1">
+                <a:schemeClr val="accent1"/>
+              </a:fillRef>
+              <a:effectRef idx="0">
+                <a:schemeClr val="accent1"/>
+              </a:effectRef>
+              <a:fontRef idx="minor">
+                <a:schemeClr val="lt1"/>
+              </a:fontRef>
+            </p:style>
+            <p:txBody>
+              <a:bodyPr rtlCol="0" anchor="ctr"/>
+              <a:lstStyle/>
+              <a:p>
+                <a:r>
+                  <a:rPr lang="en-PH" sz="1600" i="1" dirty="0" smtClean="0">
+                    <a:solidFill>
+                      <a:schemeClr val="tx1"/>
+                    </a:solidFill>
+                    <a:latin typeface="Montserrat" panose="00000500000000000000" pitchFamily="2" charset="0"/>
+                  </a:rPr>
+                  <a:t>Usage</a:t>
+                </a:r>
+                <a:endParaRPr lang="en-PH" sz="1600" i="1" dirty="0">
+                  <a:solidFill>
+                    <a:schemeClr val="tx1"/>
+                  </a:solidFill>
+                  <a:latin typeface="Montserrat" panose="00000500000000000000" pitchFamily="2" charset="0"/>
+                </a:endParaRPr>
+              </a:p>
+            </p:txBody>
+          </p:sp>
+          <p:sp>
+            <p:nvSpPr>
+              <p:cNvPr id="83" name="Rectangle 82"/>
+              <p:cNvSpPr/>
+              <p:nvPr/>
+            </p:nvSpPr>
+            <p:spPr>
+              <a:xfrm>
+                <a:off x="1211216" y="1034507"/>
+                <a:ext cx="961200" cy="318309"/>
+              </a:xfrm>
+              <a:prstGeom prst="rect">
+                <a:avLst/>
+              </a:prstGeom>
+              <a:solidFill>
+                <a:srgbClr val="AACAB1"/>
+              </a:solidFill>
+              <a:ln w="28575">
+                <a:noFill/>
+              </a:ln>
+            </p:spPr>
+            <p:style>
+              <a:lnRef idx="2">
+                <a:schemeClr val="accent1">
+                  <a:shade val="50000"/>
+                </a:schemeClr>
+              </a:lnRef>
+              <a:fillRef idx="1">
+                <a:schemeClr val="accent1"/>
+              </a:fillRef>
+              <a:effectRef idx="0">
+                <a:schemeClr val="accent1"/>
+              </a:effectRef>
+              <a:fontRef idx="minor">
+                <a:schemeClr val="lt1"/>
+              </a:fontRef>
+            </p:style>
+            <p:txBody>
+              <a:bodyPr rtlCol="0" anchor="ctr"/>
+              <a:lstStyle/>
+              <a:p>
+                <a:pPr algn="ctr"/>
+                <a:r>
+                  <a:rPr lang="en-PH" sz="1400" i="1" dirty="0" smtClean="0">
+                    <a:solidFill>
+                      <a:schemeClr val="tx1"/>
+                    </a:solidFill>
+                    <a:latin typeface="Montserrat" panose="00000500000000000000" pitchFamily="2" charset="0"/>
+                  </a:rPr>
+                  <a:t>Usage</a:t>
+                </a:r>
+                <a:endParaRPr lang="en-PH" sz="1400" i="1" dirty="0">
+                  <a:solidFill>
+                    <a:schemeClr val="tx1"/>
+                  </a:solidFill>
+                  <a:latin typeface="Montserrat" panose="00000500000000000000" pitchFamily="2" charset="0"/>
+                </a:endParaRPr>
+              </a:p>
+            </p:txBody>
+          </p:sp>
+        </p:grpSp>
+        <p:grpSp>
+          <p:nvGrpSpPr>
+            <p:cNvPr id="79" name="Group 78"/>
+            <p:cNvGrpSpPr/>
+            <p:nvPr/>
+          </p:nvGrpSpPr>
+          <p:grpSpPr>
+            <a:xfrm>
+              <a:off x="3294392" y="1971043"/>
+              <a:ext cx="2070000" cy="331120"/>
+              <a:chOff x="1211216" y="1034507"/>
+              <a:chExt cx="961200" cy="331120"/>
+            </a:xfrm>
+          </p:grpSpPr>
+          <p:sp>
+            <p:nvSpPr>
+              <p:cNvPr id="80" name="Rectangle 79"/>
+              <p:cNvSpPr/>
+              <p:nvPr/>
+            </p:nvSpPr>
+            <p:spPr>
+              <a:xfrm>
+                <a:off x="1221628" y="1047318"/>
+                <a:ext cx="933794" cy="318309"/>
+              </a:xfrm>
+              <a:prstGeom prst="rect">
+                <a:avLst/>
+              </a:prstGeom>
+              <a:solidFill>
+                <a:srgbClr val="AACAB1"/>
+              </a:solidFill>
+              <a:ln w="28575">
+                <a:noFill/>
+              </a:ln>
+            </p:spPr>
+            <p:style>
+              <a:lnRef idx="2">
+                <a:schemeClr val="accent1">
+                  <a:shade val="50000"/>
+                </a:schemeClr>
+              </a:lnRef>
+              <a:fillRef idx="1">
+                <a:schemeClr val="accent1"/>
+              </a:fillRef>
+              <a:effectRef idx="0">
+                <a:schemeClr val="accent1"/>
+              </a:effectRef>
+              <a:fontRef idx="minor">
+                <a:schemeClr val="lt1"/>
+              </a:fontRef>
+            </p:style>
+            <p:txBody>
+              <a:bodyPr rtlCol="0" anchor="ctr"/>
+              <a:lstStyle/>
+              <a:p>
+                <a:r>
+                  <a:rPr lang="en-PH" sz="1600" dirty="0" smtClean="0">
+                    <a:solidFill>
+                      <a:schemeClr val="tx1"/>
+                    </a:solidFill>
+                    <a:latin typeface="Montserrat" panose="00000500000000000000" pitchFamily="2" charset="0"/>
+                  </a:rPr>
+                  <a:t>Usage</a:t>
+                </a:r>
+                <a:endParaRPr lang="en-PH" sz="1600" dirty="0">
+                  <a:solidFill>
+                    <a:schemeClr val="tx1"/>
+                  </a:solidFill>
+                  <a:latin typeface="Montserrat" panose="00000500000000000000" pitchFamily="2" charset="0"/>
+                </a:endParaRPr>
+              </a:p>
+            </p:txBody>
+          </p:sp>
+          <p:sp>
+            <p:nvSpPr>
+              <p:cNvPr id="81" name="Rectangle 80"/>
+              <p:cNvSpPr/>
+              <p:nvPr/>
+            </p:nvSpPr>
+            <p:spPr>
+              <a:xfrm>
+                <a:off x="1211216" y="1034507"/>
+                <a:ext cx="961200" cy="318309"/>
+              </a:xfrm>
+              <a:prstGeom prst="rect">
+                <a:avLst/>
+              </a:prstGeom>
+              <a:solidFill>
+                <a:srgbClr val="AACAB1"/>
+              </a:solidFill>
+              <a:ln w="28575">
+                <a:noFill/>
+              </a:ln>
+            </p:spPr>
+            <p:style>
+              <a:lnRef idx="2">
+                <a:schemeClr val="accent1">
+                  <a:shade val="50000"/>
+                </a:schemeClr>
+              </a:lnRef>
+              <a:fillRef idx="1">
+                <a:schemeClr val="accent1"/>
+              </a:fillRef>
+              <a:effectRef idx="0">
+                <a:schemeClr val="accent1"/>
+              </a:effectRef>
+              <a:fontRef idx="minor">
+                <a:schemeClr val="lt1"/>
+              </a:fontRef>
+            </p:style>
+            <p:txBody>
+              <a:bodyPr rtlCol="0" anchor="ctr"/>
+              <a:lstStyle/>
+              <a:p>
+                <a:pPr algn="ctr"/>
+                <a:r>
+                  <a:rPr lang="en-PH" sz="1400" dirty="0" smtClean="0">
+                    <a:solidFill>
+                      <a:schemeClr val="tx1"/>
+                    </a:solidFill>
+                    <a:latin typeface="Montserrat" panose="00000500000000000000" pitchFamily="2" charset="0"/>
+                  </a:rPr>
+                  <a:t>About</a:t>
+                </a:r>
+                <a:endParaRPr lang="en-PH" sz="1400" dirty="0">
+                  <a:solidFill>
+                    <a:schemeClr val="tx1"/>
+                  </a:solidFill>
+                  <a:latin typeface="Montserrat" panose="00000500000000000000" pitchFamily="2" charset="0"/>
+                </a:endParaRPr>
+              </a:p>
+            </p:txBody>
+          </p:sp>
+        </p:grpSp>
+      </p:grpSp>
+      <p:grpSp>
+        <p:nvGrpSpPr>
+          <p:cNvPr id="84" name="Group 83"/>
+          <p:cNvGrpSpPr/>
+          <p:nvPr/>
+        </p:nvGrpSpPr>
+        <p:grpSpPr>
+          <a:xfrm>
+            <a:off x="4037833" y="6839977"/>
+            <a:ext cx="4135718" cy="4749855"/>
+            <a:chOff x="13094174" y="481513"/>
+            <a:chExt cx="4135718" cy="4749855"/>
+          </a:xfrm>
+        </p:grpSpPr>
+        <p:sp>
+          <p:nvSpPr>
+            <p:cNvPr id="85" name="Rectangle 84"/>
+            <p:cNvSpPr/>
+            <p:nvPr/>
+          </p:nvSpPr>
+          <p:spPr>
+            <a:xfrm>
+              <a:off x="13099402" y="481513"/>
+              <a:ext cx="4127152" cy="4749855"/>
+            </a:xfrm>
+            <a:prstGeom prst="rect">
+              <a:avLst/>
+            </a:prstGeom>
+            <a:solidFill>
+              <a:srgbClr val="AACAB1"/>
+            </a:solidFill>
+            <a:ln>
+              <a:noFill/>
+            </a:ln>
+          </p:spPr>
+          <p:style>
+            <a:lnRef idx="2">
+              <a:schemeClr val="accent1">
+                <a:shade val="50000"/>
+              </a:schemeClr>
+            </a:lnRef>
+            <a:fillRef idx="1">
+              <a:schemeClr val="accent1"/>
+            </a:fillRef>
+            <a:effectRef idx="0">
+              <a:schemeClr val="accent1"/>
+            </a:effectRef>
+            <a:fontRef idx="minor">
+              <a:schemeClr val="lt1"/>
+            </a:fontRef>
+          </p:style>
+          <p:txBody>
+            <a:bodyPr rtlCol="0" anchor="ctr"/>
+            <a:lstStyle/>
+            <a:p>
+              <a:pPr algn="ctr"/>
+              <a:endParaRPr lang="en-PH" dirty="0"/>
+            </a:p>
+          </p:txBody>
+        </p:sp>
+        <p:sp>
+          <p:nvSpPr>
+            <p:cNvPr id="86" name="Rectangle 85"/>
+            <p:cNvSpPr/>
+            <p:nvPr/>
+          </p:nvSpPr>
+          <p:spPr>
+            <a:xfrm>
+              <a:off x="13094174" y="481514"/>
+              <a:ext cx="4135718" cy="540000"/>
+            </a:xfrm>
+            <a:prstGeom prst="rect">
+              <a:avLst/>
+            </a:prstGeom>
+            <a:solidFill>
+              <a:schemeClr val="tx1">
+                <a:lumMod val="85000"/>
+                <a:lumOff val="15000"/>
+              </a:schemeClr>
+            </a:solidFill>
+            <a:ln w="28575">
+              <a:noFill/>
+            </a:ln>
+          </p:spPr>
+          <p:style>
+            <a:lnRef idx="2">
+              <a:schemeClr val="accent1">
+                <a:shade val="50000"/>
+              </a:schemeClr>
+            </a:lnRef>
+            <a:fillRef idx="1">
+              <a:schemeClr val="accent1"/>
+            </a:fillRef>
+            <a:effectRef idx="0">
+              <a:schemeClr val="accent1"/>
+            </a:effectRef>
+            <a:fontRef idx="minor">
+              <a:schemeClr val="lt1"/>
+            </a:fontRef>
+          </p:style>
+          <p:txBody>
+            <a:bodyPr rtlCol="0" anchor="ctr"/>
+            <a:lstStyle/>
+            <a:p>
+              <a:r>
+                <a:rPr lang="en-PH" dirty="0" smtClean="0">
+                  <a:solidFill>
+                    <a:srgbClr val="AACAB1"/>
+                  </a:solidFill>
+                  <a:latin typeface="Montserrat" panose="00000500000000000000" pitchFamily="2" charset="0"/>
+                </a:rPr>
+                <a:t>Settings</a:t>
+              </a:r>
+              <a:endParaRPr lang="en-PH" dirty="0">
+                <a:solidFill>
+                  <a:srgbClr val="AACAB1"/>
+                </a:solidFill>
+                <a:latin typeface="Montserrat" panose="00000500000000000000" pitchFamily="2" charset="0"/>
+              </a:endParaRPr>
+            </a:p>
+          </p:txBody>
+        </p:sp>
+        <p:pic>
+          <p:nvPicPr>
+            <p:cNvPr id="87" name="Picture 2" descr="Close Button - Free shapes icons"/>
+            <p:cNvPicPr>
+              <a:picLocks noChangeAspect="1" noChangeArrowheads="1"/>
+            </p:cNvPicPr>
+            <p:nvPr/>
+          </p:nvPicPr>
+          <p:blipFill>
+            <a:blip r:embed="rId2" cstate="print">
+              <a:extLst>
+                <a:ext uri="{28A0092B-C50C-407E-A947-70E740481C1C}">
+                  <a14:useLocalDpi xmlns:a14="http://schemas.microsoft.com/office/drawing/2010/main" val="0"/>
+                </a:ext>
+              </a:extLst>
+            </a:blip>
+            <a:srcRect/>
+            <a:stretch>
+              <a:fillRect/>
+            </a:stretch>
+          </p:blipFill>
+          <p:spPr bwMode="auto">
+            <a:xfrm>
+              <a:off x="16895158" y="603189"/>
+              <a:ext cx="216000" cy="216000"/>
+            </a:xfrm>
+            <a:prstGeom prst="rect">
+              <a:avLst/>
+            </a:prstGeom>
+            <a:noFill/>
+            <a:extLst>
+              <a:ext uri="{909E8E84-426E-40DD-AFC4-6F175D3DCCD1}">
+                <a14:hiddenFill xmlns:a14="http://schemas.microsoft.com/office/drawing/2010/main">
+                  <a:solidFill>
+                    <a:srgbClr val="FFFFFF"/>
+                  </a:solidFill>
+                </a14:hiddenFill>
+              </a:ext>
+            </a:extLst>
+          </p:spPr>
+        </p:pic>
+        <p:grpSp>
+          <p:nvGrpSpPr>
+            <p:cNvPr id="88" name="Group 87"/>
+            <p:cNvGrpSpPr/>
+            <p:nvPr/>
+          </p:nvGrpSpPr>
+          <p:grpSpPr>
+            <a:xfrm>
+              <a:off x="13100856" y="1117530"/>
+              <a:ext cx="2070000" cy="331120"/>
+              <a:chOff x="1211216" y="1034507"/>
+              <a:chExt cx="961200" cy="331120"/>
+            </a:xfrm>
+          </p:grpSpPr>
+          <p:sp>
+            <p:nvSpPr>
+              <p:cNvPr id="104" name="Rectangle 103"/>
+              <p:cNvSpPr/>
+              <p:nvPr/>
+            </p:nvSpPr>
+            <p:spPr>
+              <a:xfrm>
+                <a:off x="1221628" y="1047318"/>
+                <a:ext cx="933794" cy="318309"/>
+              </a:xfrm>
+              <a:prstGeom prst="rect">
+                <a:avLst/>
+              </a:prstGeom>
+              <a:solidFill>
+                <a:srgbClr val="AACAB1"/>
+              </a:solidFill>
+              <a:ln w="28575">
+                <a:solidFill>
+                  <a:schemeClr val="tx1">
+                    <a:lumMod val="85000"/>
+                    <a:lumOff val="15000"/>
+                  </a:schemeClr>
+                </a:solidFill>
+              </a:ln>
+            </p:spPr>
+            <p:style>
+              <a:lnRef idx="2">
+                <a:schemeClr val="accent1">
+                  <a:shade val="50000"/>
+                </a:schemeClr>
+              </a:lnRef>
+              <a:fillRef idx="1">
+                <a:schemeClr val="accent1"/>
+              </a:fillRef>
+              <a:effectRef idx="0">
+                <a:schemeClr val="accent1"/>
+              </a:effectRef>
+              <a:fontRef idx="minor">
+                <a:schemeClr val="lt1"/>
+              </a:fontRef>
+            </p:style>
+            <p:txBody>
+              <a:bodyPr rtlCol="0" anchor="ctr"/>
+              <a:lstStyle/>
+              <a:p>
+                <a:r>
+                  <a:rPr lang="en-PH" sz="1600" dirty="0" smtClean="0">
+                    <a:solidFill>
+                      <a:schemeClr val="tx1"/>
+                    </a:solidFill>
+                    <a:latin typeface="Montserrat" panose="00000500000000000000" pitchFamily="2" charset="0"/>
+                  </a:rPr>
+                  <a:t>Usage</a:t>
+                </a:r>
+                <a:endParaRPr lang="en-PH" sz="1600" dirty="0">
+                  <a:solidFill>
+                    <a:schemeClr val="tx1"/>
+                  </a:solidFill>
+                  <a:latin typeface="Montserrat" panose="00000500000000000000" pitchFamily="2" charset="0"/>
+                </a:endParaRPr>
+              </a:p>
+            </p:txBody>
+          </p:sp>
+          <p:sp>
+            <p:nvSpPr>
+              <p:cNvPr id="105" name="Rectangle 104"/>
+              <p:cNvSpPr/>
+              <p:nvPr/>
+            </p:nvSpPr>
+            <p:spPr>
+              <a:xfrm>
+                <a:off x="1211216" y="1034507"/>
+                <a:ext cx="961200" cy="318309"/>
+              </a:xfrm>
+              <a:prstGeom prst="rect">
+                <a:avLst/>
+              </a:prstGeom>
+              <a:solidFill>
+                <a:srgbClr val="AACAB1"/>
+              </a:solidFill>
+              <a:ln w="28575">
+                <a:noFill/>
+              </a:ln>
+            </p:spPr>
+            <p:style>
+              <a:lnRef idx="2">
+                <a:schemeClr val="accent1">
+                  <a:shade val="50000"/>
+                </a:schemeClr>
+              </a:lnRef>
+              <a:fillRef idx="1">
+                <a:schemeClr val="accent1"/>
+              </a:fillRef>
+              <a:effectRef idx="0">
+                <a:schemeClr val="accent1"/>
+              </a:effectRef>
+              <a:fontRef idx="minor">
+                <a:schemeClr val="lt1"/>
+              </a:fontRef>
+            </p:style>
+            <p:txBody>
+              <a:bodyPr rtlCol="0" anchor="ctr"/>
+              <a:lstStyle/>
+              <a:p>
+                <a:pPr algn="ctr"/>
+                <a:r>
+                  <a:rPr lang="en-PH" sz="1400" i="1" dirty="0" smtClean="0">
+                    <a:solidFill>
+                      <a:schemeClr val="tx1"/>
+                    </a:solidFill>
+                    <a:latin typeface="Montserrat" panose="00000500000000000000" pitchFamily="2" charset="0"/>
+                  </a:rPr>
+                  <a:t>Template</a:t>
+                </a:r>
+                <a:endParaRPr lang="en-PH" sz="1400" i="1" dirty="0">
+                  <a:solidFill>
+                    <a:schemeClr val="tx1"/>
+                  </a:solidFill>
+                  <a:latin typeface="Montserrat" panose="00000500000000000000" pitchFamily="2" charset="0"/>
+                </a:endParaRPr>
+              </a:p>
+            </p:txBody>
+          </p:sp>
+        </p:grpSp>
+        <p:grpSp>
+          <p:nvGrpSpPr>
+            <p:cNvPr id="89" name="Group 88"/>
+            <p:cNvGrpSpPr/>
+            <p:nvPr/>
+          </p:nvGrpSpPr>
+          <p:grpSpPr>
+            <a:xfrm>
+              <a:off x="15145993" y="1117472"/>
+              <a:ext cx="2070000" cy="331120"/>
+              <a:chOff x="1211216" y="1034507"/>
+              <a:chExt cx="961200" cy="331120"/>
+            </a:xfrm>
+          </p:grpSpPr>
+          <p:sp>
+            <p:nvSpPr>
+              <p:cNvPr id="102" name="Rectangle 101"/>
+              <p:cNvSpPr/>
+              <p:nvPr/>
+            </p:nvSpPr>
+            <p:spPr>
+              <a:xfrm>
+                <a:off x="1221628" y="1047318"/>
+                <a:ext cx="933794" cy="318309"/>
+              </a:xfrm>
+              <a:prstGeom prst="rect">
+                <a:avLst/>
+              </a:prstGeom>
+              <a:solidFill>
+                <a:srgbClr val="AACAB1"/>
+              </a:solidFill>
+              <a:ln w="28575">
+                <a:noFill/>
+              </a:ln>
+            </p:spPr>
+            <p:style>
+              <a:lnRef idx="2">
+                <a:schemeClr val="accent1">
+                  <a:shade val="50000"/>
+                </a:schemeClr>
+              </a:lnRef>
+              <a:fillRef idx="1">
+                <a:schemeClr val="accent1"/>
+              </a:fillRef>
+              <a:effectRef idx="0">
+                <a:schemeClr val="accent1"/>
+              </a:effectRef>
+              <a:fontRef idx="minor">
+                <a:schemeClr val="lt1"/>
+              </a:fontRef>
+            </p:style>
+            <p:txBody>
+              <a:bodyPr rtlCol="0" anchor="ctr"/>
+              <a:lstStyle/>
+              <a:p>
+                <a:r>
+                  <a:rPr lang="en-PH" sz="1600" dirty="0" smtClean="0">
+                    <a:solidFill>
+                      <a:schemeClr val="tx1"/>
+                    </a:solidFill>
+                    <a:latin typeface="Montserrat" panose="00000500000000000000" pitchFamily="2" charset="0"/>
+                  </a:rPr>
+                  <a:t>Usage</a:t>
+                </a:r>
+                <a:endParaRPr lang="en-PH" sz="1600" dirty="0">
+                  <a:solidFill>
+                    <a:schemeClr val="tx1"/>
+                  </a:solidFill>
+                  <a:latin typeface="Montserrat" panose="00000500000000000000" pitchFamily="2" charset="0"/>
+                </a:endParaRPr>
+              </a:p>
+            </p:txBody>
+          </p:sp>
+          <p:sp>
+            <p:nvSpPr>
+              <p:cNvPr id="103" name="Rectangle 102"/>
+              <p:cNvSpPr/>
+              <p:nvPr/>
+            </p:nvSpPr>
+            <p:spPr>
+              <a:xfrm>
+                <a:off x="1211216" y="1034507"/>
+                <a:ext cx="961200" cy="318309"/>
+              </a:xfrm>
+              <a:prstGeom prst="rect">
+                <a:avLst/>
+              </a:prstGeom>
+              <a:solidFill>
+                <a:srgbClr val="AACAB1"/>
+              </a:solidFill>
+              <a:ln w="28575">
+                <a:noFill/>
+              </a:ln>
+            </p:spPr>
+            <p:style>
+              <a:lnRef idx="2">
+                <a:schemeClr val="accent1">
+                  <a:shade val="50000"/>
+                </a:schemeClr>
+              </a:lnRef>
+              <a:fillRef idx="1">
+                <a:schemeClr val="accent1"/>
+              </a:fillRef>
+              <a:effectRef idx="0">
+                <a:schemeClr val="accent1"/>
+              </a:effectRef>
+              <a:fontRef idx="minor">
+                <a:schemeClr val="lt1"/>
+              </a:fontRef>
+            </p:style>
+            <p:txBody>
+              <a:bodyPr rtlCol="0" anchor="ctr"/>
+              <a:lstStyle/>
+              <a:p>
+                <a:pPr algn="ctr"/>
+                <a:r>
+                  <a:rPr lang="en-PH" sz="1400" dirty="0" smtClean="0">
+                    <a:solidFill>
+                      <a:schemeClr val="tx1"/>
+                    </a:solidFill>
+                    <a:latin typeface="Montserrat" panose="00000500000000000000" pitchFamily="2" charset="0"/>
+                  </a:rPr>
+                  <a:t>Names</a:t>
+                </a:r>
+                <a:endParaRPr lang="en-PH" sz="1400" dirty="0">
+                  <a:solidFill>
+                    <a:schemeClr val="tx1"/>
+                  </a:solidFill>
+                  <a:latin typeface="Montserrat" panose="00000500000000000000" pitchFamily="2" charset="0"/>
+                </a:endParaRPr>
+              </a:p>
+            </p:txBody>
+          </p:sp>
+        </p:grpSp>
+        <p:grpSp>
+          <p:nvGrpSpPr>
+            <p:cNvPr id="90" name="Group 89"/>
+            <p:cNvGrpSpPr/>
+            <p:nvPr/>
+          </p:nvGrpSpPr>
+          <p:grpSpPr>
+            <a:xfrm>
+              <a:off x="13751438" y="2983586"/>
+              <a:ext cx="477197" cy="183728"/>
+              <a:chOff x="5542821" y="2919186"/>
+              <a:chExt cx="791446" cy="367620"/>
+            </a:xfrm>
+          </p:grpSpPr>
+          <p:sp>
+            <p:nvSpPr>
+              <p:cNvPr id="100" name="Rounded Rectangle 99"/>
+              <p:cNvSpPr/>
+              <p:nvPr/>
+            </p:nvSpPr>
+            <p:spPr>
+              <a:xfrm>
+                <a:off x="5542821" y="2919186"/>
+                <a:ext cx="791444" cy="362857"/>
+              </a:xfrm>
+              <a:prstGeom prst="roundRect">
+                <a:avLst>
+                  <a:gd name="adj" fmla="val 50000"/>
+                </a:avLst>
+              </a:prstGeom>
+              <a:solidFill>
+                <a:schemeClr val="tx1">
+                  <a:lumMod val="85000"/>
+                  <a:lumOff val="15000"/>
+                </a:schemeClr>
+              </a:solidFill>
+              <a:ln w="19050">
+                <a:solidFill>
+                  <a:schemeClr val="tx1">
+                    <a:lumMod val="85000"/>
+                    <a:lumOff val="15000"/>
+                  </a:schemeClr>
+                </a:solidFill>
+              </a:ln>
+            </p:spPr>
+            <p:style>
+              <a:lnRef idx="2">
+                <a:schemeClr val="accent1">
+                  <a:shade val="50000"/>
+                </a:schemeClr>
+              </a:lnRef>
+              <a:fillRef idx="1">
+                <a:schemeClr val="accent1"/>
+              </a:fillRef>
+              <a:effectRef idx="0">
+                <a:schemeClr val="accent1"/>
+              </a:effectRef>
+              <a:fontRef idx="minor">
+                <a:schemeClr val="lt1"/>
+              </a:fontRef>
+            </p:style>
+            <p:txBody>
+              <a:bodyPr rtlCol="0" anchor="ctr"/>
+              <a:lstStyle/>
+              <a:p>
+                <a:pPr algn="ctr"/>
+                <a:endParaRPr lang="en-PH" dirty="0"/>
+              </a:p>
+            </p:txBody>
+          </p:sp>
+          <p:sp>
+            <p:nvSpPr>
+              <p:cNvPr id="101" name="Rounded Rectangle 100"/>
+              <p:cNvSpPr/>
+              <p:nvPr/>
+            </p:nvSpPr>
+            <p:spPr>
+              <a:xfrm>
+                <a:off x="5904411" y="2923949"/>
+                <a:ext cx="429856" cy="362857"/>
+              </a:xfrm>
+              <a:prstGeom prst="roundRect">
+                <a:avLst>
+                  <a:gd name="adj" fmla="val 50000"/>
+                </a:avLst>
+              </a:prstGeom>
+              <a:solidFill>
+                <a:srgbClr val="A0C4A8"/>
+              </a:solidFill>
+              <a:ln w="19050">
+                <a:solidFill>
+                  <a:schemeClr val="tx1">
+                    <a:lumMod val="85000"/>
+                    <a:lumOff val="15000"/>
+                  </a:schemeClr>
+                </a:solidFill>
+              </a:ln>
+            </p:spPr>
+            <p:style>
+              <a:lnRef idx="2">
+                <a:schemeClr val="accent1">
+                  <a:shade val="50000"/>
+                </a:schemeClr>
+              </a:lnRef>
+              <a:fillRef idx="1">
+                <a:schemeClr val="accent1"/>
+              </a:fillRef>
+              <a:effectRef idx="0">
+                <a:schemeClr val="accent1"/>
+              </a:effectRef>
+              <a:fontRef idx="minor">
+                <a:schemeClr val="lt1"/>
+              </a:fontRef>
+            </p:style>
+            <p:txBody>
+              <a:bodyPr rtlCol="0" anchor="ctr"/>
+              <a:lstStyle/>
+              <a:p>
+                <a:pPr algn="ctr"/>
+                <a:endParaRPr lang="en-PH" dirty="0"/>
+              </a:p>
+            </p:txBody>
+          </p:sp>
+        </p:grpSp>
+        <p:grpSp>
+          <p:nvGrpSpPr>
+            <p:cNvPr id="91" name="Group 90"/>
+            <p:cNvGrpSpPr/>
+            <p:nvPr/>
+          </p:nvGrpSpPr>
+          <p:grpSpPr>
+            <a:xfrm>
+              <a:off x="13123279" y="1725950"/>
+              <a:ext cx="3314548" cy="307836"/>
+              <a:chOff x="4994460" y="2720059"/>
+              <a:chExt cx="3314548" cy="307836"/>
+            </a:xfrm>
+          </p:grpSpPr>
+          <p:sp>
+            <p:nvSpPr>
+              <p:cNvPr id="96" name="Rectangle 95"/>
+              <p:cNvSpPr/>
+              <p:nvPr/>
+            </p:nvSpPr>
+            <p:spPr>
+              <a:xfrm>
+                <a:off x="4994460" y="2720118"/>
+                <a:ext cx="2379177" cy="307777"/>
+              </a:xfrm>
+              <a:prstGeom prst="rect">
+                <a:avLst/>
+              </a:prstGeom>
+              <a:ln>
+                <a:noFill/>
+              </a:ln>
+            </p:spPr>
+            <p:txBody>
+              <a:bodyPr wrap="none">
+                <a:spAutoFit/>
+              </a:bodyPr>
+              <a:lstStyle/>
+              <a:p>
+                <a:pPr algn="ctr"/>
+                <a:r>
+                  <a:rPr lang="en-PH" sz="1400" dirty="0" smtClean="0">
+                    <a:latin typeface="Montserrat" panose="00000500000000000000" pitchFamily="2" charset="0"/>
+                  </a:rPr>
+                  <a:t>Set vertical placeholder: </a:t>
+                </a:r>
+                <a:endParaRPr lang="en-PH" sz="1400" dirty="0">
+                  <a:latin typeface="Montserrat" panose="00000500000000000000" pitchFamily="2" charset="0"/>
+                </a:endParaRPr>
+              </a:p>
+            </p:txBody>
+          </p:sp>
+          <p:grpSp>
+            <p:nvGrpSpPr>
+              <p:cNvPr id="97" name="Group 96"/>
+              <p:cNvGrpSpPr/>
+              <p:nvPr/>
+            </p:nvGrpSpPr>
+            <p:grpSpPr>
+              <a:xfrm>
+                <a:off x="7373637" y="2720059"/>
+                <a:ext cx="935371" cy="307836"/>
+                <a:chOff x="7412546" y="2824146"/>
+                <a:chExt cx="935371" cy="329534"/>
+              </a:xfrm>
+            </p:grpSpPr>
+            <p:sp>
+              <p:nvSpPr>
+                <p:cNvPr id="98" name="Rectangle 97"/>
+                <p:cNvSpPr/>
+                <p:nvPr/>
+              </p:nvSpPr>
+              <p:spPr>
+                <a:xfrm>
+                  <a:off x="7422678" y="2835371"/>
+                  <a:ext cx="908701" cy="318309"/>
+                </a:xfrm>
+                <a:prstGeom prst="rect">
+                  <a:avLst/>
+                </a:prstGeom>
+                <a:solidFill>
+                  <a:srgbClr val="AACAB1"/>
+                </a:solidFill>
+                <a:ln w="28575">
+                  <a:solidFill>
+                    <a:schemeClr val="tx1">
+                      <a:lumMod val="85000"/>
+                      <a:lumOff val="15000"/>
+                    </a:schemeClr>
+                  </a:solidFill>
+                </a:ln>
+              </p:spPr>
+              <p:style>
+                <a:lnRef idx="2">
+                  <a:schemeClr val="accent1">
+                    <a:shade val="50000"/>
+                  </a:schemeClr>
+                </a:lnRef>
+                <a:fillRef idx="1">
+                  <a:schemeClr val="accent1"/>
+                </a:fillRef>
+                <a:effectRef idx="0">
+                  <a:schemeClr val="accent1"/>
+                </a:effectRef>
+                <a:fontRef idx="minor">
+                  <a:schemeClr val="lt1"/>
+                </a:fontRef>
+              </p:style>
+              <p:txBody>
+                <a:bodyPr rtlCol="0" anchor="ctr"/>
+                <a:lstStyle/>
+                <a:p>
+                  <a:endParaRPr lang="en-PH" sz="1600" dirty="0">
+                    <a:solidFill>
+                      <a:schemeClr val="tx1"/>
+                    </a:solidFill>
+                    <a:latin typeface="Montserrat" panose="00000500000000000000" pitchFamily="2" charset="0"/>
+                  </a:endParaRPr>
+                </a:p>
+              </p:txBody>
+            </p:sp>
+            <p:sp>
+              <p:nvSpPr>
+                <p:cNvPr id="99" name="Rectangle 98"/>
+                <p:cNvSpPr/>
+                <p:nvPr/>
+              </p:nvSpPr>
+              <p:spPr>
+                <a:xfrm>
+                  <a:off x="7412546" y="2824146"/>
+                  <a:ext cx="935371" cy="320400"/>
+                </a:xfrm>
+                <a:prstGeom prst="rect">
+                  <a:avLst/>
+                </a:prstGeom>
+                <a:solidFill>
+                  <a:srgbClr val="D0E2D4"/>
+                </a:solidFill>
+                <a:ln w="28575">
+                  <a:noFill/>
+                </a:ln>
+              </p:spPr>
+              <p:style>
+                <a:lnRef idx="2">
+                  <a:schemeClr val="accent1">
+                    <a:shade val="50000"/>
+                  </a:schemeClr>
+                </a:lnRef>
+                <a:fillRef idx="1">
+                  <a:schemeClr val="accent1"/>
+                </a:fillRef>
+                <a:effectRef idx="0">
+                  <a:schemeClr val="accent1"/>
+                </a:effectRef>
+                <a:fontRef idx="minor">
+                  <a:schemeClr val="lt1"/>
+                </a:fontRef>
+              </p:style>
+              <p:txBody>
+                <a:bodyPr rtlCol="0" anchor="ctr"/>
+                <a:lstStyle/>
+                <a:p>
+                  <a:pPr algn="ctr"/>
+                  <a:r>
+                    <a:rPr lang="en-PH" sz="1200" dirty="0" smtClean="0">
+                      <a:noFill/>
+                      <a:latin typeface="Montserrat" panose="00000500000000000000" pitchFamily="2" charset="0"/>
+                    </a:rPr>
+                    <a:t>___</a:t>
+                  </a:r>
+                  <a:r>
+                    <a:rPr lang="en-PH" sz="1200" dirty="0" smtClean="0">
+                      <a:solidFill>
+                        <a:schemeClr val="tx1"/>
+                      </a:solidFill>
+                      <a:latin typeface="Montserrat" panose="00000500000000000000" pitchFamily="2" charset="0"/>
+                    </a:rPr>
+                    <a:t>px</a:t>
+                  </a:r>
+                  <a:endParaRPr lang="en-PH" sz="1200" dirty="0">
+                    <a:solidFill>
+                      <a:schemeClr val="tx1"/>
+                    </a:solidFill>
+                    <a:latin typeface="Montserrat" panose="00000500000000000000" pitchFamily="2" charset="0"/>
+                  </a:endParaRPr>
+                </a:p>
+              </p:txBody>
+            </p:sp>
+          </p:grpSp>
+        </p:grpSp>
+        <p:grpSp>
+          <p:nvGrpSpPr>
+            <p:cNvPr id="92" name="Group 91"/>
+            <p:cNvGrpSpPr/>
+            <p:nvPr/>
+          </p:nvGrpSpPr>
+          <p:grpSpPr>
+            <a:xfrm>
+              <a:off x="13116328" y="2166002"/>
+              <a:ext cx="3864464" cy="590813"/>
+              <a:chOff x="4919016" y="3384218"/>
+              <a:chExt cx="3864464" cy="590813"/>
+            </a:xfrm>
+          </p:grpSpPr>
+          <p:sp>
+            <p:nvSpPr>
+              <p:cNvPr id="94" name="Rectangle 93"/>
+              <p:cNvSpPr/>
+              <p:nvPr/>
+            </p:nvSpPr>
+            <p:spPr>
+              <a:xfrm>
+                <a:off x="4919016" y="3384218"/>
+                <a:ext cx="635110" cy="323165"/>
+              </a:xfrm>
+              <a:prstGeom prst="rect">
+                <a:avLst/>
+              </a:prstGeom>
+            </p:spPr>
+            <p:txBody>
+              <a:bodyPr wrap="none">
+                <a:spAutoFit/>
+              </a:bodyPr>
+              <a:lstStyle/>
+              <a:p>
+                <a:r>
+                  <a:rPr lang="en-PH" sz="1500" dirty="0" smtClean="0">
+                    <a:latin typeface="Montserrat" panose="00000500000000000000" pitchFamily="2" charset="0"/>
+                  </a:rPr>
+                  <a:t>Font</a:t>
+                </a:r>
+                <a:endParaRPr lang="en-PH" sz="1500" dirty="0"/>
+              </a:p>
+            </p:txBody>
+          </p:sp>
+          <p:pic>
+            <p:nvPicPr>
+              <p:cNvPr id="95" name="Picture 94"/>
+              <p:cNvPicPr>
+                <a:picLocks noChangeAspect="1"/>
+              </p:cNvPicPr>
+              <p:nvPr/>
+            </p:nvPicPr>
+            <p:blipFill>
+              <a:blip r:embed="rId3">
+                <a:extLst>
+                  <a:ext uri="{28A0092B-C50C-407E-A947-70E740481C1C}">
+                    <a14:useLocalDpi xmlns:a14="http://schemas.microsoft.com/office/drawing/2010/main" val="0"/>
+                  </a:ext>
+                </a:extLst>
+              </a:blip>
+              <a:stretch>
+                <a:fillRect/>
+              </a:stretch>
+            </p:blipFill>
+            <p:spPr>
+              <a:xfrm>
+                <a:off x="5010850" y="3695263"/>
+                <a:ext cx="3772630" cy="279768"/>
+              </a:xfrm>
+              <a:prstGeom prst="rect">
+                <a:avLst/>
+              </a:prstGeom>
+            </p:spPr>
+          </p:pic>
+        </p:grpSp>
+        <p:sp>
+          <p:nvSpPr>
+            <p:cNvPr id="93" name="Rectangle 92"/>
+            <p:cNvSpPr/>
+            <p:nvPr/>
+          </p:nvSpPr>
+          <p:spPr>
+            <a:xfrm>
+              <a:off x="13121489" y="2913868"/>
+              <a:ext cx="540533" cy="323165"/>
+            </a:xfrm>
+            <a:prstGeom prst="rect">
+              <a:avLst/>
+            </a:prstGeom>
+          </p:spPr>
+          <p:txBody>
+            <a:bodyPr wrap="none">
+              <a:spAutoFit/>
+            </a:bodyPr>
+            <a:lstStyle/>
+            <a:p>
+              <a:r>
+                <a:rPr lang="en-PH" sz="1500" dirty="0" smtClean="0">
+                  <a:latin typeface="Montserrat" panose="00000500000000000000" pitchFamily="2" charset="0"/>
+                </a:rPr>
+                <a:t>Etc.</a:t>
+              </a:r>
+              <a:endParaRPr lang="en-PH" sz="1500" dirty="0"/>
+            </a:p>
+          </p:txBody>
+        </p:sp>
+      </p:grpSp>
+      <p:grpSp>
+        <p:nvGrpSpPr>
+          <p:cNvPr id="106" name="Group 105"/>
+          <p:cNvGrpSpPr/>
+          <p:nvPr/>
+        </p:nvGrpSpPr>
+        <p:grpSpPr>
+          <a:xfrm>
+            <a:off x="8731622" y="6839977"/>
+            <a:ext cx="4135718" cy="3835131"/>
+            <a:chOff x="17526366" y="481513"/>
+            <a:chExt cx="4135718" cy="3835131"/>
+          </a:xfrm>
+        </p:grpSpPr>
+        <p:sp>
+          <p:nvSpPr>
+            <p:cNvPr id="107" name="Rectangle 106"/>
+            <p:cNvSpPr/>
+            <p:nvPr/>
+          </p:nvSpPr>
+          <p:spPr>
+            <a:xfrm>
+              <a:off x="17531594" y="481513"/>
+              <a:ext cx="4127152" cy="3835131"/>
+            </a:xfrm>
+            <a:prstGeom prst="rect">
+              <a:avLst/>
+            </a:prstGeom>
+            <a:solidFill>
+              <a:srgbClr val="AACAB1"/>
+            </a:solidFill>
+            <a:ln>
+              <a:noFill/>
+            </a:ln>
+          </p:spPr>
+          <p:style>
+            <a:lnRef idx="2">
+              <a:schemeClr val="accent1">
+                <a:shade val="50000"/>
+              </a:schemeClr>
+            </a:lnRef>
+            <a:fillRef idx="1">
+              <a:schemeClr val="accent1"/>
+            </a:fillRef>
+            <a:effectRef idx="0">
+              <a:schemeClr val="accent1"/>
+            </a:effectRef>
+            <a:fontRef idx="minor">
+              <a:schemeClr val="lt1"/>
+            </a:fontRef>
+          </p:style>
+          <p:txBody>
+            <a:bodyPr rtlCol="0" anchor="ctr"/>
+            <a:lstStyle/>
+            <a:p>
+              <a:pPr algn="ctr"/>
+              <a:endParaRPr lang="en-PH" dirty="0"/>
+            </a:p>
+          </p:txBody>
+        </p:sp>
+        <p:sp>
+          <p:nvSpPr>
+            <p:cNvPr id="108" name="Rectangle 107"/>
+            <p:cNvSpPr/>
+            <p:nvPr/>
+          </p:nvSpPr>
+          <p:spPr>
+            <a:xfrm>
+              <a:off x="17526366" y="481514"/>
+              <a:ext cx="4135718" cy="540000"/>
+            </a:xfrm>
+            <a:prstGeom prst="rect">
+              <a:avLst/>
+            </a:prstGeom>
+            <a:solidFill>
+              <a:schemeClr val="tx1">
+                <a:lumMod val="85000"/>
+                <a:lumOff val="15000"/>
+              </a:schemeClr>
+            </a:solidFill>
+            <a:ln w="28575">
+              <a:noFill/>
+            </a:ln>
+          </p:spPr>
+          <p:style>
+            <a:lnRef idx="2">
+              <a:schemeClr val="accent1">
+                <a:shade val="50000"/>
+              </a:schemeClr>
+            </a:lnRef>
+            <a:fillRef idx="1">
+              <a:schemeClr val="accent1"/>
+            </a:fillRef>
+            <a:effectRef idx="0">
+              <a:schemeClr val="accent1"/>
+            </a:effectRef>
+            <a:fontRef idx="minor">
+              <a:schemeClr val="lt1"/>
+            </a:fontRef>
+          </p:style>
+          <p:txBody>
+            <a:bodyPr rtlCol="0" anchor="ctr"/>
+            <a:lstStyle/>
+            <a:p>
+              <a:r>
+                <a:rPr lang="en-PH" dirty="0" smtClean="0">
+                  <a:solidFill>
+                    <a:srgbClr val="AACAB1"/>
+                  </a:solidFill>
+                  <a:latin typeface="Montserrat" panose="00000500000000000000" pitchFamily="2" charset="0"/>
+                </a:rPr>
+                <a:t>View Generated</a:t>
+              </a:r>
+              <a:endParaRPr lang="en-PH" dirty="0">
+                <a:solidFill>
+                  <a:srgbClr val="AACAB1"/>
+                </a:solidFill>
+                <a:latin typeface="Montserrat" panose="00000500000000000000" pitchFamily="2" charset="0"/>
+              </a:endParaRPr>
+            </a:p>
+          </p:txBody>
+        </p:sp>
+        <p:pic>
+          <p:nvPicPr>
+            <p:cNvPr id="109" name="Picture 2" descr="Close Button - Free shapes icons"/>
+            <p:cNvPicPr>
+              <a:picLocks noChangeAspect="1" noChangeArrowheads="1"/>
+            </p:cNvPicPr>
+            <p:nvPr/>
+          </p:nvPicPr>
+          <p:blipFill>
+            <a:blip r:embed="rId2" cstate="print">
+              <a:extLst>
+                <a:ext uri="{28A0092B-C50C-407E-A947-70E740481C1C}">
+                  <a14:useLocalDpi xmlns:a14="http://schemas.microsoft.com/office/drawing/2010/main" val="0"/>
+                </a:ext>
+              </a:extLst>
+            </a:blip>
+            <a:srcRect/>
+            <a:stretch>
+              <a:fillRect/>
+            </a:stretch>
+          </p:blipFill>
+          <p:spPr bwMode="auto">
+            <a:xfrm>
+              <a:off x="21327350" y="603189"/>
+              <a:ext cx="216000" cy="216000"/>
+            </a:xfrm>
+            <a:prstGeom prst="rect">
+              <a:avLst/>
+            </a:prstGeom>
+            <a:noFill/>
+            <a:extLst>
+              <a:ext uri="{909E8E84-426E-40DD-AFC4-6F175D3DCCD1}">
+                <a14:hiddenFill xmlns:a14="http://schemas.microsoft.com/office/drawing/2010/main">
+                  <a:solidFill>
+                    <a:srgbClr val="FFFFFF"/>
+                  </a:solidFill>
+                </a14:hiddenFill>
+              </a:ext>
+            </a:extLst>
+          </p:spPr>
+        </p:pic>
+        <p:grpSp>
+          <p:nvGrpSpPr>
+            <p:cNvPr id="110" name="Group 109"/>
+            <p:cNvGrpSpPr/>
+            <p:nvPr/>
+          </p:nvGrpSpPr>
+          <p:grpSpPr>
+            <a:xfrm>
+              <a:off x="17815720" y="1192057"/>
+              <a:ext cx="3511630" cy="2323873"/>
+              <a:chOff x="8610514" y="2336197"/>
+              <a:chExt cx="3511630" cy="2323873"/>
+            </a:xfrm>
+          </p:grpSpPr>
+          <p:sp>
+            <p:nvSpPr>
+              <p:cNvPr id="111" name="Rectangle 110"/>
+              <p:cNvSpPr/>
+              <p:nvPr/>
+            </p:nvSpPr>
+            <p:spPr>
+              <a:xfrm>
+                <a:off x="8610514" y="2342575"/>
+                <a:ext cx="3511630" cy="2311119"/>
+              </a:xfrm>
+              <a:prstGeom prst="rect">
+                <a:avLst/>
+              </a:prstGeom>
+              <a:solidFill>
+                <a:srgbClr val="E4E6E7"/>
+              </a:solidFill>
+              <a:ln>
+                <a:noFill/>
+              </a:ln>
+            </p:spPr>
+            <p:style>
+              <a:lnRef idx="2">
+                <a:schemeClr val="accent1">
+                  <a:shade val="50000"/>
+                </a:schemeClr>
+              </a:lnRef>
+              <a:fillRef idx="1">
+                <a:schemeClr val="accent1"/>
+              </a:fillRef>
+              <a:effectRef idx="0">
+                <a:schemeClr val="accent1"/>
+              </a:effectRef>
+              <a:fontRef idx="minor">
+                <a:schemeClr val="lt1"/>
+              </a:fontRef>
+            </p:style>
+            <p:txBody>
+              <a:bodyPr rtlCol="0" anchor="ctr"/>
+              <a:lstStyle/>
+              <a:p>
+                <a:pPr algn="ctr"/>
+                <a:endParaRPr lang="en-PH"/>
+              </a:p>
+            </p:txBody>
+          </p:sp>
+          <p:pic>
+            <p:nvPicPr>
+              <p:cNvPr id="112" name="Picture 4" descr="Blank Profile Picture Mystery Man - Free vector graphic on Pixabay"/>
+              <p:cNvPicPr>
+                <a:picLocks noChangeAspect="1" noChangeArrowheads="1"/>
+              </p:cNvPicPr>
+              <p:nvPr/>
+            </p:nvPicPr>
+            <p:blipFill>
+              <a:blip r:embed="rId4" cstate="print">
+                <a:extLst>
+                  <a:ext uri="{28A0092B-C50C-407E-A947-70E740481C1C}">
+                    <a14:useLocalDpi xmlns:a14="http://schemas.microsoft.com/office/drawing/2010/main" val="0"/>
+                  </a:ext>
+                </a:extLst>
+              </a:blip>
+              <a:srcRect/>
+              <a:stretch>
+                <a:fillRect/>
+              </a:stretch>
+            </p:blipFill>
+            <p:spPr bwMode="auto">
+              <a:xfrm>
+                <a:off x="9200313" y="2336197"/>
+                <a:ext cx="2323873" cy="2323873"/>
+              </a:xfrm>
+              <a:prstGeom prst="rect">
+                <a:avLst/>
+              </a:prstGeom>
+              <a:noFill/>
+              <a:extLst>
+                <a:ext uri="{909E8E84-426E-40DD-AFC4-6F175D3DCCD1}">
+                  <a14:hiddenFill xmlns:a14="http://schemas.microsoft.com/office/drawing/2010/main">
+                    <a:solidFill>
+                      <a:srgbClr val="FFFFFF"/>
+                    </a:solidFill>
+                  </a14:hiddenFill>
+                </a:ext>
+              </a:extLst>
+            </p:spPr>
+          </p:pic>
+        </p:grpSp>
+      </p:grpSp>
     </p:spTree>
     <p:extLst>
       <p:ext uri="{BB962C8B-B14F-4D97-AF65-F5344CB8AC3E}">
@@ -7726,60 +14720,6 @@
       </p:par>
     </p:tnLst>
   </p:timing>
-</p:sld>
-</file>
-
-<file path=ppt/slides/slide3.xml><?xml version="1.0" encoding="utf-8"?>
-<p:sld xmlns:a="http://schemas.openxmlformats.org/drawingml/2006/main" xmlns:r="http://schemas.openxmlformats.org/officeDocument/2006/relationships" xmlns:p="http://schemas.openxmlformats.org/presentationml/2006/main">
-  <p:cSld>
-    <p:spTree>
-      <p:nvGrpSpPr>
-        <p:cNvPr id="1" name=""/>
-        <p:cNvGrpSpPr/>
-        <p:nvPr/>
-      </p:nvGrpSpPr>
-      <p:grpSpPr>
-        <a:xfrm>
-          <a:off x="0" y="0"/>
-          <a:ext cx="0" cy="0"/>
-          <a:chOff x="0" y="0"/>
-          <a:chExt cx="0" cy="0"/>
-        </a:xfrm>
-      </p:grpSpPr>
-      <p:pic>
-        <p:nvPicPr>
-          <p:cNvPr id="4" name="Picture 3"/>
-          <p:cNvPicPr>
-            <a:picLocks noChangeAspect="1"/>
-          </p:cNvPicPr>
-          <p:nvPr/>
-        </p:nvPicPr>
-        <p:blipFill>
-          <a:blip r:embed="rId2"/>
-          <a:stretch>
-            <a:fillRect/>
-          </a:stretch>
-        </p:blipFill>
-        <p:spPr>
-          <a:xfrm>
-            <a:off x="0" y="1673"/>
-            <a:ext cx="12192000" cy="6854653"/>
-          </a:xfrm>
-          <a:prstGeom prst="rect">
-            <a:avLst/>
-          </a:prstGeom>
-        </p:spPr>
-      </p:pic>
-    </p:spTree>
-    <p:extLst>
-      <p:ext uri="{BB962C8B-B14F-4D97-AF65-F5344CB8AC3E}">
-        <p14:creationId xmlns:p14="http://schemas.microsoft.com/office/powerpoint/2010/main" val="2491880172"/>
-      </p:ext>
-    </p:extLst>
-  </p:cSld>
-  <p:clrMapOvr>
-    <a:masterClrMapping/>
-  </p:clrMapOvr>
 </p:sld>
 </file>
 
